--- a/Second-Article/graphics/Figures.pptx
+++ b/Second-Article/graphics/Figures.pptx
@@ -5383,7 +5383,7 @@
         <p:spPr>
           <a:xfrm>
             <a:off x="1777285" y="4352120"/>
-            <a:ext cx="5499278" cy="0"/>
+            <a:ext cx="5321347" cy="0"/>
           </a:xfrm>
           <a:prstGeom prst="straightConnector1">
             <a:avLst/>
@@ -5418,7 +5418,7 @@
         </p:nvSpPr>
         <p:spPr>
           <a:xfrm>
-            <a:off x="7218431" y="4149008"/>
+            <a:off x="7037953" y="4149008"/>
             <a:ext cx="649537" cy="369332"/>
           </a:xfrm>
           <a:prstGeom prst="rect">
@@ -5471,41 +5471,6 @@
           </a:fontRef>
         </p:style>
       </p:cxnSp>
-      <p:cxnSp>
-        <p:nvCxnSpPr>
-          <p:cNvPr id="43" name="Straight Connector 42"/>
-          <p:cNvCxnSpPr/>
-          <p:nvPr/>
-        </p:nvCxnSpPr>
-        <p:spPr>
-          <a:xfrm>
-            <a:off x="4793696" y="3823214"/>
-            <a:ext cx="0" cy="527050"/>
-          </a:xfrm>
-          <a:prstGeom prst="line">
-            <a:avLst/>
-          </a:prstGeom>
-          <a:ln w="28575">
-            <a:solidFill>
-              <a:srgbClr val="C00000"/>
-            </a:solidFill>
-          </a:ln>
-        </p:spPr>
-        <p:style>
-          <a:lnRef idx="1">
-            <a:schemeClr val="accent1"/>
-          </a:lnRef>
-          <a:fillRef idx="0">
-            <a:schemeClr val="accent1"/>
-          </a:fillRef>
-          <a:effectRef idx="0">
-            <a:schemeClr val="accent1"/>
-          </a:effectRef>
-          <a:fontRef idx="minor">
-            <a:schemeClr val="tx1"/>
-          </a:fontRef>
-        </p:style>
-      </p:cxnSp>
       <p:sp>
         <p:nvSpPr>
           <p:cNvPr id="44" name="Rectangle 43"/>
@@ -5555,41 +5520,6 @@
           </a:p>
         </p:txBody>
       </p:sp>
-      <p:cxnSp>
-        <p:nvCxnSpPr>
-          <p:cNvPr id="45" name="Straight Connector 44"/>
-          <p:cNvCxnSpPr/>
-          <p:nvPr/>
-        </p:nvCxnSpPr>
-        <p:spPr>
-          <a:xfrm>
-            <a:off x="6355931" y="3825070"/>
-            <a:ext cx="0" cy="527050"/>
-          </a:xfrm>
-          <a:prstGeom prst="line">
-            <a:avLst/>
-          </a:prstGeom>
-          <a:ln w="28575">
-            <a:solidFill>
-              <a:srgbClr val="C00000"/>
-            </a:solidFill>
-          </a:ln>
-        </p:spPr>
-        <p:style>
-          <a:lnRef idx="1">
-            <a:schemeClr val="accent1"/>
-          </a:lnRef>
-          <a:fillRef idx="0">
-            <a:schemeClr val="accent1"/>
-          </a:fillRef>
-          <a:effectRef idx="0">
-            <a:schemeClr val="accent1"/>
-          </a:effectRef>
-          <a:fontRef idx="minor">
-            <a:schemeClr val="tx1"/>
-          </a:fontRef>
-        </p:style>
-      </p:cxnSp>
       <p:sp>
         <p:nvSpPr>
           <p:cNvPr id="46" name="Rectangle 45"/>
@@ -5598,7 +5528,7 @@
         </p:nvSpPr>
         <p:spPr>
           <a:xfrm>
-            <a:off x="5803996" y="4088595"/>
+            <a:off x="5695710" y="4088595"/>
             <a:ext cx="1103870" cy="263525"/>
           </a:xfrm>
           <a:prstGeom prst="rect">
@@ -5647,7 +5577,7 @@
         </p:nvSpPr>
         <p:spPr>
           <a:xfrm>
-            <a:off x="4357115" y="3796809"/>
+            <a:off x="4549905" y="4033835"/>
             <a:ext cx="458780" cy="369332"/>
           </a:xfrm>
           <a:prstGeom prst="rect">
@@ -5677,7 +5607,7 @@
         </p:nvSpPr>
         <p:spPr>
           <a:xfrm>
-            <a:off x="5803996" y="3797705"/>
+            <a:off x="5945321" y="4033835"/>
             <a:ext cx="614271" cy="369332"/>
           </a:xfrm>
           <a:prstGeom prst="rect">
@@ -5895,41 +5825,6 @@
           </a:fontRef>
         </p:style>
       </p:cxnSp>
-      <p:cxnSp>
-        <p:nvCxnSpPr>
-          <p:cNvPr id="61" name="Straight Connector 60"/>
-          <p:cNvCxnSpPr/>
-          <p:nvPr/>
-        </p:nvCxnSpPr>
-        <p:spPr>
-          <a:xfrm>
-            <a:off x="3547723" y="3823214"/>
-            <a:ext cx="0" cy="527050"/>
-          </a:xfrm>
-          <a:prstGeom prst="line">
-            <a:avLst/>
-          </a:prstGeom>
-          <a:ln w="28575">
-            <a:solidFill>
-              <a:srgbClr val="C00000"/>
-            </a:solidFill>
-          </a:ln>
-        </p:spPr>
-        <p:style>
-          <a:lnRef idx="1">
-            <a:schemeClr val="accent1"/>
-          </a:lnRef>
-          <a:fillRef idx="0">
-            <a:schemeClr val="accent1"/>
-          </a:fillRef>
-          <a:effectRef idx="0">
-            <a:schemeClr val="accent1"/>
-          </a:effectRef>
-          <a:fontRef idx="minor">
-            <a:schemeClr val="tx1"/>
-          </a:fontRef>
-        </p:style>
-      </p:cxnSp>
       <p:sp>
         <p:nvSpPr>
           <p:cNvPr id="62" name="Rectangle 61"/>
@@ -5987,7 +5882,7 @@
         </p:nvSpPr>
         <p:spPr>
           <a:xfrm>
-            <a:off x="3129060" y="3795351"/>
+            <a:off x="3143606" y="4033835"/>
             <a:ext cx="458780" cy="369332"/>
           </a:xfrm>
           <a:prstGeom prst="rect">
@@ -6668,6 +6563,1160 @@
           <a:chExt cx="0" cy="0"/>
         </a:xfrm>
       </p:grpSpPr>
+      <p:sp>
+        <p:nvSpPr>
+          <p:cNvPr id="2" name="TextBox 1"/>
+          <p:cNvSpPr txBox="1"/>
+          <p:nvPr/>
+        </p:nvSpPr>
+        <p:spPr>
+          <a:xfrm>
+            <a:off x="2137893" y="1378039"/>
+            <a:ext cx="556563" cy="369332"/>
+          </a:xfrm>
+          <a:prstGeom prst="rect">
+            <a:avLst/>
+          </a:prstGeom>
+          <a:noFill/>
+        </p:spPr>
+        <p:txBody>
+          <a:bodyPr wrap="none" rtlCol="0">
+            <a:spAutoFit/>
+          </a:bodyPr>
+          <a:lstStyle/>
+          <a:p>
+            <a:r>
+              <a:rPr lang="en-US" dirty="0" smtClean="0"/>
+              <a:t>GSR</a:t>
+            </a:r>
+            <a:endParaRPr lang="en-US" dirty="0"/>
+          </a:p>
+        </p:txBody>
+      </p:sp>
+      <p:sp>
+        <p:nvSpPr>
+          <p:cNvPr id="3" name="TextBox 2"/>
+          <p:cNvSpPr txBox="1"/>
+          <p:nvPr/>
+        </p:nvSpPr>
+        <p:spPr>
+          <a:xfrm>
+            <a:off x="2143343" y="2058473"/>
+            <a:ext cx="551113" cy="369332"/>
+          </a:xfrm>
+          <a:prstGeom prst="rect">
+            <a:avLst/>
+          </a:prstGeom>
+          <a:noFill/>
+        </p:spPr>
+        <p:txBody>
+          <a:bodyPr wrap="none" rtlCol="0">
+            <a:spAutoFit/>
+          </a:bodyPr>
+          <a:lstStyle/>
+          <a:p>
+            <a:r>
+              <a:rPr lang="en-US" dirty="0" smtClean="0"/>
+              <a:t>EEG</a:t>
+            </a:r>
+            <a:endParaRPr lang="en-US" dirty="0"/>
+          </a:p>
+        </p:txBody>
+      </p:sp>
+      <p:sp>
+        <p:nvSpPr>
+          <p:cNvPr id="4" name="TextBox 3"/>
+          <p:cNvSpPr txBox="1"/>
+          <p:nvPr/>
+        </p:nvSpPr>
+        <p:spPr>
+          <a:xfrm>
+            <a:off x="2137893" y="2765220"/>
+            <a:ext cx="450764" cy="369332"/>
+          </a:xfrm>
+          <a:prstGeom prst="rect">
+            <a:avLst/>
+          </a:prstGeom>
+          <a:noFill/>
+        </p:spPr>
+        <p:txBody>
+          <a:bodyPr wrap="none" rtlCol="0">
+            <a:spAutoFit/>
+          </a:bodyPr>
+          <a:lstStyle/>
+          <a:p>
+            <a:r>
+              <a:rPr lang="en-US" dirty="0" smtClean="0"/>
+              <a:t>HR</a:t>
+            </a:r>
+            <a:endParaRPr lang="en-US" dirty="0"/>
+          </a:p>
+        </p:txBody>
+      </p:sp>
+      <p:sp>
+        <p:nvSpPr>
+          <p:cNvPr id="5" name="TextBox 4"/>
+          <p:cNvSpPr txBox="1"/>
+          <p:nvPr/>
+        </p:nvSpPr>
+        <p:spPr>
+          <a:xfrm>
+            <a:off x="2137893" y="3467957"/>
+            <a:ext cx="760144" cy="369332"/>
+          </a:xfrm>
+          <a:prstGeom prst="rect">
+            <a:avLst/>
+          </a:prstGeom>
+          <a:noFill/>
+        </p:spPr>
+        <p:txBody>
+          <a:bodyPr wrap="none" rtlCol="0">
+            <a:spAutoFit/>
+          </a:bodyPr>
+          <a:lstStyle/>
+          <a:p>
+            <a:r>
+              <a:rPr lang="en-US" dirty="0" smtClean="0"/>
+              <a:t>Kinect</a:t>
+            </a:r>
+          </a:p>
+        </p:txBody>
+      </p:sp>
+      <p:cxnSp>
+        <p:nvCxnSpPr>
+          <p:cNvPr id="6" name="Straight Arrow Connector 5"/>
+          <p:cNvCxnSpPr/>
+          <p:nvPr/>
+        </p:nvCxnSpPr>
+        <p:spPr>
+          <a:xfrm>
+            <a:off x="2844578" y="1607534"/>
+            <a:ext cx="5063050" cy="0"/>
+          </a:xfrm>
+          <a:prstGeom prst="straightConnector1">
+            <a:avLst/>
+          </a:prstGeom>
+          <a:ln>
+            <a:solidFill>
+              <a:schemeClr val="tx1"/>
+            </a:solidFill>
+            <a:tailEnd type="triangle"/>
+          </a:ln>
+        </p:spPr>
+        <p:style>
+          <a:lnRef idx="1">
+            <a:schemeClr val="accent1"/>
+          </a:lnRef>
+          <a:fillRef idx="0">
+            <a:schemeClr val="accent1"/>
+          </a:fillRef>
+          <a:effectRef idx="0">
+            <a:schemeClr val="accent1"/>
+          </a:effectRef>
+          <a:fontRef idx="minor">
+            <a:schemeClr val="tx1"/>
+          </a:fontRef>
+        </p:style>
+      </p:cxnSp>
+      <p:sp>
+        <p:nvSpPr>
+          <p:cNvPr id="9" name="Rectangle 8"/>
+          <p:cNvSpPr/>
+          <p:nvPr/>
+        </p:nvSpPr>
+        <p:spPr>
+          <a:xfrm>
+            <a:off x="3026535" y="1341684"/>
+            <a:ext cx="2199292" cy="265851"/>
+          </a:xfrm>
+          <a:prstGeom prst="rect">
+            <a:avLst/>
+          </a:prstGeom>
+          <a:solidFill>
+            <a:schemeClr val="accent1">
+              <a:lumMod val="75000"/>
+              <a:alpha val="54000"/>
+            </a:schemeClr>
+          </a:solidFill>
+          <a:ln>
+            <a:noFill/>
+          </a:ln>
+        </p:spPr>
+        <p:style>
+          <a:lnRef idx="2">
+            <a:schemeClr val="accent1">
+              <a:shade val="50000"/>
+            </a:schemeClr>
+          </a:lnRef>
+          <a:fillRef idx="1">
+            <a:schemeClr val="accent1"/>
+          </a:fillRef>
+          <a:effectRef idx="0">
+            <a:schemeClr val="accent1"/>
+          </a:effectRef>
+          <a:fontRef idx="minor">
+            <a:schemeClr val="lt1"/>
+          </a:fontRef>
+        </p:style>
+        <p:txBody>
+          <a:bodyPr rtlCol="0" anchor="ctr"/>
+          <a:lstStyle/>
+          <a:p>
+            <a:pPr algn="ctr"/>
+            <a:endParaRPr lang="en-US"/>
+          </a:p>
+        </p:txBody>
+      </p:sp>
+      <p:sp>
+        <p:nvSpPr>
+          <p:cNvPr id="20" name="Rectangle 19"/>
+          <p:cNvSpPr/>
+          <p:nvPr/>
+        </p:nvSpPr>
+        <p:spPr>
+          <a:xfrm>
+            <a:off x="6265725" y="1337932"/>
+            <a:ext cx="1500236" cy="267278"/>
+          </a:xfrm>
+          <a:prstGeom prst="rect">
+            <a:avLst/>
+          </a:prstGeom>
+          <a:solidFill>
+            <a:schemeClr val="accent1">
+              <a:lumMod val="75000"/>
+              <a:alpha val="54000"/>
+            </a:schemeClr>
+          </a:solidFill>
+          <a:ln>
+            <a:noFill/>
+          </a:ln>
+        </p:spPr>
+        <p:style>
+          <a:lnRef idx="2">
+            <a:schemeClr val="accent1">
+              <a:shade val="50000"/>
+            </a:schemeClr>
+          </a:lnRef>
+          <a:fillRef idx="1">
+            <a:schemeClr val="accent1"/>
+          </a:fillRef>
+          <a:effectRef idx="0">
+            <a:schemeClr val="accent1"/>
+          </a:effectRef>
+          <a:fontRef idx="minor">
+            <a:schemeClr val="lt1"/>
+          </a:fontRef>
+        </p:style>
+        <p:txBody>
+          <a:bodyPr rtlCol="0" anchor="ctr"/>
+          <a:lstStyle/>
+          <a:p>
+            <a:pPr algn="ctr"/>
+            <a:endParaRPr lang="en-US"/>
+          </a:p>
+        </p:txBody>
+      </p:sp>
+      <p:cxnSp>
+        <p:nvCxnSpPr>
+          <p:cNvPr id="21" name="Straight Arrow Connector 20"/>
+          <p:cNvCxnSpPr/>
+          <p:nvPr/>
+        </p:nvCxnSpPr>
+        <p:spPr>
+          <a:xfrm>
+            <a:off x="2844578" y="2285854"/>
+            <a:ext cx="5063050" cy="0"/>
+          </a:xfrm>
+          <a:prstGeom prst="straightConnector1">
+            <a:avLst/>
+          </a:prstGeom>
+          <a:ln>
+            <a:solidFill>
+              <a:schemeClr val="tx1"/>
+            </a:solidFill>
+            <a:tailEnd type="triangle"/>
+          </a:ln>
+        </p:spPr>
+        <p:style>
+          <a:lnRef idx="1">
+            <a:schemeClr val="accent1"/>
+          </a:lnRef>
+          <a:fillRef idx="0">
+            <a:schemeClr val="accent1"/>
+          </a:fillRef>
+          <a:effectRef idx="0">
+            <a:schemeClr val="accent1"/>
+          </a:effectRef>
+          <a:fontRef idx="minor">
+            <a:schemeClr val="tx1"/>
+          </a:fontRef>
+        </p:style>
+      </p:cxnSp>
+      <p:sp>
+        <p:nvSpPr>
+          <p:cNvPr id="27" name="Rectangle 26"/>
+          <p:cNvSpPr/>
+          <p:nvPr/>
+        </p:nvSpPr>
+        <p:spPr>
+          <a:xfrm>
+            <a:off x="6265725" y="2016252"/>
+            <a:ext cx="1500236" cy="267278"/>
+          </a:xfrm>
+          <a:prstGeom prst="rect">
+            <a:avLst/>
+          </a:prstGeom>
+          <a:solidFill>
+            <a:schemeClr val="accent1">
+              <a:lumMod val="75000"/>
+              <a:alpha val="54000"/>
+            </a:schemeClr>
+          </a:solidFill>
+          <a:ln>
+            <a:noFill/>
+          </a:ln>
+        </p:spPr>
+        <p:style>
+          <a:lnRef idx="2">
+            <a:schemeClr val="accent1">
+              <a:shade val="50000"/>
+            </a:schemeClr>
+          </a:lnRef>
+          <a:fillRef idx="1">
+            <a:schemeClr val="accent1"/>
+          </a:fillRef>
+          <a:effectRef idx="0">
+            <a:schemeClr val="accent1"/>
+          </a:effectRef>
+          <a:fontRef idx="minor">
+            <a:schemeClr val="lt1"/>
+          </a:fontRef>
+        </p:style>
+        <p:txBody>
+          <a:bodyPr rtlCol="0" anchor="ctr"/>
+          <a:lstStyle/>
+          <a:p>
+            <a:pPr algn="ctr"/>
+            <a:endParaRPr lang="en-US"/>
+          </a:p>
+        </p:txBody>
+      </p:sp>
+      <p:cxnSp>
+        <p:nvCxnSpPr>
+          <p:cNvPr id="28" name="Straight Arrow Connector 27"/>
+          <p:cNvCxnSpPr/>
+          <p:nvPr/>
+        </p:nvCxnSpPr>
+        <p:spPr>
+          <a:xfrm>
+            <a:off x="2844578" y="2970251"/>
+            <a:ext cx="5063050" cy="0"/>
+          </a:xfrm>
+          <a:prstGeom prst="straightConnector1">
+            <a:avLst/>
+          </a:prstGeom>
+          <a:ln>
+            <a:solidFill>
+              <a:schemeClr val="tx1"/>
+            </a:solidFill>
+            <a:tailEnd type="triangle"/>
+          </a:ln>
+        </p:spPr>
+        <p:style>
+          <a:lnRef idx="1">
+            <a:schemeClr val="accent1"/>
+          </a:lnRef>
+          <a:fillRef idx="0">
+            <a:schemeClr val="accent1"/>
+          </a:fillRef>
+          <a:effectRef idx="0">
+            <a:schemeClr val="accent1"/>
+          </a:effectRef>
+          <a:fontRef idx="minor">
+            <a:schemeClr val="tx1"/>
+          </a:fontRef>
+        </p:style>
+      </p:cxnSp>
+      <p:sp>
+        <p:nvSpPr>
+          <p:cNvPr id="30" name="Rectangle 29"/>
+          <p:cNvSpPr/>
+          <p:nvPr/>
+        </p:nvSpPr>
+        <p:spPr>
+          <a:xfrm>
+            <a:off x="2898037" y="2704401"/>
+            <a:ext cx="2150870" cy="265851"/>
+          </a:xfrm>
+          <a:prstGeom prst="rect">
+            <a:avLst/>
+          </a:prstGeom>
+          <a:solidFill>
+            <a:schemeClr val="accent1">
+              <a:lumMod val="75000"/>
+              <a:alpha val="54000"/>
+            </a:schemeClr>
+          </a:solidFill>
+          <a:ln>
+            <a:noFill/>
+          </a:ln>
+        </p:spPr>
+        <p:style>
+          <a:lnRef idx="2">
+            <a:schemeClr val="accent1">
+              <a:shade val="50000"/>
+            </a:schemeClr>
+          </a:lnRef>
+          <a:fillRef idx="1">
+            <a:schemeClr val="accent1"/>
+          </a:fillRef>
+          <a:effectRef idx="0">
+            <a:schemeClr val="accent1"/>
+          </a:effectRef>
+          <a:fontRef idx="minor">
+            <a:schemeClr val="lt1"/>
+          </a:fontRef>
+        </p:style>
+        <p:txBody>
+          <a:bodyPr rtlCol="0" anchor="ctr"/>
+          <a:lstStyle/>
+          <a:p>
+            <a:pPr algn="ctr"/>
+            <a:endParaRPr lang="en-US"/>
+          </a:p>
+        </p:txBody>
+      </p:sp>
+      <p:sp>
+        <p:nvSpPr>
+          <p:cNvPr id="34" name="Rectangle 33"/>
+          <p:cNvSpPr/>
+          <p:nvPr/>
+        </p:nvSpPr>
+        <p:spPr>
+          <a:xfrm>
+            <a:off x="6265725" y="2700649"/>
+            <a:ext cx="1500236" cy="267278"/>
+          </a:xfrm>
+          <a:prstGeom prst="rect">
+            <a:avLst/>
+          </a:prstGeom>
+          <a:solidFill>
+            <a:schemeClr val="accent1">
+              <a:lumMod val="75000"/>
+              <a:alpha val="54000"/>
+            </a:schemeClr>
+          </a:solidFill>
+          <a:ln>
+            <a:noFill/>
+          </a:ln>
+        </p:spPr>
+        <p:style>
+          <a:lnRef idx="2">
+            <a:schemeClr val="accent1">
+              <a:shade val="50000"/>
+            </a:schemeClr>
+          </a:lnRef>
+          <a:fillRef idx="1">
+            <a:schemeClr val="accent1"/>
+          </a:fillRef>
+          <a:effectRef idx="0">
+            <a:schemeClr val="accent1"/>
+          </a:effectRef>
+          <a:fontRef idx="minor">
+            <a:schemeClr val="lt1"/>
+          </a:fontRef>
+        </p:style>
+        <p:txBody>
+          <a:bodyPr rtlCol="0" anchor="ctr"/>
+          <a:lstStyle/>
+          <a:p>
+            <a:pPr algn="ctr"/>
+            <a:endParaRPr lang="en-US"/>
+          </a:p>
+        </p:txBody>
+      </p:sp>
+      <p:cxnSp>
+        <p:nvCxnSpPr>
+          <p:cNvPr id="35" name="Straight Arrow Connector 34"/>
+          <p:cNvCxnSpPr/>
+          <p:nvPr/>
+        </p:nvCxnSpPr>
+        <p:spPr>
+          <a:xfrm>
+            <a:off x="2844578" y="3654948"/>
+            <a:ext cx="5063050" cy="0"/>
+          </a:xfrm>
+          <a:prstGeom prst="straightConnector1">
+            <a:avLst/>
+          </a:prstGeom>
+          <a:ln>
+            <a:solidFill>
+              <a:schemeClr val="tx1"/>
+            </a:solidFill>
+            <a:tailEnd type="triangle"/>
+          </a:ln>
+        </p:spPr>
+        <p:style>
+          <a:lnRef idx="1">
+            <a:schemeClr val="accent1"/>
+          </a:lnRef>
+          <a:fillRef idx="0">
+            <a:schemeClr val="accent1"/>
+          </a:fillRef>
+          <a:effectRef idx="0">
+            <a:schemeClr val="accent1"/>
+          </a:effectRef>
+          <a:fontRef idx="minor">
+            <a:schemeClr val="tx1"/>
+          </a:fontRef>
+        </p:style>
+      </p:cxnSp>
+      <p:sp>
+        <p:nvSpPr>
+          <p:cNvPr id="37" name="Rectangle 36"/>
+          <p:cNvSpPr/>
+          <p:nvPr/>
+        </p:nvSpPr>
+        <p:spPr>
+          <a:xfrm>
+            <a:off x="4080122" y="3388799"/>
+            <a:ext cx="1895734" cy="266149"/>
+          </a:xfrm>
+          <a:prstGeom prst="rect">
+            <a:avLst/>
+          </a:prstGeom>
+          <a:solidFill>
+            <a:schemeClr val="accent1">
+              <a:lumMod val="75000"/>
+              <a:alpha val="54000"/>
+            </a:schemeClr>
+          </a:solidFill>
+          <a:ln>
+            <a:noFill/>
+          </a:ln>
+        </p:spPr>
+        <p:style>
+          <a:lnRef idx="2">
+            <a:schemeClr val="accent1">
+              <a:shade val="50000"/>
+            </a:schemeClr>
+          </a:lnRef>
+          <a:fillRef idx="1">
+            <a:schemeClr val="accent1"/>
+          </a:fillRef>
+          <a:effectRef idx="0">
+            <a:schemeClr val="accent1"/>
+          </a:effectRef>
+          <a:fontRef idx="minor">
+            <a:schemeClr val="lt1"/>
+          </a:fontRef>
+        </p:style>
+        <p:txBody>
+          <a:bodyPr rtlCol="0" anchor="ctr"/>
+          <a:lstStyle/>
+          <a:p>
+            <a:pPr algn="ctr"/>
+            <a:endParaRPr lang="en-US"/>
+          </a:p>
+        </p:txBody>
+      </p:sp>
+      <p:sp>
+        <p:nvSpPr>
+          <p:cNvPr id="41" name="Rectangle 40"/>
+          <p:cNvSpPr/>
+          <p:nvPr/>
+        </p:nvSpPr>
+        <p:spPr>
+          <a:xfrm>
+            <a:off x="6265725" y="3385346"/>
+            <a:ext cx="1500236" cy="267278"/>
+          </a:xfrm>
+          <a:prstGeom prst="rect">
+            <a:avLst/>
+          </a:prstGeom>
+          <a:solidFill>
+            <a:schemeClr val="accent1">
+              <a:lumMod val="75000"/>
+              <a:alpha val="54000"/>
+            </a:schemeClr>
+          </a:solidFill>
+          <a:ln>
+            <a:noFill/>
+          </a:ln>
+        </p:spPr>
+        <p:style>
+          <a:lnRef idx="2">
+            <a:schemeClr val="accent1">
+              <a:shade val="50000"/>
+            </a:schemeClr>
+          </a:lnRef>
+          <a:fillRef idx="1">
+            <a:schemeClr val="accent1"/>
+          </a:fillRef>
+          <a:effectRef idx="0">
+            <a:schemeClr val="accent1"/>
+          </a:effectRef>
+          <a:fontRef idx="minor">
+            <a:schemeClr val="lt1"/>
+          </a:fontRef>
+        </p:style>
+        <p:txBody>
+          <a:bodyPr rtlCol="0" anchor="ctr"/>
+          <a:lstStyle/>
+          <a:p>
+            <a:pPr algn="ctr"/>
+            <a:endParaRPr lang="en-US"/>
+          </a:p>
+        </p:txBody>
+      </p:sp>
+      <p:cxnSp>
+        <p:nvCxnSpPr>
+          <p:cNvPr id="43" name="Straight Connector 42"/>
+          <p:cNvCxnSpPr/>
+          <p:nvPr/>
+        </p:nvCxnSpPr>
+        <p:spPr>
+          <a:xfrm flipV="1">
+            <a:off x="3876541" y="1005189"/>
+            <a:ext cx="0" cy="2871374"/>
+          </a:xfrm>
+          <a:prstGeom prst="line">
+            <a:avLst/>
+          </a:prstGeom>
+          <a:ln w="28575">
+            <a:solidFill>
+              <a:schemeClr val="tx1"/>
+            </a:solidFill>
+          </a:ln>
+        </p:spPr>
+        <p:style>
+          <a:lnRef idx="1">
+            <a:schemeClr val="accent1"/>
+          </a:lnRef>
+          <a:fillRef idx="0">
+            <a:schemeClr val="accent1"/>
+          </a:fillRef>
+          <a:effectRef idx="0">
+            <a:schemeClr val="accent1"/>
+          </a:effectRef>
+          <a:fontRef idx="minor">
+            <a:schemeClr val="tx1"/>
+          </a:fontRef>
+        </p:style>
+      </p:cxnSp>
+      <mc:AlternateContent xmlns:mc="http://schemas.openxmlformats.org/markup-compatibility/2006">
+        <mc:Choice xmlns:a14="http://schemas.microsoft.com/office/drawing/2010/main" Requires="a14">
+          <p:sp>
+            <p:nvSpPr>
+              <p:cNvPr id="44" name="TextBox 43"/>
+              <p:cNvSpPr txBox="1"/>
+              <p:nvPr/>
+            </p:nvSpPr>
+            <p:spPr>
+              <a:xfrm>
+                <a:off x="3662764" y="3798652"/>
+                <a:ext cx="427553" cy="369332"/>
+              </a:xfrm>
+              <a:prstGeom prst="rect">
+                <a:avLst/>
+              </a:prstGeom>
+              <a:noFill/>
+            </p:spPr>
+            <p:txBody>
+              <a:bodyPr wrap="none" rtlCol="0">
+                <a:spAutoFit/>
+              </a:bodyPr>
+              <a:lstStyle/>
+              <a:p>
+                <a14:m>
+                  <m:oMathPara xmlns:m="http://schemas.openxmlformats.org/officeDocument/2006/math">
+                    <m:oMathParaPr>
+                      <m:jc m:val="centerGroup"/>
+                    </m:oMathParaPr>
+                    <m:oMath xmlns:m="http://schemas.openxmlformats.org/officeDocument/2006/math">
+                      <m:sSub>
+                        <m:sSubPr>
+                          <m:ctrlPr>
+                            <a:rPr lang="da-DK" b="0" i="1" smtClean="0">
+                              <a:latin typeface="Cambria Math" panose="02040503050406030204" pitchFamily="18" charset="0"/>
+                            </a:rPr>
+                          </m:ctrlPr>
+                        </m:sSubPr>
+                        <m:e>
+                          <m:r>
+                            <a:rPr lang="da-DK" b="0" i="1" smtClean="0">
+                              <a:latin typeface="Cambria Math" panose="02040503050406030204" pitchFamily="18" charset="0"/>
+                            </a:rPr>
+                            <m:t>𝑡</m:t>
+                          </m:r>
+                        </m:e>
+                        <m:sub>
+                          <m:r>
+                            <a:rPr lang="da-DK" b="0" i="1" smtClean="0">
+                              <a:latin typeface="Cambria Math" panose="02040503050406030204" pitchFamily="18" charset="0"/>
+                            </a:rPr>
+                            <m:t>1</m:t>
+                          </m:r>
+                        </m:sub>
+                      </m:sSub>
+                    </m:oMath>
+                  </m:oMathPara>
+                </a14:m>
+                <a:endParaRPr lang="en-US" dirty="0"/>
+              </a:p>
+            </p:txBody>
+          </p:sp>
+        </mc:Choice>
+        <mc:Fallback>
+          <p:sp>
+            <p:nvSpPr>
+              <p:cNvPr id="44" name="TextBox 43"/>
+              <p:cNvSpPr txBox="1">
+                <a:spLocks noRot="1" noChangeAspect="1" noMove="1" noResize="1" noEditPoints="1" noAdjustHandles="1" noChangeArrowheads="1" noChangeShapeType="1" noTextEdit="1"/>
+              </p:cNvSpPr>
+              <p:nvPr/>
+            </p:nvSpPr>
+            <p:spPr>
+              <a:xfrm>
+                <a:off x="3662764" y="3798652"/>
+                <a:ext cx="427553" cy="369332"/>
+              </a:xfrm>
+              <a:prstGeom prst="rect">
+                <a:avLst/>
+              </a:prstGeom>
+              <a:blipFill rotWithShape="0">
+                <a:blip r:embed="rId2"/>
+                <a:stretch>
+                  <a:fillRect/>
+                </a:stretch>
+              </a:blipFill>
+            </p:spPr>
+            <p:txBody>
+              <a:bodyPr/>
+              <a:lstStyle/>
+              <a:p>
+                <a:r>
+                  <a:rPr lang="en-US">
+                    <a:noFill/>
+                  </a:rPr>
+                  <a:t> </a:t>
+                </a:r>
+              </a:p>
+            </p:txBody>
+          </p:sp>
+        </mc:Fallback>
+      </mc:AlternateContent>
+      <p:cxnSp>
+        <p:nvCxnSpPr>
+          <p:cNvPr id="45" name="Straight Connector 44"/>
+          <p:cNvCxnSpPr/>
+          <p:nvPr/>
+        </p:nvCxnSpPr>
+        <p:spPr>
+          <a:xfrm flipV="1">
+            <a:off x="4716861" y="1005189"/>
+            <a:ext cx="0" cy="2871374"/>
+          </a:xfrm>
+          <a:prstGeom prst="line">
+            <a:avLst/>
+          </a:prstGeom>
+          <a:ln w="28575">
+            <a:solidFill>
+              <a:schemeClr val="tx1"/>
+            </a:solidFill>
+          </a:ln>
+        </p:spPr>
+        <p:style>
+          <a:lnRef idx="1">
+            <a:schemeClr val="accent1"/>
+          </a:lnRef>
+          <a:fillRef idx="0">
+            <a:schemeClr val="accent1"/>
+          </a:fillRef>
+          <a:effectRef idx="0">
+            <a:schemeClr val="accent1"/>
+          </a:effectRef>
+          <a:fontRef idx="minor">
+            <a:schemeClr val="tx1"/>
+          </a:fontRef>
+        </p:style>
+      </p:cxnSp>
+      <mc:AlternateContent xmlns:mc="http://schemas.openxmlformats.org/markup-compatibility/2006">
+        <mc:Choice xmlns:a14="http://schemas.microsoft.com/office/drawing/2010/main" Requires="a14">
+          <p:sp>
+            <p:nvSpPr>
+              <p:cNvPr id="46" name="TextBox 45"/>
+              <p:cNvSpPr txBox="1"/>
+              <p:nvPr/>
+            </p:nvSpPr>
+            <p:spPr>
+              <a:xfrm>
+                <a:off x="4503084" y="3798652"/>
+                <a:ext cx="432875" cy="369332"/>
+              </a:xfrm>
+              <a:prstGeom prst="rect">
+                <a:avLst/>
+              </a:prstGeom>
+              <a:noFill/>
+            </p:spPr>
+            <p:txBody>
+              <a:bodyPr wrap="none" rtlCol="0">
+                <a:spAutoFit/>
+              </a:bodyPr>
+              <a:lstStyle/>
+              <a:p>
+                <a14:m>
+                  <m:oMathPara xmlns:m="http://schemas.openxmlformats.org/officeDocument/2006/math">
+                    <m:oMathParaPr>
+                      <m:jc m:val="centerGroup"/>
+                    </m:oMathParaPr>
+                    <m:oMath xmlns:m="http://schemas.openxmlformats.org/officeDocument/2006/math">
+                      <m:sSub>
+                        <m:sSubPr>
+                          <m:ctrlPr>
+                            <a:rPr lang="da-DK" b="0" i="1" smtClean="0">
+                              <a:latin typeface="Cambria Math" panose="02040503050406030204" pitchFamily="18" charset="0"/>
+                            </a:rPr>
+                          </m:ctrlPr>
+                        </m:sSubPr>
+                        <m:e>
+                          <m:r>
+                            <a:rPr lang="da-DK" b="0" i="1" smtClean="0">
+                              <a:latin typeface="Cambria Math" panose="02040503050406030204" pitchFamily="18" charset="0"/>
+                            </a:rPr>
+                            <m:t>𝑡</m:t>
+                          </m:r>
+                        </m:e>
+                        <m:sub>
+                          <m:r>
+                            <a:rPr lang="da-DK" b="0" i="1" smtClean="0">
+                              <a:latin typeface="Cambria Math" panose="02040503050406030204" pitchFamily="18" charset="0"/>
+                            </a:rPr>
+                            <m:t>2</m:t>
+                          </m:r>
+                        </m:sub>
+                      </m:sSub>
+                    </m:oMath>
+                  </m:oMathPara>
+                </a14:m>
+                <a:endParaRPr lang="en-US" dirty="0"/>
+              </a:p>
+            </p:txBody>
+          </p:sp>
+        </mc:Choice>
+        <mc:Fallback>
+          <p:sp>
+            <p:nvSpPr>
+              <p:cNvPr id="46" name="TextBox 45"/>
+              <p:cNvSpPr txBox="1">
+                <a:spLocks noRot="1" noChangeAspect="1" noMove="1" noResize="1" noEditPoints="1" noAdjustHandles="1" noChangeArrowheads="1" noChangeShapeType="1" noTextEdit="1"/>
+              </p:cNvSpPr>
+              <p:nvPr/>
+            </p:nvSpPr>
+            <p:spPr>
+              <a:xfrm>
+                <a:off x="4503084" y="3798652"/>
+                <a:ext cx="432875" cy="369332"/>
+              </a:xfrm>
+              <a:prstGeom prst="rect">
+                <a:avLst/>
+              </a:prstGeom>
+              <a:blipFill rotWithShape="0">
+                <a:blip r:embed="rId3"/>
+                <a:stretch>
+                  <a:fillRect/>
+                </a:stretch>
+              </a:blipFill>
+            </p:spPr>
+            <p:txBody>
+              <a:bodyPr/>
+              <a:lstStyle/>
+              <a:p>
+                <a:r>
+                  <a:rPr lang="en-US">
+                    <a:noFill/>
+                  </a:rPr>
+                  <a:t> </a:t>
+                </a:r>
+              </a:p>
+            </p:txBody>
+          </p:sp>
+        </mc:Fallback>
+      </mc:AlternateContent>
+      <p:cxnSp>
+        <p:nvCxnSpPr>
+          <p:cNvPr id="47" name="Straight Connector 46"/>
+          <p:cNvCxnSpPr/>
+          <p:nvPr/>
+        </p:nvCxnSpPr>
+        <p:spPr>
+          <a:xfrm flipV="1">
+            <a:off x="5600841" y="1011275"/>
+            <a:ext cx="0" cy="2871374"/>
+          </a:xfrm>
+          <a:prstGeom prst="line">
+            <a:avLst/>
+          </a:prstGeom>
+          <a:ln w="28575">
+            <a:solidFill>
+              <a:schemeClr val="tx1"/>
+            </a:solidFill>
+          </a:ln>
+        </p:spPr>
+        <p:style>
+          <a:lnRef idx="1">
+            <a:schemeClr val="accent1"/>
+          </a:lnRef>
+          <a:fillRef idx="0">
+            <a:schemeClr val="accent1"/>
+          </a:fillRef>
+          <a:effectRef idx="0">
+            <a:schemeClr val="accent1"/>
+          </a:effectRef>
+          <a:fontRef idx="minor">
+            <a:schemeClr val="tx1"/>
+          </a:fontRef>
+        </p:style>
+      </p:cxnSp>
+      <mc:AlternateContent xmlns:mc="http://schemas.openxmlformats.org/markup-compatibility/2006">
+        <mc:Choice xmlns:a14="http://schemas.microsoft.com/office/drawing/2010/main" Requires="a14">
+          <p:sp>
+            <p:nvSpPr>
+              <p:cNvPr id="48" name="TextBox 47"/>
+              <p:cNvSpPr txBox="1"/>
+              <p:nvPr/>
+            </p:nvSpPr>
+            <p:spPr>
+              <a:xfrm>
+                <a:off x="5387064" y="3804738"/>
+                <a:ext cx="432875" cy="369332"/>
+              </a:xfrm>
+              <a:prstGeom prst="rect">
+                <a:avLst/>
+              </a:prstGeom>
+              <a:noFill/>
+            </p:spPr>
+            <p:txBody>
+              <a:bodyPr wrap="none" rtlCol="0">
+                <a:spAutoFit/>
+              </a:bodyPr>
+              <a:lstStyle/>
+              <a:p>
+                <a14:m>
+                  <m:oMathPara xmlns:m="http://schemas.openxmlformats.org/officeDocument/2006/math">
+                    <m:oMathParaPr>
+                      <m:jc m:val="centerGroup"/>
+                    </m:oMathParaPr>
+                    <m:oMath xmlns:m="http://schemas.openxmlformats.org/officeDocument/2006/math">
+                      <m:sSub>
+                        <m:sSubPr>
+                          <m:ctrlPr>
+                            <a:rPr lang="da-DK" b="0" i="1" smtClean="0">
+                              <a:latin typeface="Cambria Math" panose="02040503050406030204" pitchFamily="18" charset="0"/>
+                            </a:rPr>
+                          </m:ctrlPr>
+                        </m:sSubPr>
+                        <m:e>
+                          <m:r>
+                            <a:rPr lang="da-DK" b="0" i="1" smtClean="0">
+                              <a:latin typeface="Cambria Math" panose="02040503050406030204" pitchFamily="18" charset="0"/>
+                            </a:rPr>
+                            <m:t>𝑡</m:t>
+                          </m:r>
+                        </m:e>
+                        <m:sub>
+                          <m:r>
+                            <a:rPr lang="da-DK" b="0" i="1" smtClean="0">
+                              <a:latin typeface="Cambria Math" panose="02040503050406030204" pitchFamily="18" charset="0"/>
+                            </a:rPr>
+                            <m:t>3</m:t>
+                          </m:r>
+                        </m:sub>
+                      </m:sSub>
+                    </m:oMath>
+                  </m:oMathPara>
+                </a14:m>
+                <a:endParaRPr lang="en-US" dirty="0"/>
+              </a:p>
+            </p:txBody>
+          </p:sp>
+        </mc:Choice>
+        <mc:Fallback>
+          <p:sp>
+            <p:nvSpPr>
+              <p:cNvPr id="48" name="TextBox 47"/>
+              <p:cNvSpPr txBox="1">
+                <a:spLocks noRot="1" noChangeAspect="1" noMove="1" noResize="1" noEditPoints="1" noAdjustHandles="1" noChangeArrowheads="1" noChangeShapeType="1" noTextEdit="1"/>
+              </p:cNvSpPr>
+              <p:nvPr/>
+            </p:nvSpPr>
+            <p:spPr>
+              <a:xfrm>
+                <a:off x="5387064" y="3804738"/>
+                <a:ext cx="432875" cy="369332"/>
+              </a:xfrm>
+              <a:prstGeom prst="rect">
+                <a:avLst/>
+              </a:prstGeom>
+              <a:blipFill rotWithShape="0">
+                <a:blip r:embed="rId4"/>
+                <a:stretch>
+                  <a:fillRect/>
+                </a:stretch>
+              </a:blipFill>
+            </p:spPr>
+            <p:txBody>
+              <a:bodyPr/>
+              <a:lstStyle/>
+              <a:p>
+                <a:r>
+                  <a:rPr lang="en-US">
+                    <a:noFill/>
+                  </a:rPr>
+                  <a:t> </a:t>
+                </a:r>
+              </a:p>
+            </p:txBody>
+          </p:sp>
+        </mc:Fallback>
+      </mc:AlternateContent>
+      <p:cxnSp>
+        <p:nvCxnSpPr>
+          <p:cNvPr id="49" name="Straight Connector 48"/>
+          <p:cNvCxnSpPr/>
+          <p:nvPr/>
+        </p:nvCxnSpPr>
+        <p:spPr>
+          <a:xfrm flipV="1">
+            <a:off x="7052200" y="1008522"/>
+            <a:ext cx="0" cy="2871374"/>
+          </a:xfrm>
+          <a:prstGeom prst="line">
+            <a:avLst/>
+          </a:prstGeom>
+          <a:ln w="28575">
+            <a:solidFill>
+              <a:schemeClr val="tx1"/>
+            </a:solidFill>
+          </a:ln>
+        </p:spPr>
+        <p:style>
+          <a:lnRef idx="1">
+            <a:schemeClr val="accent1"/>
+          </a:lnRef>
+          <a:fillRef idx="0">
+            <a:schemeClr val="accent1"/>
+          </a:fillRef>
+          <a:effectRef idx="0">
+            <a:schemeClr val="accent1"/>
+          </a:effectRef>
+          <a:fontRef idx="minor">
+            <a:schemeClr val="tx1"/>
+          </a:fontRef>
+        </p:style>
+      </p:cxnSp>
+      <mc:AlternateContent xmlns:mc="http://schemas.openxmlformats.org/markup-compatibility/2006">
+        <mc:Choice xmlns:a14="http://schemas.microsoft.com/office/drawing/2010/main" Requires="a14">
+          <p:sp>
+            <p:nvSpPr>
+              <p:cNvPr id="50" name="TextBox 49"/>
+              <p:cNvSpPr txBox="1"/>
+              <p:nvPr/>
+            </p:nvSpPr>
+            <p:spPr>
+              <a:xfrm>
+                <a:off x="6835762" y="3807704"/>
+                <a:ext cx="432875" cy="369332"/>
+              </a:xfrm>
+              <a:prstGeom prst="rect">
+                <a:avLst/>
+              </a:prstGeom>
+              <a:noFill/>
+            </p:spPr>
+            <p:txBody>
+              <a:bodyPr wrap="none" rtlCol="0">
+                <a:spAutoFit/>
+              </a:bodyPr>
+              <a:lstStyle/>
+              <a:p>
+                <a14:m>
+                  <m:oMathPara xmlns:m="http://schemas.openxmlformats.org/officeDocument/2006/math">
+                    <m:oMathParaPr>
+                      <m:jc m:val="centerGroup"/>
+                    </m:oMathParaPr>
+                    <m:oMath xmlns:m="http://schemas.openxmlformats.org/officeDocument/2006/math">
+                      <m:sSub>
+                        <m:sSubPr>
+                          <m:ctrlPr>
+                            <a:rPr lang="da-DK" b="0" i="1" smtClean="0">
+                              <a:latin typeface="Cambria Math" panose="02040503050406030204" pitchFamily="18" charset="0"/>
+                            </a:rPr>
+                          </m:ctrlPr>
+                        </m:sSubPr>
+                        <m:e>
+                          <m:r>
+                            <a:rPr lang="da-DK" b="0" i="1" smtClean="0">
+                              <a:latin typeface="Cambria Math" panose="02040503050406030204" pitchFamily="18" charset="0"/>
+                            </a:rPr>
+                            <m:t>𝑡</m:t>
+                          </m:r>
+                        </m:e>
+                        <m:sub>
+                          <m:r>
+                            <a:rPr lang="da-DK" b="0" i="1" smtClean="0">
+                              <a:latin typeface="Cambria Math" panose="02040503050406030204" pitchFamily="18" charset="0"/>
+                            </a:rPr>
+                            <m:t>4</m:t>
+                          </m:r>
+                        </m:sub>
+                      </m:sSub>
+                    </m:oMath>
+                  </m:oMathPara>
+                </a14:m>
+                <a:endParaRPr lang="en-US" dirty="0"/>
+              </a:p>
+            </p:txBody>
+          </p:sp>
+        </mc:Choice>
+        <mc:Fallback>
+          <p:sp>
+            <p:nvSpPr>
+              <p:cNvPr id="50" name="TextBox 49"/>
+              <p:cNvSpPr txBox="1">
+                <a:spLocks noRot="1" noChangeAspect="1" noMove="1" noResize="1" noEditPoints="1" noAdjustHandles="1" noChangeArrowheads="1" noChangeShapeType="1" noTextEdit="1"/>
+              </p:cNvSpPr>
+              <p:nvPr/>
+            </p:nvSpPr>
+            <p:spPr>
+              <a:xfrm>
+                <a:off x="6835762" y="3807704"/>
+                <a:ext cx="432875" cy="369332"/>
+              </a:xfrm>
+              <a:prstGeom prst="rect">
+                <a:avLst/>
+              </a:prstGeom>
+              <a:blipFill rotWithShape="0">
+                <a:blip r:embed="rId5"/>
+                <a:stretch>
+                  <a:fillRect/>
+                </a:stretch>
+              </a:blipFill>
+            </p:spPr>
+            <p:txBody>
+              <a:bodyPr/>
+              <a:lstStyle/>
+              <a:p>
+                <a:r>
+                  <a:rPr lang="en-US">
+                    <a:noFill/>
+                  </a:rPr>
+                  <a:t> </a:t>
+                </a:r>
+              </a:p>
+            </p:txBody>
+          </p:sp>
+        </mc:Fallback>
+      </mc:AlternateContent>
     </p:spTree>
     <p:extLst>
       <p:ext uri="{BB962C8B-B14F-4D97-AF65-F5344CB8AC3E}">

--- a/Second-Article/graphics/Figures.pptx
+++ b/Second-Article/graphics/Figures.pptx
@@ -6,9 +6,11 @@
   </p:sldMasterIdLst>
   <p:sldIdLst>
     <p:sldId id="256" r:id="rId2"/>
-    <p:sldId id="257" r:id="rId3"/>
-    <p:sldId id="258" r:id="rId4"/>
-    <p:sldId id="259" r:id="rId5"/>
+    <p:sldId id="260" r:id="rId3"/>
+    <p:sldId id="257" r:id="rId4"/>
+    <p:sldId id="258" r:id="rId5"/>
+    <p:sldId id="259" r:id="rId6"/>
+    <p:sldId id="261" r:id="rId7"/>
   </p:sldIdLst>
   <p:sldSz cx="12192000" cy="6858000"/>
   <p:notesSz cx="6858000" cy="9144000"/>
@@ -2974,6 +2976,57 @@
       </p:grpSpPr>
       <p:sp>
         <p:nvSpPr>
+          <p:cNvPr id="18" name="Oval 17"/>
+          <p:cNvSpPr/>
+          <p:nvPr/>
+        </p:nvSpPr>
+        <p:spPr>
+          <a:xfrm>
+            <a:off x="1638300" y="1133475"/>
+            <a:ext cx="2057400" cy="2057400"/>
+          </a:xfrm>
+          <a:prstGeom prst="ellipse">
+            <a:avLst/>
+          </a:prstGeom>
+          <a:solidFill>
+            <a:schemeClr val="accent1">
+              <a:lumMod val="20000"/>
+              <a:lumOff val="80000"/>
+            </a:schemeClr>
+          </a:solidFill>
+          <a:ln w="28575">
+            <a:solidFill>
+              <a:srgbClr val="0070C0"/>
+            </a:solidFill>
+          </a:ln>
+        </p:spPr>
+        <p:style>
+          <a:lnRef idx="2">
+            <a:schemeClr val="accent1">
+              <a:shade val="50000"/>
+            </a:schemeClr>
+          </a:lnRef>
+          <a:fillRef idx="1">
+            <a:schemeClr val="accent1"/>
+          </a:fillRef>
+          <a:effectRef idx="0">
+            <a:schemeClr val="accent1"/>
+          </a:effectRef>
+          <a:fontRef idx="minor">
+            <a:schemeClr val="lt1"/>
+          </a:fontRef>
+        </p:style>
+        <p:txBody>
+          <a:bodyPr rtlCol="0" anchor="ctr"/>
+          <a:lstStyle/>
+          <a:p>
+            <a:pPr algn="ctr"/>
+            <a:endParaRPr lang="en-US"/>
+          </a:p>
+        </p:txBody>
+      </p:sp>
+      <p:sp>
+        <p:nvSpPr>
           <p:cNvPr id="11" name="Oval 10"/>
           <p:cNvSpPr/>
           <p:nvPr/>
@@ -3394,59 +3447,13 @@
       </p:sp>
       <p:sp>
         <p:nvSpPr>
-          <p:cNvPr id="18" name="Oval 17"/>
-          <p:cNvSpPr/>
-          <p:nvPr/>
-        </p:nvSpPr>
-        <p:spPr>
-          <a:xfrm>
-            <a:off x="1638300" y="1133475"/>
-            <a:ext cx="2057400" cy="2057400"/>
-          </a:xfrm>
-          <a:prstGeom prst="ellipse">
-            <a:avLst/>
-          </a:prstGeom>
-          <a:noFill/>
-          <a:ln w="28575">
-            <a:solidFill>
-              <a:srgbClr val="0070C0"/>
-            </a:solidFill>
-          </a:ln>
-        </p:spPr>
-        <p:style>
-          <a:lnRef idx="2">
-            <a:schemeClr val="accent1">
-              <a:shade val="50000"/>
-            </a:schemeClr>
-          </a:lnRef>
-          <a:fillRef idx="1">
-            <a:schemeClr val="accent1"/>
-          </a:fillRef>
-          <a:effectRef idx="0">
-            <a:schemeClr val="accent1"/>
-          </a:effectRef>
-          <a:fontRef idx="minor">
-            <a:schemeClr val="lt1"/>
-          </a:fontRef>
-        </p:style>
-        <p:txBody>
-          <a:bodyPr rtlCol="0" anchor="ctr"/>
-          <a:lstStyle/>
-          <a:p>
-            <a:pPr algn="ctr"/>
-            <a:endParaRPr lang="en-US"/>
-          </a:p>
-        </p:txBody>
-      </p:sp>
-      <p:sp>
-        <p:nvSpPr>
           <p:cNvPr id="19" name="Oval 18"/>
           <p:cNvSpPr/>
           <p:nvPr/>
         </p:nvSpPr>
         <p:spPr>
           <a:xfrm>
-            <a:off x="2109785" y="1083470"/>
+            <a:off x="2023645" y="1158566"/>
             <a:ext cx="123825" cy="123825"/>
           </a:xfrm>
           <a:prstGeom prst="ellipse">
@@ -4691,137 +4698,30 @@
           <a:chExt cx="0" cy="0"/>
         </a:xfrm>
       </p:grpSpPr>
-      <p:cxnSp>
-        <p:nvCxnSpPr>
-          <p:cNvPr id="7" name="Straight Arrow Connector 6"/>
-          <p:cNvCxnSpPr/>
-          <p:nvPr/>
-        </p:nvCxnSpPr>
-        <p:spPr>
-          <a:xfrm>
-            <a:off x="2290787" y="1993900"/>
-            <a:ext cx="2889271" cy="0"/>
-          </a:xfrm>
-          <a:prstGeom prst="straightConnector1">
-            <a:avLst/>
-          </a:prstGeom>
-          <a:ln>
-            <a:solidFill>
-              <a:schemeClr val="tx1"/>
-            </a:solidFill>
-            <a:tailEnd type="triangle"/>
-          </a:ln>
-        </p:spPr>
-        <p:style>
-          <a:lnRef idx="1">
-            <a:schemeClr val="accent1"/>
-          </a:lnRef>
-          <a:fillRef idx="0">
-            <a:schemeClr val="accent1"/>
-          </a:fillRef>
-          <a:effectRef idx="0">
-            <a:schemeClr val="accent1"/>
-          </a:effectRef>
-          <a:fontRef idx="minor">
-            <a:schemeClr val="tx1"/>
-          </a:fontRef>
-        </p:style>
-      </p:cxnSp>
-      <p:cxnSp>
-        <p:nvCxnSpPr>
-          <p:cNvPr id="9" name="Straight Connector 8"/>
-          <p:cNvCxnSpPr/>
-          <p:nvPr/>
-        </p:nvCxnSpPr>
-        <p:spPr>
-          <a:xfrm>
-            <a:off x="3702050" y="1466850"/>
-            <a:ext cx="0" cy="527050"/>
-          </a:xfrm>
-          <a:prstGeom prst="line">
-            <a:avLst/>
-          </a:prstGeom>
+      <p:sp>
+        <p:nvSpPr>
+          <p:cNvPr id="11" name="Oval 10"/>
+          <p:cNvSpPr/>
+          <p:nvPr/>
+        </p:nvSpPr>
+        <p:spPr>
+          <a:xfrm>
+            <a:off x="2143630" y="1733589"/>
+            <a:ext cx="2105023" cy="2290754"/>
+          </a:xfrm>
+          <a:prstGeom prst="ellipse">
+            <a:avLst/>
+          </a:prstGeom>
+          <a:solidFill>
+            <a:schemeClr val="accent1">
+              <a:lumMod val="20000"/>
+              <a:lumOff val="80000"/>
+            </a:schemeClr>
+          </a:solidFill>
           <a:ln w="28575">
             <a:solidFill>
-              <a:srgbClr val="C00000"/>
+              <a:srgbClr val="0070C0"/>
             </a:solidFill>
-          </a:ln>
-        </p:spPr>
-        <p:style>
-          <a:lnRef idx="1">
-            <a:schemeClr val="accent1"/>
-          </a:lnRef>
-          <a:fillRef idx="0">
-            <a:schemeClr val="accent1"/>
-          </a:fillRef>
-          <a:effectRef idx="0">
-            <a:schemeClr val="accent1"/>
-          </a:effectRef>
-          <a:fontRef idx="minor">
-            <a:schemeClr val="tx1"/>
-          </a:fontRef>
-        </p:style>
-      </p:cxnSp>
-      <p:sp>
-        <p:nvSpPr>
-          <p:cNvPr id="2" name="TextBox 1"/>
-          <p:cNvSpPr txBox="1"/>
-          <p:nvPr/>
-        </p:nvSpPr>
-        <p:spPr>
-          <a:xfrm>
-            <a:off x="3216731" y="1091946"/>
-            <a:ext cx="1013419" cy="369332"/>
-          </a:xfrm>
-          <a:prstGeom prst="rect">
-            <a:avLst/>
-          </a:prstGeom>
-          <a:noFill/>
-        </p:spPr>
-        <p:txBody>
-          <a:bodyPr wrap="none" rtlCol="0">
-            <a:spAutoFit/>
-          </a:bodyPr>
-          <a:lstStyle/>
-          <a:p>
-            <a:r>
-              <a:rPr lang="en-US" dirty="0" smtClean="0">
-                <a:solidFill>
-                  <a:srgbClr val="C00000"/>
-                </a:solidFill>
-              </a:rPr>
-              <a:t>Anomaly</a:t>
-            </a:r>
-            <a:endParaRPr lang="en-US" dirty="0">
-              <a:solidFill>
-                <a:srgbClr val="C00000"/>
-              </a:solidFill>
-            </a:endParaRPr>
-          </a:p>
-        </p:txBody>
-      </p:sp>
-      <p:sp>
-        <p:nvSpPr>
-          <p:cNvPr id="3" name="Rectangle 2"/>
-          <p:cNvSpPr/>
-          <p:nvPr/>
-        </p:nvSpPr>
-        <p:spPr>
-          <a:xfrm>
-            <a:off x="3150115" y="1730375"/>
-            <a:ext cx="1103870" cy="263525"/>
-          </a:xfrm>
-          <a:prstGeom prst="rect">
-            <a:avLst/>
-          </a:prstGeom>
-          <a:solidFill>
-            <a:schemeClr val="accent1">
-              <a:lumMod val="75000"/>
-              <a:alpha val="54000"/>
-            </a:schemeClr>
-          </a:solidFill>
-          <a:ln>
-            <a:noFill/>
           </a:ln>
         </p:spPr>
         <p:style>
@@ -4851,358 +4751,23 @@
       </p:sp>
       <p:sp>
         <p:nvSpPr>
-          <p:cNvPr id="4" name="TextBox 3"/>
-          <p:cNvSpPr txBox="1"/>
-          <p:nvPr/>
-        </p:nvSpPr>
-        <p:spPr>
-          <a:xfrm>
-            <a:off x="2856289" y="1941493"/>
-            <a:ext cx="1692195" cy="369332"/>
-          </a:xfrm>
-          <a:prstGeom prst="rect">
+          <p:cNvPr id="48" name="Rounded Rectangle 47"/>
+          <p:cNvSpPr/>
+          <p:nvPr/>
+        </p:nvSpPr>
+        <p:spPr>
+          <a:xfrm>
+            <a:off x="5350043" y="1016634"/>
+            <a:ext cx="3384883" cy="4104842"/>
+          </a:xfrm>
+          <a:prstGeom prst="roundRect">
             <a:avLst/>
           </a:prstGeom>
           <a:noFill/>
-        </p:spPr>
-        <p:txBody>
-          <a:bodyPr wrap="none" rtlCol="0">
-            <a:spAutoFit/>
-          </a:bodyPr>
-          <a:lstStyle/>
-          <a:p>
-            <a:r>
-              <a:rPr lang="en-US" dirty="0" smtClean="0">
-                <a:solidFill>
-                  <a:schemeClr val="accent1">
-                    <a:lumMod val="50000"/>
-                  </a:schemeClr>
-                </a:solidFill>
-              </a:rPr>
-              <a:t>Point of Interest</a:t>
-            </a:r>
-            <a:endParaRPr lang="en-US" dirty="0">
-              <a:solidFill>
-                <a:schemeClr val="accent1">
-                  <a:lumMod val="50000"/>
-                </a:schemeClr>
-              </a:solidFill>
-            </a:endParaRPr>
-          </a:p>
-        </p:txBody>
-      </p:sp>
-      <p:sp>
-        <p:nvSpPr>
-          <p:cNvPr id="6" name="Left Brace 5"/>
-          <p:cNvSpPr/>
-          <p:nvPr/>
-        </p:nvSpPr>
-        <p:spPr>
-          <a:xfrm rot="5400000">
-            <a:off x="3325821" y="1376502"/>
-            <a:ext cx="184730" cy="536142"/>
-          </a:xfrm>
-          <a:prstGeom prst="leftBrace">
-            <a:avLst>
-              <a:gd name="adj1" fmla="val 20301"/>
-              <a:gd name="adj2" fmla="val 50000"/>
-            </a:avLst>
-          </a:prstGeom>
           <a:ln>
             <a:solidFill>
               <a:schemeClr val="tx1"/>
             </a:solidFill>
-          </a:ln>
-        </p:spPr>
-        <p:style>
-          <a:lnRef idx="1">
-            <a:schemeClr val="accent1"/>
-          </a:lnRef>
-          <a:fillRef idx="0">
-            <a:schemeClr val="accent1"/>
-          </a:fillRef>
-          <a:effectRef idx="0">
-            <a:schemeClr val="accent1"/>
-          </a:effectRef>
-          <a:fontRef idx="minor">
-            <a:schemeClr val="tx1"/>
-          </a:fontRef>
-        </p:style>
-        <p:txBody>
-          <a:bodyPr rtlCol="0" anchor="ctr"/>
-          <a:lstStyle/>
-          <a:p>
-            <a:pPr algn="ctr"/>
-            <a:endParaRPr lang="en-US"/>
-          </a:p>
-        </p:txBody>
-      </p:sp>
-      <p:sp>
-        <p:nvSpPr>
-          <p:cNvPr id="8" name="TextBox 7"/>
-          <p:cNvSpPr txBox="1"/>
-          <p:nvPr/>
-        </p:nvSpPr>
-        <p:spPr>
-          <a:xfrm>
-            <a:off x="3216731" y="1334591"/>
-            <a:ext cx="418704" cy="261610"/>
-          </a:xfrm>
-          <a:prstGeom prst="rect">
-            <a:avLst/>
-          </a:prstGeom>
-          <a:noFill/>
-        </p:spPr>
-        <p:txBody>
-          <a:bodyPr wrap="none" rtlCol="0">
-            <a:spAutoFit/>
-          </a:bodyPr>
-          <a:lstStyle/>
-          <a:p>
-            <a:r>
-              <a:rPr lang="en-US" sz="1100" dirty="0" smtClean="0"/>
-              <a:t>2.5s</a:t>
-            </a:r>
-            <a:endParaRPr lang="en-US" sz="1100" dirty="0"/>
-          </a:p>
-        </p:txBody>
-      </p:sp>
-      <p:sp>
-        <p:nvSpPr>
-          <p:cNvPr id="10" name="Left Brace 9"/>
-          <p:cNvSpPr/>
-          <p:nvPr/>
-        </p:nvSpPr>
-        <p:spPr>
-          <a:xfrm rot="5400000">
-            <a:off x="3893932" y="1378384"/>
-            <a:ext cx="175495" cy="528486"/>
-          </a:xfrm>
-          <a:prstGeom prst="leftBrace">
-            <a:avLst>
-              <a:gd name="adj1" fmla="val 20301"/>
-              <a:gd name="adj2" fmla="val 50000"/>
-            </a:avLst>
-          </a:prstGeom>
-          <a:ln>
-            <a:solidFill>
-              <a:schemeClr val="tx1"/>
-            </a:solidFill>
-          </a:ln>
-        </p:spPr>
-        <p:style>
-          <a:lnRef idx="1">
-            <a:schemeClr val="accent1"/>
-          </a:lnRef>
-          <a:fillRef idx="0">
-            <a:schemeClr val="accent1"/>
-          </a:fillRef>
-          <a:effectRef idx="0">
-            <a:schemeClr val="accent1"/>
-          </a:effectRef>
-          <a:fontRef idx="minor">
-            <a:schemeClr val="tx1"/>
-          </a:fontRef>
-        </p:style>
-        <p:txBody>
-          <a:bodyPr rtlCol="0" anchor="ctr"/>
-          <a:lstStyle/>
-          <a:p>
-            <a:pPr algn="ctr"/>
-            <a:endParaRPr lang="en-US"/>
-          </a:p>
-        </p:txBody>
-      </p:sp>
-      <p:sp>
-        <p:nvSpPr>
-          <p:cNvPr id="11" name="TextBox 10"/>
-          <p:cNvSpPr txBox="1"/>
-          <p:nvPr/>
-        </p:nvSpPr>
-        <p:spPr>
-          <a:xfrm>
-            <a:off x="3790697" y="1340663"/>
-            <a:ext cx="418704" cy="261610"/>
-          </a:xfrm>
-          <a:prstGeom prst="rect">
-            <a:avLst/>
-          </a:prstGeom>
-          <a:noFill/>
-        </p:spPr>
-        <p:txBody>
-          <a:bodyPr wrap="none" rtlCol="0">
-            <a:spAutoFit/>
-          </a:bodyPr>
-          <a:lstStyle/>
-          <a:p>
-            <a:r>
-              <a:rPr lang="en-US" sz="1100" dirty="0" smtClean="0"/>
-              <a:t>2.5s</a:t>
-            </a:r>
-            <a:endParaRPr lang="en-US" sz="1100" dirty="0"/>
-          </a:p>
-        </p:txBody>
-      </p:sp>
-      <p:sp>
-        <p:nvSpPr>
-          <p:cNvPr id="12" name="TextBox 11"/>
-          <p:cNvSpPr txBox="1"/>
-          <p:nvPr/>
-        </p:nvSpPr>
-        <p:spPr>
-          <a:xfrm>
-            <a:off x="5129090" y="1812703"/>
-            <a:ext cx="649537" cy="369332"/>
-          </a:xfrm>
-          <a:prstGeom prst="rect">
-            <a:avLst/>
-          </a:prstGeom>
-          <a:noFill/>
-        </p:spPr>
-        <p:txBody>
-          <a:bodyPr wrap="none" rtlCol="0">
-            <a:spAutoFit/>
-          </a:bodyPr>
-          <a:lstStyle/>
-          <a:p>
-            <a:r>
-              <a:rPr lang="en-US" dirty="0" smtClean="0"/>
-              <a:t>Time</a:t>
-            </a:r>
-            <a:endParaRPr lang="en-US" dirty="0"/>
-          </a:p>
-        </p:txBody>
-      </p:sp>
-      <p:cxnSp>
-        <p:nvCxnSpPr>
-          <p:cNvPr id="14" name="Straight Connector 13"/>
-          <p:cNvCxnSpPr/>
-          <p:nvPr/>
-        </p:nvCxnSpPr>
-        <p:spPr>
-          <a:xfrm>
-            <a:off x="9540288" y="701964"/>
-            <a:ext cx="0" cy="1291936"/>
-          </a:xfrm>
-          <a:prstGeom prst="line">
-            <a:avLst/>
-          </a:prstGeom>
-          <a:ln w="28575"/>
-        </p:spPr>
-        <p:style>
-          <a:lnRef idx="2">
-            <a:schemeClr val="accent3"/>
-          </a:lnRef>
-          <a:fillRef idx="0">
-            <a:schemeClr val="accent3"/>
-          </a:fillRef>
-          <a:effectRef idx="1">
-            <a:schemeClr val="accent3"/>
-          </a:effectRef>
-          <a:fontRef idx="minor">
-            <a:schemeClr val="tx1"/>
-          </a:fontRef>
-        </p:style>
-      </p:cxnSp>
-      <p:sp>
-        <p:nvSpPr>
-          <p:cNvPr id="16" name="TextBox 15"/>
-          <p:cNvSpPr txBox="1"/>
-          <p:nvPr/>
-        </p:nvSpPr>
-        <p:spPr>
-          <a:xfrm>
-            <a:off x="9187531" y="385040"/>
-            <a:ext cx="705514" cy="369332"/>
-          </a:xfrm>
-          <a:prstGeom prst="rect">
-            <a:avLst/>
-          </a:prstGeom>
-          <a:noFill/>
-        </p:spPr>
-        <p:txBody>
-          <a:bodyPr wrap="none" rtlCol="0">
-            <a:spAutoFit/>
-          </a:bodyPr>
-          <a:lstStyle/>
-          <a:p>
-            <a:r>
-              <a:rPr lang="en-US" dirty="0" smtClean="0">
-                <a:solidFill>
-                  <a:schemeClr val="bg1">
-                    <a:lumMod val="50000"/>
-                  </a:schemeClr>
-                </a:solidFill>
-              </a:rPr>
-              <a:t>Event</a:t>
-            </a:r>
-            <a:endParaRPr lang="en-US" dirty="0">
-              <a:solidFill>
-                <a:schemeClr val="bg1">
-                  <a:lumMod val="50000"/>
-                </a:schemeClr>
-              </a:solidFill>
-            </a:endParaRPr>
-          </a:p>
-        </p:txBody>
-      </p:sp>
-      <p:cxnSp>
-        <p:nvCxnSpPr>
-          <p:cNvPr id="18" name="Straight Connector 17"/>
-          <p:cNvCxnSpPr/>
-          <p:nvPr/>
-        </p:nvCxnSpPr>
-        <p:spPr>
-          <a:xfrm>
-            <a:off x="9128558" y="1464994"/>
-            <a:ext cx="0" cy="527050"/>
-          </a:xfrm>
-          <a:prstGeom prst="line">
-            <a:avLst/>
-          </a:prstGeom>
-          <a:ln w="28575">
-            <a:solidFill>
-              <a:srgbClr val="C00000"/>
-            </a:solidFill>
-          </a:ln>
-        </p:spPr>
-        <p:style>
-          <a:lnRef idx="1">
-            <a:schemeClr val="accent1"/>
-          </a:lnRef>
-          <a:fillRef idx="0">
-            <a:schemeClr val="accent1"/>
-          </a:fillRef>
-          <a:effectRef idx="0">
-            <a:schemeClr val="accent1"/>
-          </a:effectRef>
-          <a:fontRef idx="minor">
-            <a:schemeClr val="tx1"/>
-          </a:fontRef>
-        </p:style>
-      </p:cxnSp>
-      <p:sp>
-        <p:nvSpPr>
-          <p:cNvPr id="19" name="Rectangle 18"/>
-          <p:cNvSpPr/>
-          <p:nvPr/>
-        </p:nvSpPr>
-        <p:spPr>
-          <a:xfrm>
-            <a:off x="8576623" y="1728519"/>
-            <a:ext cx="1103870" cy="263525"/>
-          </a:xfrm>
-          <a:prstGeom prst="rect">
-            <a:avLst/>
-          </a:prstGeom>
-          <a:solidFill>
-            <a:schemeClr val="accent1">
-              <a:lumMod val="75000"/>
-              <a:alpha val="54000"/>
-            </a:schemeClr>
-          </a:solidFill>
-          <a:ln>
-            <a:noFill/>
           </a:ln>
         </p:spPr>
         <p:style>
@@ -5226,67 +4791,38 @@
           <a:lstStyle/>
           <a:p>
             <a:pPr algn="ctr"/>
-            <a:endParaRPr lang="en-US"/>
-          </a:p>
-        </p:txBody>
-      </p:sp>
-      <p:cxnSp>
-        <p:nvCxnSpPr>
-          <p:cNvPr id="20" name="Straight Connector 19"/>
-          <p:cNvCxnSpPr/>
-          <p:nvPr/>
-        </p:nvCxnSpPr>
-        <p:spPr>
-          <a:xfrm>
-            <a:off x="10690793" y="1466850"/>
-            <a:ext cx="0" cy="527050"/>
-          </a:xfrm>
-          <a:prstGeom prst="line">
-            <a:avLst/>
-          </a:prstGeom>
+            <a:endParaRPr lang="en-US">
+              <a:solidFill>
+                <a:schemeClr val="bg1"/>
+              </a:solidFill>
+            </a:endParaRPr>
+          </a:p>
+        </p:txBody>
+      </p:sp>
+      <p:sp>
+        <p:nvSpPr>
+          <p:cNvPr id="33" name="Oval 32"/>
+          <p:cNvSpPr/>
+          <p:nvPr/>
+        </p:nvSpPr>
+        <p:spPr>
+          <a:xfrm>
+            <a:off x="6406065" y="2725336"/>
+            <a:ext cx="557209" cy="557209"/>
+          </a:xfrm>
+          <a:prstGeom prst="ellipse">
+            <a:avLst/>
+          </a:prstGeom>
+          <a:solidFill>
+            <a:schemeClr val="accent1">
+              <a:lumMod val="20000"/>
+              <a:lumOff val="80000"/>
+            </a:schemeClr>
+          </a:solidFill>
           <a:ln w="28575">
             <a:solidFill>
-              <a:srgbClr val="C00000"/>
+              <a:srgbClr val="0070C0"/>
             </a:solidFill>
-          </a:ln>
-        </p:spPr>
-        <p:style>
-          <a:lnRef idx="1">
-            <a:schemeClr val="accent1"/>
-          </a:lnRef>
-          <a:fillRef idx="0">
-            <a:schemeClr val="accent1"/>
-          </a:fillRef>
-          <a:effectRef idx="0">
-            <a:schemeClr val="accent1"/>
-          </a:effectRef>
-          <a:fontRef idx="minor">
-            <a:schemeClr val="tx1"/>
-          </a:fontRef>
-        </p:style>
-      </p:cxnSp>
-      <p:sp>
-        <p:nvSpPr>
-          <p:cNvPr id="21" name="Rectangle 20"/>
-          <p:cNvSpPr/>
-          <p:nvPr/>
-        </p:nvSpPr>
-        <p:spPr>
-          <a:xfrm>
-            <a:off x="10138858" y="1730375"/>
-            <a:ext cx="1103870" cy="263525"/>
-          </a:xfrm>
-          <a:prstGeom prst="rect">
-            <a:avLst/>
-          </a:prstGeom>
-          <a:solidFill>
-            <a:schemeClr val="accent1">
-              <a:lumMod val="75000"/>
-              <a:alpha val="54000"/>
-            </a:schemeClr>
-          </a:solidFill>
-          <a:ln>
-            <a:noFill/>
           </a:ln>
         </p:spPr>
         <p:style>
@@ -5316,183 +4852,37 @@
       </p:sp>
       <p:sp>
         <p:nvSpPr>
-          <p:cNvPr id="22" name="TextBox 21"/>
-          <p:cNvSpPr txBox="1"/>
-          <p:nvPr/>
-        </p:nvSpPr>
-        <p:spPr>
-          <a:xfrm>
-            <a:off x="8867947" y="1941493"/>
-            <a:ext cx="458780" cy="369332"/>
-          </a:xfrm>
-          <a:prstGeom prst="rect">
-            <a:avLst/>
-          </a:prstGeom>
-          <a:noFill/>
-        </p:spPr>
-        <p:txBody>
-          <a:bodyPr wrap="none" rtlCol="0">
-            <a:spAutoFit/>
-          </a:bodyPr>
-          <a:lstStyle/>
-          <a:p>
-            <a:r>
-              <a:rPr lang="en-US" dirty="0" smtClean="0"/>
-              <a:t>Hit</a:t>
-            </a:r>
-            <a:endParaRPr lang="en-US" dirty="0"/>
-          </a:p>
-        </p:txBody>
-      </p:sp>
-      <p:sp>
-        <p:nvSpPr>
-          <p:cNvPr id="23" name="TextBox 22"/>
-          <p:cNvSpPr txBox="1"/>
-          <p:nvPr/>
-        </p:nvSpPr>
-        <p:spPr>
-          <a:xfrm>
-            <a:off x="10383657" y="1941493"/>
-            <a:ext cx="614271" cy="369332"/>
-          </a:xfrm>
-          <a:prstGeom prst="rect">
-            <a:avLst/>
-          </a:prstGeom>
-          <a:noFill/>
-        </p:spPr>
-        <p:txBody>
-          <a:bodyPr wrap="none" rtlCol="0">
-            <a:spAutoFit/>
-          </a:bodyPr>
-          <a:lstStyle/>
-          <a:p>
-            <a:r>
-              <a:rPr lang="en-US" dirty="0" smtClean="0"/>
-              <a:t>Miss</a:t>
-            </a:r>
-            <a:endParaRPr lang="en-US" dirty="0"/>
-          </a:p>
-        </p:txBody>
-      </p:sp>
-      <p:cxnSp>
-        <p:nvCxnSpPr>
-          <p:cNvPr id="31" name="Straight Arrow Connector 30"/>
-          <p:cNvCxnSpPr/>
-          <p:nvPr/>
-        </p:nvCxnSpPr>
-        <p:spPr>
-          <a:xfrm>
-            <a:off x="1777285" y="4352120"/>
-            <a:ext cx="5321347" cy="0"/>
-          </a:xfrm>
-          <a:prstGeom prst="straightConnector1">
-            <a:avLst/>
-          </a:prstGeom>
+          <p:cNvPr id="4" name="Oval 3"/>
+          <p:cNvSpPr/>
+          <p:nvPr/>
+        </p:nvSpPr>
+        <p:spPr>
+          <a:xfrm>
+            <a:off x="3572380" y="3145255"/>
+            <a:ext cx="123825" cy="123825"/>
+          </a:xfrm>
+          <a:prstGeom prst="ellipse">
+            <a:avLst/>
+          </a:prstGeom>
+          <a:gradFill>
+            <a:gsLst>
+              <a:gs pos="0">
+                <a:schemeClr val="bg1"/>
+              </a:gs>
+              <a:gs pos="76000">
+                <a:schemeClr val="bg1">
+                  <a:lumMod val="65000"/>
+                </a:schemeClr>
+              </a:gs>
+            </a:gsLst>
+            <a:path path="circle">
+              <a:fillToRect l="50000" t="50000" r="50000" b="50000"/>
+            </a:path>
+          </a:gradFill>
           <a:ln>
             <a:solidFill>
               <a:schemeClr val="tx1"/>
             </a:solidFill>
-            <a:tailEnd type="triangle"/>
-          </a:ln>
-        </p:spPr>
-        <p:style>
-          <a:lnRef idx="1">
-            <a:schemeClr val="accent1"/>
-          </a:lnRef>
-          <a:fillRef idx="0">
-            <a:schemeClr val="accent1"/>
-          </a:fillRef>
-          <a:effectRef idx="0">
-            <a:schemeClr val="accent1"/>
-          </a:effectRef>
-          <a:fontRef idx="minor">
-            <a:schemeClr val="tx1"/>
-          </a:fontRef>
-        </p:style>
-      </p:cxnSp>
-      <p:sp>
-        <p:nvSpPr>
-          <p:cNvPr id="40" name="TextBox 39"/>
-          <p:cNvSpPr txBox="1"/>
-          <p:nvPr/>
-        </p:nvSpPr>
-        <p:spPr>
-          <a:xfrm>
-            <a:off x="7037953" y="4149008"/>
-            <a:ext cx="649537" cy="369332"/>
-          </a:xfrm>
-          <a:prstGeom prst="rect">
-            <a:avLst/>
-          </a:prstGeom>
-          <a:noFill/>
-        </p:spPr>
-        <p:txBody>
-          <a:bodyPr wrap="none" rtlCol="0">
-            <a:spAutoFit/>
-          </a:bodyPr>
-          <a:lstStyle/>
-          <a:p>
-            <a:r>
-              <a:rPr lang="en-US" dirty="0" smtClean="0"/>
-              <a:t>Time</a:t>
-            </a:r>
-            <a:endParaRPr lang="en-US" dirty="0"/>
-          </a:p>
-        </p:txBody>
-      </p:sp>
-      <p:cxnSp>
-        <p:nvCxnSpPr>
-          <p:cNvPr id="41" name="Straight Connector 40"/>
-          <p:cNvCxnSpPr/>
-          <p:nvPr/>
-        </p:nvCxnSpPr>
-        <p:spPr>
-          <a:xfrm>
-            <a:off x="5205426" y="3060184"/>
-            <a:ext cx="0" cy="1291936"/>
-          </a:xfrm>
-          <a:prstGeom prst="line">
-            <a:avLst/>
-          </a:prstGeom>
-          <a:ln w="28575"/>
-        </p:spPr>
-        <p:style>
-          <a:lnRef idx="2">
-            <a:schemeClr val="accent3"/>
-          </a:lnRef>
-          <a:fillRef idx="0">
-            <a:schemeClr val="accent3"/>
-          </a:fillRef>
-          <a:effectRef idx="1">
-            <a:schemeClr val="accent3"/>
-          </a:effectRef>
-          <a:fontRef idx="minor">
-            <a:schemeClr val="tx1"/>
-          </a:fontRef>
-        </p:style>
-      </p:cxnSp>
-      <p:sp>
-        <p:nvSpPr>
-          <p:cNvPr id="44" name="Rectangle 43"/>
-          <p:cNvSpPr/>
-          <p:nvPr/>
-        </p:nvSpPr>
-        <p:spPr>
-          <a:xfrm>
-            <a:off x="4241761" y="4086739"/>
-            <a:ext cx="1103870" cy="263525"/>
-          </a:xfrm>
-          <a:prstGeom prst="rect">
-            <a:avLst/>
-          </a:prstGeom>
-          <a:solidFill>
-            <a:schemeClr val="accent1">
-              <a:lumMod val="75000"/>
-              <a:alpha val="54000"/>
-            </a:schemeClr>
-          </a:solidFill>
-          <a:ln>
-            <a:noFill/>
           </a:ln>
         </p:spPr>
         <p:style>
@@ -5522,26 +4912,37 @@
       </p:sp>
       <p:sp>
         <p:nvSpPr>
-          <p:cNvPr id="46" name="Rectangle 45"/>
+          <p:cNvPr id="5" name="Oval 4"/>
           <p:cNvSpPr/>
           <p:nvPr/>
         </p:nvSpPr>
         <p:spPr>
           <a:xfrm>
-            <a:off x="5695710" y="4088595"/>
-            <a:ext cx="1103870" cy="263525"/>
-          </a:xfrm>
-          <a:prstGeom prst="rect">
-            <a:avLst/>
-          </a:prstGeom>
-          <a:solidFill>
-            <a:schemeClr val="accent1">
-              <a:lumMod val="75000"/>
-              <a:alpha val="54000"/>
-            </a:schemeClr>
-          </a:solidFill>
+            <a:off x="3162799" y="3126204"/>
+            <a:ext cx="123825" cy="123825"/>
+          </a:xfrm>
+          <a:prstGeom prst="ellipse">
+            <a:avLst/>
+          </a:prstGeom>
+          <a:gradFill>
+            <a:gsLst>
+              <a:gs pos="0">
+                <a:schemeClr val="bg1"/>
+              </a:gs>
+              <a:gs pos="76000">
+                <a:schemeClr val="bg1">
+                  <a:lumMod val="65000"/>
+                </a:schemeClr>
+              </a:gs>
+            </a:gsLst>
+            <a:path path="circle">
+              <a:fillToRect l="50000" t="50000" r="50000" b="50000"/>
+            </a:path>
+          </a:gradFill>
           <a:ln>
-            <a:noFill/>
+            <a:solidFill>
+              <a:schemeClr val="tx1"/>
+            </a:solidFill>
           </a:ln>
         </p:spPr>
         <p:style>
@@ -5571,85 +4972,37 @@
       </p:sp>
       <p:sp>
         <p:nvSpPr>
-          <p:cNvPr id="47" name="TextBox 46"/>
-          <p:cNvSpPr txBox="1"/>
-          <p:nvPr/>
-        </p:nvSpPr>
-        <p:spPr>
-          <a:xfrm>
-            <a:off x="4549905" y="4033835"/>
-            <a:ext cx="458780" cy="369332"/>
-          </a:xfrm>
-          <a:prstGeom prst="rect">
-            <a:avLst/>
-          </a:prstGeom>
-          <a:noFill/>
-        </p:spPr>
-        <p:txBody>
-          <a:bodyPr wrap="none" rtlCol="0">
-            <a:spAutoFit/>
-          </a:bodyPr>
-          <a:lstStyle/>
-          <a:p>
-            <a:r>
-              <a:rPr lang="en-US" dirty="0" smtClean="0"/>
-              <a:t>Hit</a:t>
-            </a:r>
-            <a:endParaRPr lang="en-US" dirty="0"/>
-          </a:p>
-        </p:txBody>
-      </p:sp>
-      <p:sp>
-        <p:nvSpPr>
-          <p:cNvPr id="48" name="TextBox 47"/>
-          <p:cNvSpPr txBox="1"/>
-          <p:nvPr/>
-        </p:nvSpPr>
-        <p:spPr>
-          <a:xfrm>
-            <a:off x="5945321" y="4033835"/>
-            <a:ext cx="614271" cy="369332"/>
-          </a:xfrm>
-          <a:prstGeom prst="rect">
-            <a:avLst/>
-          </a:prstGeom>
-          <a:noFill/>
-        </p:spPr>
-        <p:txBody>
-          <a:bodyPr wrap="none" rtlCol="0">
-            <a:spAutoFit/>
-          </a:bodyPr>
-          <a:lstStyle/>
-          <a:p>
-            <a:r>
-              <a:rPr lang="en-US" dirty="0" smtClean="0"/>
-              <a:t>Miss</a:t>
-            </a:r>
-            <a:endParaRPr lang="en-US" dirty="0"/>
-          </a:p>
-        </p:txBody>
-      </p:sp>
-      <p:sp>
-        <p:nvSpPr>
-          <p:cNvPr id="49" name="Rectangle 48"/>
+          <p:cNvPr id="6" name="Oval 5"/>
           <p:cNvSpPr/>
           <p:nvPr/>
         </p:nvSpPr>
         <p:spPr>
           <a:xfrm>
-            <a:off x="2108415" y="3133711"/>
-            <a:ext cx="1895475" cy="1219200"/>
-          </a:xfrm>
-          <a:prstGeom prst="rect">
-            <a:avLst/>
-          </a:prstGeom>
-          <a:solidFill>
-            <a:schemeClr val="bg1">
-              <a:lumMod val="85000"/>
-            </a:schemeClr>
-          </a:solidFill>
+            <a:off x="3791455" y="3397667"/>
+            <a:ext cx="123825" cy="123825"/>
+          </a:xfrm>
+          <a:prstGeom prst="ellipse">
+            <a:avLst/>
+          </a:prstGeom>
+          <a:gradFill>
+            <a:gsLst>
+              <a:gs pos="0">
+                <a:schemeClr val="bg1"/>
+              </a:gs>
+              <a:gs pos="76000">
+                <a:schemeClr val="bg1">
+                  <a:lumMod val="65000"/>
+                </a:schemeClr>
+              </a:gs>
+            </a:gsLst>
+            <a:path path="circle">
+              <a:fillToRect l="50000" t="50000" r="50000" b="50000"/>
+            </a:path>
+          </a:gradFill>
           <a:ln>
-            <a:noFill/>
+            <a:solidFill>
+              <a:schemeClr val="tx1"/>
+            </a:solidFill>
           </a:ln>
         </p:spPr>
         <p:style>
@@ -5677,176 +5030,39 @@
           </a:p>
         </p:txBody>
       </p:sp>
-      <p:cxnSp>
-        <p:nvCxnSpPr>
-          <p:cNvPr id="50" name="Straight Connector 49"/>
-          <p:cNvCxnSpPr/>
-          <p:nvPr/>
-        </p:nvCxnSpPr>
-        <p:spPr>
-          <a:xfrm>
-            <a:off x="2108415" y="3060184"/>
-            <a:ext cx="0" cy="1291936"/>
-          </a:xfrm>
-          <a:prstGeom prst="line">
-            <a:avLst/>
-          </a:prstGeom>
-          <a:ln w="28575">
+      <p:sp>
+        <p:nvSpPr>
+          <p:cNvPr id="7" name="Oval 6"/>
+          <p:cNvSpPr/>
+          <p:nvPr/>
+        </p:nvSpPr>
+        <p:spPr>
+          <a:xfrm>
+            <a:off x="3791455" y="3021430"/>
+            <a:ext cx="123825" cy="123825"/>
+          </a:xfrm>
+          <a:prstGeom prst="ellipse">
+            <a:avLst/>
+          </a:prstGeom>
+          <a:gradFill>
+            <a:gsLst>
+              <a:gs pos="0">
+                <a:schemeClr val="bg1"/>
+              </a:gs>
+              <a:gs pos="76000">
+                <a:schemeClr val="bg1">
+                  <a:lumMod val="65000"/>
+                </a:schemeClr>
+              </a:gs>
+            </a:gsLst>
+            <a:path path="circle">
+              <a:fillToRect l="50000" t="50000" r="50000" b="50000"/>
+            </a:path>
+          </a:gradFill>
+          <a:ln>
             <a:solidFill>
-              <a:schemeClr val="accent5">
-                <a:lumMod val="75000"/>
-              </a:schemeClr>
+              <a:schemeClr val="tx1"/>
             </a:solidFill>
-          </a:ln>
-        </p:spPr>
-        <p:style>
-          <a:lnRef idx="2">
-            <a:schemeClr val="accent3"/>
-          </a:lnRef>
-          <a:fillRef idx="0">
-            <a:schemeClr val="accent3"/>
-          </a:fillRef>
-          <a:effectRef idx="1">
-            <a:schemeClr val="accent3"/>
-          </a:effectRef>
-          <a:fontRef idx="minor">
-            <a:schemeClr val="tx1"/>
-          </a:fontRef>
-        </p:style>
-      </p:cxnSp>
-      <p:cxnSp>
-        <p:nvCxnSpPr>
-          <p:cNvPr id="51" name="Straight Connector 50"/>
-          <p:cNvCxnSpPr/>
-          <p:nvPr/>
-        </p:nvCxnSpPr>
-        <p:spPr>
-          <a:xfrm>
-            <a:off x="2876765" y="3060184"/>
-            <a:ext cx="0" cy="1291936"/>
-          </a:xfrm>
-          <a:prstGeom prst="line">
-            <a:avLst/>
-          </a:prstGeom>
-          <a:ln w="28575">
-            <a:solidFill>
-              <a:schemeClr val="accent5">
-                <a:lumMod val="75000"/>
-              </a:schemeClr>
-            </a:solidFill>
-          </a:ln>
-        </p:spPr>
-        <p:style>
-          <a:lnRef idx="2">
-            <a:schemeClr val="accent3"/>
-          </a:lnRef>
-          <a:fillRef idx="0">
-            <a:schemeClr val="accent3"/>
-          </a:fillRef>
-          <a:effectRef idx="1">
-            <a:schemeClr val="accent3"/>
-          </a:effectRef>
-          <a:fontRef idx="minor">
-            <a:schemeClr val="tx1"/>
-          </a:fontRef>
-        </p:style>
-      </p:cxnSp>
-      <p:cxnSp>
-        <p:nvCxnSpPr>
-          <p:cNvPr id="52" name="Straight Connector 51"/>
-          <p:cNvCxnSpPr/>
-          <p:nvPr/>
-        </p:nvCxnSpPr>
-        <p:spPr>
-          <a:xfrm>
-            <a:off x="3581615" y="3060184"/>
-            <a:ext cx="0" cy="1291936"/>
-          </a:xfrm>
-          <a:prstGeom prst="line">
-            <a:avLst/>
-          </a:prstGeom>
-          <a:ln w="28575">
-            <a:solidFill>
-              <a:schemeClr val="accent5">
-                <a:lumMod val="75000"/>
-              </a:schemeClr>
-            </a:solidFill>
-          </a:ln>
-        </p:spPr>
-        <p:style>
-          <a:lnRef idx="2">
-            <a:schemeClr val="accent3"/>
-          </a:lnRef>
-          <a:fillRef idx="0">
-            <a:schemeClr val="accent3"/>
-          </a:fillRef>
-          <a:effectRef idx="1">
-            <a:schemeClr val="accent3"/>
-          </a:effectRef>
-          <a:fontRef idx="minor">
-            <a:schemeClr val="tx1"/>
-          </a:fontRef>
-        </p:style>
-      </p:cxnSp>
-      <p:cxnSp>
-        <p:nvCxnSpPr>
-          <p:cNvPr id="53" name="Straight Connector 52"/>
-          <p:cNvCxnSpPr/>
-          <p:nvPr/>
-        </p:nvCxnSpPr>
-        <p:spPr>
-          <a:xfrm>
-            <a:off x="4003890" y="3060975"/>
-            <a:ext cx="0" cy="1291936"/>
-          </a:xfrm>
-          <a:prstGeom prst="line">
-            <a:avLst/>
-          </a:prstGeom>
-          <a:ln w="28575">
-            <a:solidFill>
-              <a:schemeClr val="accent5">
-                <a:lumMod val="75000"/>
-              </a:schemeClr>
-            </a:solidFill>
-          </a:ln>
-        </p:spPr>
-        <p:style>
-          <a:lnRef idx="2">
-            <a:schemeClr val="accent3"/>
-          </a:lnRef>
-          <a:fillRef idx="0">
-            <a:schemeClr val="accent3"/>
-          </a:fillRef>
-          <a:effectRef idx="1">
-            <a:schemeClr val="accent3"/>
-          </a:effectRef>
-          <a:fontRef idx="minor">
-            <a:schemeClr val="tx1"/>
-          </a:fontRef>
-        </p:style>
-      </p:cxnSp>
-      <p:sp>
-        <p:nvSpPr>
-          <p:cNvPr id="62" name="Rectangle 61"/>
-          <p:cNvSpPr/>
-          <p:nvPr/>
-        </p:nvSpPr>
-        <p:spPr>
-          <a:xfrm>
-            <a:off x="2995788" y="4086739"/>
-            <a:ext cx="1103870" cy="263525"/>
-          </a:xfrm>
-          <a:prstGeom prst="rect">
-            <a:avLst/>
-          </a:prstGeom>
-          <a:solidFill>
-            <a:schemeClr val="accent1">
-              <a:lumMod val="75000"/>
-              <a:alpha val="54000"/>
-            </a:schemeClr>
-          </a:solidFill>
-          <a:ln>
-            <a:noFill/>
           </a:ln>
         </p:spPr>
         <p:style>
@@ -5876,85 +5092,2323 @@
       </p:sp>
       <p:sp>
         <p:nvSpPr>
-          <p:cNvPr id="63" name="TextBox 62"/>
-          <p:cNvSpPr txBox="1"/>
-          <p:nvPr/>
-        </p:nvSpPr>
-        <p:spPr>
-          <a:xfrm>
-            <a:off x="3143606" y="4033835"/>
-            <a:ext cx="458780" cy="369332"/>
-          </a:xfrm>
-          <a:prstGeom prst="rect">
-            <a:avLst/>
-          </a:prstGeom>
-          <a:noFill/>
-        </p:spPr>
-        <p:txBody>
-          <a:bodyPr wrap="none" rtlCol="0">
-            <a:spAutoFit/>
-          </a:bodyPr>
-          <a:lstStyle/>
-          <a:p>
-            <a:r>
-              <a:rPr lang="en-US" dirty="0" smtClean="0"/>
-              <a:t>Hit</a:t>
-            </a:r>
-            <a:endParaRPr lang="en-US" dirty="0"/>
-          </a:p>
-        </p:txBody>
-      </p:sp>
-      <p:sp>
-        <p:nvSpPr>
-          <p:cNvPr id="64" name="TextBox 63"/>
-          <p:cNvSpPr txBox="1"/>
-          <p:nvPr/>
-        </p:nvSpPr>
-        <p:spPr>
-          <a:xfrm>
-            <a:off x="4665265" y="4350264"/>
-            <a:ext cx="1073435" cy="461665"/>
-          </a:xfrm>
-          <a:prstGeom prst="rect">
-            <a:avLst/>
-          </a:prstGeom>
-          <a:noFill/>
-        </p:spPr>
-        <p:txBody>
-          <a:bodyPr wrap="none" rtlCol="0">
-            <a:spAutoFit/>
-          </a:bodyPr>
+          <p:cNvPr id="8" name="Oval 7"/>
+          <p:cNvSpPr/>
+          <p:nvPr/>
+        </p:nvSpPr>
+        <p:spPr>
+          <a:xfrm>
+            <a:off x="2934205" y="2959517"/>
+            <a:ext cx="123825" cy="123825"/>
+          </a:xfrm>
+          <a:prstGeom prst="ellipse">
+            <a:avLst/>
+          </a:prstGeom>
+          <a:gradFill>
+            <a:gsLst>
+              <a:gs pos="0">
+                <a:schemeClr val="bg1"/>
+              </a:gs>
+              <a:gs pos="76000">
+                <a:schemeClr val="bg1">
+                  <a:lumMod val="65000"/>
+                </a:schemeClr>
+              </a:gs>
+            </a:gsLst>
+            <a:path path="circle">
+              <a:fillToRect l="50000" t="50000" r="50000" b="50000"/>
+            </a:path>
+          </a:gradFill>
+          <a:ln>
+            <a:solidFill>
+              <a:schemeClr val="tx1"/>
+            </a:solidFill>
+          </a:ln>
+        </p:spPr>
+        <p:style>
+          <a:lnRef idx="2">
+            <a:schemeClr val="accent1">
+              <a:shade val="50000"/>
+            </a:schemeClr>
+          </a:lnRef>
+          <a:fillRef idx="1">
+            <a:schemeClr val="accent1"/>
+          </a:fillRef>
+          <a:effectRef idx="0">
+            <a:schemeClr val="accent1"/>
+          </a:effectRef>
+          <a:fontRef idx="minor">
+            <a:schemeClr val="lt1"/>
+          </a:fontRef>
+        </p:style>
+        <p:txBody>
+          <a:bodyPr rtlCol="0" anchor="ctr"/>
           <a:lstStyle/>
           <a:p>
             <a:pPr algn="ctr"/>
-            <a:r>
-              <a:rPr lang="en-US" sz="1200" dirty="0" smtClean="0">
-                <a:solidFill>
-                  <a:schemeClr val="bg1">
-                    <a:lumMod val="50000"/>
-                  </a:schemeClr>
-                </a:solidFill>
-              </a:rPr>
-              <a:t>Instant</a:t>
-            </a:r>
-          </a:p>
+            <a:endParaRPr lang="en-US"/>
+          </a:p>
+        </p:txBody>
+      </p:sp>
+      <p:sp>
+        <p:nvSpPr>
+          <p:cNvPr id="9" name="Oval 8"/>
+          <p:cNvSpPr/>
+          <p:nvPr/>
+        </p:nvSpPr>
+        <p:spPr>
+          <a:xfrm>
+            <a:off x="2934204" y="3502441"/>
+            <a:ext cx="123825" cy="123825"/>
+          </a:xfrm>
+          <a:prstGeom prst="ellipse">
+            <a:avLst/>
+          </a:prstGeom>
+          <a:gradFill>
+            <a:gsLst>
+              <a:gs pos="0">
+                <a:schemeClr val="bg1"/>
+              </a:gs>
+              <a:gs pos="76000">
+                <a:schemeClr val="bg1">
+                  <a:lumMod val="65000"/>
+                </a:schemeClr>
+              </a:gs>
+            </a:gsLst>
+            <a:path path="circle">
+              <a:fillToRect l="50000" t="50000" r="50000" b="50000"/>
+            </a:path>
+          </a:gradFill>
+          <a:ln>
+            <a:solidFill>
+              <a:schemeClr val="tx1"/>
+            </a:solidFill>
+          </a:ln>
+        </p:spPr>
+        <p:style>
+          <a:lnRef idx="2">
+            <a:schemeClr val="accent1">
+              <a:shade val="50000"/>
+            </a:schemeClr>
+          </a:lnRef>
+          <a:fillRef idx="1">
+            <a:schemeClr val="accent1"/>
+          </a:fillRef>
+          <a:effectRef idx="0">
+            <a:schemeClr val="accent1"/>
+          </a:effectRef>
+          <a:fontRef idx="minor">
+            <a:schemeClr val="lt1"/>
+          </a:fontRef>
+        </p:style>
+        <p:txBody>
+          <a:bodyPr rtlCol="0" anchor="ctr"/>
+          <a:lstStyle/>
           <a:p>
             <a:pPr algn="ctr"/>
-            <a:r>
-              <a:rPr lang="en-US" sz="1200" dirty="0" smtClean="0">
-                <a:solidFill>
-                  <a:schemeClr val="bg1">
-                    <a:lumMod val="50000"/>
-                  </a:schemeClr>
-                </a:solidFill>
-              </a:rPr>
-              <a:t>Usability Error</a:t>
-            </a:r>
-            <a:endParaRPr lang="en-US" sz="1200" dirty="0">
-              <a:solidFill>
+            <a:endParaRPr lang="en-US"/>
+          </a:p>
+        </p:txBody>
+      </p:sp>
+      <p:sp>
+        <p:nvSpPr>
+          <p:cNvPr id="10" name="Oval 9"/>
+          <p:cNvSpPr/>
+          <p:nvPr/>
+        </p:nvSpPr>
+        <p:spPr>
+          <a:xfrm>
+            <a:off x="3448554" y="2535655"/>
+            <a:ext cx="123825" cy="123825"/>
+          </a:xfrm>
+          <a:prstGeom prst="ellipse">
+            <a:avLst/>
+          </a:prstGeom>
+          <a:gradFill>
+            <a:gsLst>
+              <a:gs pos="0">
+                <a:schemeClr val="bg1"/>
+              </a:gs>
+              <a:gs pos="76000">
                 <a:schemeClr val="bg1">
+                  <a:lumMod val="65000"/>
+                </a:schemeClr>
+              </a:gs>
+            </a:gsLst>
+            <a:path path="circle">
+              <a:fillToRect l="50000" t="50000" r="50000" b="50000"/>
+            </a:path>
+          </a:gradFill>
+          <a:ln>
+            <a:solidFill>
+              <a:schemeClr val="tx1"/>
+            </a:solidFill>
+          </a:ln>
+        </p:spPr>
+        <p:style>
+          <a:lnRef idx="2">
+            <a:schemeClr val="accent1">
+              <a:shade val="50000"/>
+            </a:schemeClr>
+          </a:lnRef>
+          <a:fillRef idx="1">
+            <a:schemeClr val="accent1"/>
+          </a:fillRef>
+          <a:effectRef idx="0">
+            <a:schemeClr val="accent1"/>
+          </a:effectRef>
+          <a:fontRef idx="minor">
+            <a:schemeClr val="lt1"/>
+          </a:fontRef>
+        </p:style>
+        <p:txBody>
+          <a:bodyPr rtlCol="0" anchor="ctr"/>
+          <a:lstStyle/>
+          <a:p>
+            <a:pPr algn="ctr"/>
+            <a:endParaRPr lang="en-US"/>
+          </a:p>
+        </p:txBody>
+      </p:sp>
+      <p:sp>
+        <p:nvSpPr>
+          <p:cNvPr id="12" name="Oval 11"/>
+          <p:cNvSpPr/>
+          <p:nvPr/>
+        </p:nvSpPr>
+        <p:spPr>
+          <a:xfrm>
+            <a:off x="2615115" y="1961775"/>
+            <a:ext cx="123825" cy="123825"/>
+          </a:xfrm>
+          <a:prstGeom prst="ellipse">
+            <a:avLst/>
+          </a:prstGeom>
+          <a:gradFill>
+            <a:gsLst>
+              <a:gs pos="0">
+                <a:schemeClr val="bg1"/>
+              </a:gs>
+              <a:gs pos="76000">
+                <a:schemeClr val="bg1">
+                  <a:lumMod val="65000"/>
+                </a:schemeClr>
+              </a:gs>
+            </a:gsLst>
+            <a:path path="circle">
+              <a:fillToRect l="50000" t="50000" r="50000" b="50000"/>
+            </a:path>
+          </a:gradFill>
+          <a:ln>
+            <a:solidFill>
+              <a:schemeClr val="tx1"/>
+            </a:solidFill>
+          </a:ln>
+        </p:spPr>
+        <p:style>
+          <a:lnRef idx="2">
+            <a:schemeClr val="accent1">
+              <a:shade val="50000"/>
+            </a:schemeClr>
+          </a:lnRef>
+          <a:fillRef idx="1">
+            <a:schemeClr val="accent1"/>
+          </a:fillRef>
+          <a:effectRef idx="0">
+            <a:schemeClr val="accent1"/>
+          </a:effectRef>
+          <a:fontRef idx="minor">
+            <a:schemeClr val="lt1"/>
+          </a:fontRef>
+        </p:style>
+        <p:txBody>
+          <a:bodyPr rtlCol="0" anchor="ctr"/>
+          <a:lstStyle/>
+          <a:p>
+            <a:pPr algn="ctr"/>
+            <a:endParaRPr lang="en-US"/>
+          </a:p>
+        </p:txBody>
+      </p:sp>
+      <p:sp>
+        <p:nvSpPr>
+          <p:cNvPr id="13" name="Oval 12"/>
+          <p:cNvSpPr/>
+          <p:nvPr/>
+        </p:nvSpPr>
+        <p:spPr>
+          <a:xfrm>
+            <a:off x="2610355" y="2535655"/>
+            <a:ext cx="123825" cy="123825"/>
+          </a:xfrm>
+          <a:prstGeom prst="ellipse">
+            <a:avLst/>
+          </a:prstGeom>
+          <a:gradFill>
+            <a:gsLst>
+              <a:gs pos="0">
+                <a:schemeClr val="bg1"/>
+              </a:gs>
+              <a:gs pos="76000">
+                <a:schemeClr val="bg1">
+                  <a:lumMod val="65000"/>
+                </a:schemeClr>
+              </a:gs>
+            </a:gsLst>
+            <a:path path="circle">
+              <a:fillToRect l="50000" t="50000" r="50000" b="50000"/>
+            </a:path>
+          </a:gradFill>
+          <a:ln>
+            <a:solidFill>
+              <a:schemeClr val="tx1"/>
+            </a:solidFill>
+          </a:ln>
+        </p:spPr>
+        <p:style>
+          <a:lnRef idx="2">
+            <a:schemeClr val="accent1">
+              <a:shade val="50000"/>
+            </a:schemeClr>
+          </a:lnRef>
+          <a:fillRef idx="1">
+            <a:schemeClr val="accent1"/>
+          </a:fillRef>
+          <a:effectRef idx="0">
+            <a:schemeClr val="accent1"/>
+          </a:effectRef>
+          <a:fontRef idx="minor">
+            <a:schemeClr val="lt1"/>
+          </a:fontRef>
+        </p:style>
+        <p:txBody>
+          <a:bodyPr rtlCol="0" anchor="ctr"/>
+          <a:lstStyle/>
+          <a:p>
+            <a:pPr algn="ctr"/>
+            <a:endParaRPr lang="en-US"/>
+          </a:p>
+        </p:txBody>
+      </p:sp>
+      <p:sp>
+        <p:nvSpPr>
+          <p:cNvPr id="14" name="Oval 13"/>
+          <p:cNvSpPr/>
+          <p:nvPr/>
+        </p:nvSpPr>
+        <p:spPr>
+          <a:xfrm>
+            <a:off x="3696205" y="1949867"/>
+            <a:ext cx="123825" cy="123825"/>
+          </a:xfrm>
+          <a:prstGeom prst="ellipse">
+            <a:avLst/>
+          </a:prstGeom>
+          <a:gradFill>
+            <a:gsLst>
+              <a:gs pos="0">
+                <a:schemeClr val="bg1"/>
+              </a:gs>
+              <a:gs pos="76000">
+                <a:schemeClr val="bg1">
+                  <a:lumMod val="65000"/>
+                </a:schemeClr>
+              </a:gs>
+            </a:gsLst>
+            <a:path path="circle">
+              <a:fillToRect l="50000" t="50000" r="50000" b="50000"/>
+            </a:path>
+          </a:gradFill>
+          <a:ln>
+            <a:solidFill>
+              <a:schemeClr val="tx1"/>
+            </a:solidFill>
+          </a:ln>
+        </p:spPr>
+        <p:style>
+          <a:lnRef idx="2">
+            <a:schemeClr val="accent1">
+              <a:shade val="50000"/>
+            </a:schemeClr>
+          </a:lnRef>
+          <a:fillRef idx="1">
+            <a:schemeClr val="accent1"/>
+          </a:fillRef>
+          <a:effectRef idx="0">
+            <a:schemeClr val="accent1"/>
+          </a:effectRef>
+          <a:fontRef idx="minor">
+            <a:schemeClr val="lt1"/>
+          </a:fontRef>
+        </p:style>
+        <p:txBody>
+          <a:bodyPr rtlCol="0" anchor="ctr"/>
+          <a:lstStyle/>
+          <a:p>
+            <a:pPr algn="ctr"/>
+            <a:endParaRPr lang="en-US"/>
+          </a:p>
+        </p:txBody>
+      </p:sp>
+      <p:sp>
+        <p:nvSpPr>
+          <p:cNvPr id="15" name="Oval 14"/>
+          <p:cNvSpPr/>
+          <p:nvPr/>
+        </p:nvSpPr>
+        <p:spPr>
+          <a:xfrm>
+            <a:off x="3272337" y="2073097"/>
+            <a:ext cx="123825" cy="123825"/>
+          </a:xfrm>
+          <a:prstGeom prst="ellipse">
+            <a:avLst/>
+          </a:prstGeom>
+          <a:gradFill>
+            <a:gsLst>
+              <a:gs pos="0">
+                <a:schemeClr val="bg1"/>
+              </a:gs>
+              <a:gs pos="76000">
+                <a:schemeClr val="bg1">
+                  <a:lumMod val="65000"/>
+                </a:schemeClr>
+              </a:gs>
+            </a:gsLst>
+            <a:path path="circle">
+              <a:fillToRect l="50000" t="50000" r="50000" b="50000"/>
+            </a:path>
+          </a:gradFill>
+          <a:ln>
+            <a:solidFill>
+              <a:schemeClr val="tx1"/>
+            </a:solidFill>
+          </a:ln>
+        </p:spPr>
+        <p:style>
+          <a:lnRef idx="2">
+            <a:schemeClr val="accent1">
+              <a:shade val="50000"/>
+            </a:schemeClr>
+          </a:lnRef>
+          <a:fillRef idx="1">
+            <a:schemeClr val="accent1"/>
+          </a:fillRef>
+          <a:effectRef idx="0">
+            <a:schemeClr val="accent1"/>
+          </a:effectRef>
+          <a:fontRef idx="minor">
+            <a:schemeClr val="lt1"/>
+          </a:fontRef>
+        </p:style>
+        <p:txBody>
+          <a:bodyPr rtlCol="0" anchor="ctr"/>
+          <a:lstStyle/>
+          <a:p>
+            <a:pPr algn="ctr"/>
+            <a:endParaRPr lang="en-US"/>
+          </a:p>
+        </p:txBody>
+      </p:sp>
+      <p:sp>
+        <p:nvSpPr>
+          <p:cNvPr id="16" name="Oval 15"/>
+          <p:cNvSpPr/>
+          <p:nvPr/>
+        </p:nvSpPr>
+        <p:spPr>
+          <a:xfrm>
+            <a:off x="3915280" y="2535655"/>
+            <a:ext cx="123825" cy="123825"/>
+          </a:xfrm>
+          <a:prstGeom prst="ellipse">
+            <a:avLst/>
+          </a:prstGeom>
+          <a:gradFill>
+            <a:gsLst>
+              <a:gs pos="0">
+                <a:schemeClr val="bg1"/>
+              </a:gs>
+              <a:gs pos="76000">
+                <a:schemeClr val="bg1">
+                  <a:lumMod val="65000"/>
+                </a:schemeClr>
+              </a:gs>
+            </a:gsLst>
+            <a:path path="circle">
+              <a:fillToRect l="50000" t="50000" r="50000" b="50000"/>
+            </a:path>
+          </a:gradFill>
+          <a:ln>
+            <a:solidFill>
+              <a:schemeClr val="tx1"/>
+            </a:solidFill>
+          </a:ln>
+        </p:spPr>
+        <p:style>
+          <a:lnRef idx="2">
+            <a:schemeClr val="accent1">
+              <a:shade val="50000"/>
+            </a:schemeClr>
+          </a:lnRef>
+          <a:fillRef idx="1">
+            <a:schemeClr val="accent1"/>
+          </a:fillRef>
+          <a:effectRef idx="0">
+            <a:schemeClr val="accent1"/>
+          </a:effectRef>
+          <a:fontRef idx="minor">
+            <a:schemeClr val="lt1"/>
+          </a:fontRef>
+        </p:style>
+        <p:txBody>
+          <a:bodyPr rtlCol="0" anchor="ctr"/>
+          <a:lstStyle/>
+          <a:p>
+            <a:pPr algn="ctr"/>
+            <a:endParaRPr lang="en-US"/>
+          </a:p>
+        </p:txBody>
+      </p:sp>
+      <p:sp>
+        <p:nvSpPr>
+          <p:cNvPr id="17" name="Oval 16"/>
+          <p:cNvSpPr/>
+          <p:nvPr/>
+        </p:nvSpPr>
+        <p:spPr>
+          <a:xfrm>
+            <a:off x="2343654" y="3273842"/>
+            <a:ext cx="123825" cy="123825"/>
+          </a:xfrm>
+          <a:prstGeom prst="ellipse">
+            <a:avLst/>
+          </a:prstGeom>
+          <a:gradFill>
+            <a:gsLst>
+              <a:gs pos="0">
+                <a:schemeClr val="bg1"/>
+              </a:gs>
+              <a:gs pos="76000">
+                <a:schemeClr val="bg1">
+                  <a:lumMod val="65000"/>
+                </a:schemeClr>
+              </a:gs>
+            </a:gsLst>
+            <a:path path="circle">
+              <a:fillToRect l="50000" t="50000" r="50000" b="50000"/>
+            </a:path>
+          </a:gradFill>
+          <a:ln>
+            <a:solidFill>
+              <a:schemeClr val="tx1"/>
+            </a:solidFill>
+          </a:ln>
+        </p:spPr>
+        <p:style>
+          <a:lnRef idx="2">
+            <a:schemeClr val="accent1">
+              <a:shade val="50000"/>
+            </a:schemeClr>
+          </a:lnRef>
+          <a:fillRef idx="1">
+            <a:schemeClr val="accent1"/>
+          </a:fillRef>
+          <a:effectRef idx="0">
+            <a:schemeClr val="accent1"/>
+          </a:effectRef>
+          <a:fontRef idx="minor">
+            <a:schemeClr val="lt1"/>
+          </a:fontRef>
+        </p:style>
+        <p:txBody>
+          <a:bodyPr rtlCol="0" anchor="ctr"/>
+          <a:lstStyle/>
+          <a:p>
+            <a:pPr algn="ctr"/>
+            <a:endParaRPr lang="en-US"/>
+          </a:p>
+        </p:txBody>
+      </p:sp>
+      <p:sp>
+        <p:nvSpPr>
+          <p:cNvPr id="18" name="Oval 17"/>
+          <p:cNvSpPr/>
+          <p:nvPr/>
+        </p:nvSpPr>
+        <p:spPr>
+          <a:xfrm>
+            <a:off x="4872542" y="3069055"/>
+            <a:ext cx="123825" cy="123825"/>
+          </a:xfrm>
+          <a:prstGeom prst="ellipse">
+            <a:avLst/>
+          </a:prstGeom>
+          <a:gradFill flip="none" rotWithShape="1">
+            <a:gsLst>
+              <a:gs pos="0">
+                <a:srgbClr val="FF0000"/>
+              </a:gs>
+              <a:gs pos="52000">
+                <a:srgbClr val="C00000"/>
+              </a:gs>
+            </a:gsLst>
+            <a:path path="circle">
+              <a:fillToRect l="50000" t="50000" r="50000" b="50000"/>
+            </a:path>
+            <a:tileRect/>
+          </a:gradFill>
+          <a:ln>
+            <a:solidFill>
+              <a:schemeClr val="tx1"/>
+            </a:solidFill>
+          </a:ln>
+        </p:spPr>
+        <p:style>
+          <a:lnRef idx="2">
+            <a:schemeClr val="accent1">
+              <a:shade val="50000"/>
+            </a:schemeClr>
+          </a:lnRef>
+          <a:fillRef idx="1">
+            <a:schemeClr val="accent1"/>
+          </a:fillRef>
+          <a:effectRef idx="0">
+            <a:schemeClr val="accent1"/>
+          </a:effectRef>
+          <a:fontRef idx="minor">
+            <a:schemeClr val="lt1"/>
+          </a:fontRef>
+        </p:style>
+        <p:txBody>
+          <a:bodyPr rtlCol="0" anchor="ctr"/>
+          <a:lstStyle/>
+          <a:p>
+            <a:pPr algn="ctr"/>
+            <a:endParaRPr lang="en-US"/>
+          </a:p>
+        </p:txBody>
+      </p:sp>
+      <p:sp>
+        <p:nvSpPr>
+          <p:cNvPr id="19" name="Oval 18"/>
+          <p:cNvSpPr/>
+          <p:nvPr/>
+        </p:nvSpPr>
+        <p:spPr>
+          <a:xfrm>
+            <a:off x="4810629" y="2535655"/>
+            <a:ext cx="123825" cy="123825"/>
+          </a:xfrm>
+          <a:prstGeom prst="ellipse">
+            <a:avLst/>
+          </a:prstGeom>
+          <a:gradFill flip="none" rotWithShape="1">
+            <a:gsLst>
+              <a:gs pos="0">
+                <a:srgbClr val="FF0000"/>
+              </a:gs>
+              <a:gs pos="52000">
+                <a:srgbClr val="C00000"/>
+              </a:gs>
+            </a:gsLst>
+            <a:path path="circle">
+              <a:fillToRect l="50000" t="50000" r="50000" b="50000"/>
+            </a:path>
+            <a:tileRect/>
+          </a:gradFill>
+          <a:ln>
+            <a:solidFill>
+              <a:schemeClr val="tx1"/>
+            </a:solidFill>
+          </a:ln>
+        </p:spPr>
+        <p:style>
+          <a:lnRef idx="2">
+            <a:schemeClr val="accent1">
+              <a:shade val="50000"/>
+            </a:schemeClr>
+          </a:lnRef>
+          <a:fillRef idx="1">
+            <a:schemeClr val="accent1"/>
+          </a:fillRef>
+          <a:effectRef idx="0">
+            <a:schemeClr val="accent1"/>
+          </a:effectRef>
+          <a:fontRef idx="minor">
+            <a:schemeClr val="lt1"/>
+          </a:fontRef>
+        </p:style>
+        <p:txBody>
+          <a:bodyPr rtlCol="0" anchor="ctr"/>
+          <a:lstStyle/>
+          <a:p>
+            <a:pPr algn="ctr"/>
+            <a:endParaRPr lang="en-US"/>
+          </a:p>
+        </p:txBody>
+      </p:sp>
+      <p:sp>
+        <p:nvSpPr>
+          <p:cNvPr id="20" name="Oval 19"/>
+          <p:cNvSpPr/>
+          <p:nvPr/>
+        </p:nvSpPr>
+        <p:spPr>
+          <a:xfrm>
+            <a:off x="2981826" y="1352174"/>
+            <a:ext cx="123825" cy="123825"/>
+          </a:xfrm>
+          <a:prstGeom prst="ellipse">
+            <a:avLst/>
+          </a:prstGeom>
+          <a:gradFill flip="none" rotWithShape="1">
+            <a:gsLst>
+              <a:gs pos="0">
+                <a:srgbClr val="FF0000"/>
+              </a:gs>
+              <a:gs pos="52000">
+                <a:srgbClr val="C00000"/>
+              </a:gs>
+            </a:gsLst>
+            <a:path path="circle">
+              <a:fillToRect l="50000" t="50000" r="50000" b="50000"/>
+            </a:path>
+            <a:tileRect/>
+          </a:gradFill>
+          <a:ln>
+            <a:solidFill>
+              <a:schemeClr val="tx1"/>
+            </a:solidFill>
+          </a:ln>
+        </p:spPr>
+        <p:style>
+          <a:lnRef idx="2">
+            <a:schemeClr val="accent1">
+              <a:shade val="50000"/>
+            </a:schemeClr>
+          </a:lnRef>
+          <a:fillRef idx="1">
+            <a:schemeClr val="accent1"/>
+          </a:fillRef>
+          <a:effectRef idx="0">
+            <a:schemeClr val="accent1"/>
+          </a:effectRef>
+          <a:fontRef idx="minor">
+            <a:schemeClr val="lt1"/>
+          </a:fontRef>
+        </p:style>
+        <p:txBody>
+          <a:bodyPr rtlCol="0" anchor="ctr"/>
+          <a:lstStyle/>
+          <a:p>
+            <a:pPr algn="ctr"/>
+            <a:endParaRPr lang="en-US"/>
+          </a:p>
+        </p:txBody>
+      </p:sp>
+      <p:sp>
+        <p:nvSpPr>
+          <p:cNvPr id="21" name="Oval 20"/>
+          <p:cNvSpPr/>
+          <p:nvPr/>
+        </p:nvSpPr>
+        <p:spPr>
+          <a:xfrm>
+            <a:off x="3058029" y="4543048"/>
+            <a:ext cx="123825" cy="123825"/>
+          </a:xfrm>
+          <a:prstGeom prst="ellipse">
+            <a:avLst/>
+          </a:prstGeom>
+          <a:gradFill flip="none" rotWithShape="1">
+            <a:gsLst>
+              <a:gs pos="0">
+                <a:srgbClr val="FF0000"/>
+              </a:gs>
+              <a:gs pos="52000">
+                <a:srgbClr val="C00000"/>
+              </a:gs>
+            </a:gsLst>
+            <a:path path="circle">
+              <a:fillToRect l="50000" t="50000" r="50000" b="50000"/>
+            </a:path>
+            <a:tileRect/>
+          </a:gradFill>
+          <a:ln>
+            <a:solidFill>
+              <a:schemeClr val="tx1"/>
+            </a:solidFill>
+          </a:ln>
+        </p:spPr>
+        <p:style>
+          <a:lnRef idx="2">
+            <a:schemeClr val="accent1">
+              <a:shade val="50000"/>
+            </a:schemeClr>
+          </a:lnRef>
+          <a:fillRef idx="1">
+            <a:schemeClr val="accent1"/>
+          </a:fillRef>
+          <a:effectRef idx="0">
+            <a:schemeClr val="accent1"/>
+          </a:effectRef>
+          <a:fontRef idx="minor">
+            <a:schemeClr val="lt1"/>
+          </a:fontRef>
+        </p:style>
+        <p:txBody>
+          <a:bodyPr rtlCol="0" anchor="ctr"/>
+          <a:lstStyle/>
+          <a:p>
+            <a:pPr algn="ctr"/>
+            <a:endParaRPr lang="en-US"/>
+          </a:p>
+        </p:txBody>
+      </p:sp>
+      <p:sp>
+        <p:nvSpPr>
+          <p:cNvPr id="22" name="Oval 21"/>
+          <p:cNvSpPr/>
+          <p:nvPr/>
+        </p:nvSpPr>
+        <p:spPr>
+          <a:xfrm>
+            <a:off x="3031706" y="2799021"/>
+            <a:ext cx="123825" cy="123825"/>
+          </a:xfrm>
+          <a:prstGeom prst="ellipse">
+            <a:avLst/>
+          </a:prstGeom>
+          <a:gradFill flip="none" rotWithShape="1">
+            <a:gsLst>
+              <a:gs pos="0">
+                <a:schemeClr val="accent6"/>
+              </a:gs>
+              <a:gs pos="77000">
+                <a:schemeClr val="accent6">
                   <a:lumMod val="50000"/>
                 </a:schemeClr>
+              </a:gs>
+            </a:gsLst>
+            <a:path path="circle">
+              <a:fillToRect l="50000" t="50000" r="50000" b="50000"/>
+            </a:path>
+            <a:tileRect/>
+          </a:gradFill>
+          <a:ln>
+            <a:solidFill>
+              <a:schemeClr val="tx1"/>
+            </a:solidFill>
+          </a:ln>
+        </p:spPr>
+        <p:style>
+          <a:lnRef idx="2">
+            <a:schemeClr val="accent1">
+              <a:shade val="50000"/>
+            </a:schemeClr>
+          </a:lnRef>
+          <a:fillRef idx="1">
+            <a:schemeClr val="accent1"/>
+          </a:fillRef>
+          <a:effectRef idx="0">
+            <a:schemeClr val="accent1"/>
+          </a:effectRef>
+          <a:fontRef idx="minor">
+            <a:schemeClr val="lt1"/>
+          </a:fontRef>
+        </p:style>
+        <p:txBody>
+          <a:bodyPr rtlCol="0" anchor="ctr"/>
+          <a:lstStyle/>
+          <a:p>
+            <a:pPr algn="ctr"/>
+            <a:endParaRPr lang="en-US"/>
+          </a:p>
+        </p:txBody>
+      </p:sp>
+      <p:sp>
+        <p:nvSpPr>
+          <p:cNvPr id="23" name="Oval 22"/>
+          <p:cNvSpPr/>
+          <p:nvPr/>
+        </p:nvSpPr>
+        <p:spPr>
+          <a:xfrm>
+            <a:off x="2219828" y="2738061"/>
+            <a:ext cx="123825" cy="123825"/>
+          </a:xfrm>
+          <a:prstGeom prst="ellipse">
+            <a:avLst/>
+          </a:prstGeom>
+          <a:gradFill flip="none" rotWithShape="1">
+            <a:gsLst>
+              <a:gs pos="0">
+                <a:schemeClr val="accent6"/>
+              </a:gs>
+              <a:gs pos="77000">
+                <a:schemeClr val="accent6">
+                  <a:lumMod val="50000"/>
+                </a:schemeClr>
+              </a:gs>
+            </a:gsLst>
+            <a:path path="circle">
+              <a:fillToRect l="50000" t="50000" r="50000" b="50000"/>
+            </a:path>
+            <a:tileRect/>
+          </a:gradFill>
+          <a:ln>
+            <a:solidFill>
+              <a:schemeClr val="tx1"/>
+            </a:solidFill>
+          </a:ln>
+        </p:spPr>
+        <p:style>
+          <a:lnRef idx="2">
+            <a:schemeClr val="accent1">
+              <a:shade val="50000"/>
+            </a:schemeClr>
+          </a:lnRef>
+          <a:fillRef idx="1">
+            <a:schemeClr val="accent1"/>
+          </a:fillRef>
+          <a:effectRef idx="0">
+            <a:schemeClr val="accent1"/>
+          </a:effectRef>
+          <a:fontRef idx="minor">
+            <a:schemeClr val="lt1"/>
+          </a:fontRef>
+        </p:style>
+        <p:txBody>
+          <a:bodyPr rtlCol="0" anchor="ctr"/>
+          <a:lstStyle/>
+          <a:p>
+            <a:pPr algn="ctr"/>
+            <a:endParaRPr lang="en-US"/>
+          </a:p>
+        </p:txBody>
+      </p:sp>
+      <p:sp>
+        <p:nvSpPr>
+          <p:cNvPr id="24" name="Oval 23"/>
+          <p:cNvSpPr/>
+          <p:nvPr/>
+        </p:nvSpPr>
+        <p:spPr>
+          <a:xfrm>
+            <a:off x="3319965" y="3857249"/>
+            <a:ext cx="123825" cy="123825"/>
+          </a:xfrm>
+          <a:prstGeom prst="ellipse">
+            <a:avLst/>
+          </a:prstGeom>
+          <a:gradFill flip="none" rotWithShape="1">
+            <a:gsLst>
+              <a:gs pos="0">
+                <a:schemeClr val="accent6"/>
+              </a:gs>
+              <a:gs pos="77000">
+                <a:schemeClr val="accent6">
+                  <a:lumMod val="50000"/>
+                </a:schemeClr>
+              </a:gs>
+            </a:gsLst>
+            <a:path path="circle">
+              <a:fillToRect l="50000" t="50000" r="50000" b="50000"/>
+            </a:path>
+            <a:tileRect/>
+          </a:gradFill>
+          <a:ln>
+            <a:solidFill>
+              <a:schemeClr val="tx1"/>
+            </a:solidFill>
+          </a:ln>
+        </p:spPr>
+        <p:style>
+          <a:lnRef idx="2">
+            <a:schemeClr val="accent1">
+              <a:shade val="50000"/>
+            </a:schemeClr>
+          </a:lnRef>
+          <a:fillRef idx="1">
+            <a:schemeClr val="accent1"/>
+          </a:fillRef>
+          <a:effectRef idx="0">
+            <a:schemeClr val="accent1"/>
+          </a:effectRef>
+          <a:fontRef idx="minor">
+            <a:schemeClr val="lt1"/>
+          </a:fontRef>
+        </p:style>
+        <p:txBody>
+          <a:bodyPr rtlCol="0" anchor="ctr"/>
+          <a:lstStyle/>
+          <a:p>
+            <a:pPr algn="ctr"/>
+            <a:endParaRPr lang="en-US"/>
+          </a:p>
+        </p:txBody>
+      </p:sp>
+      <p:sp>
+        <p:nvSpPr>
+          <p:cNvPr id="25" name="Oval 24"/>
+          <p:cNvSpPr/>
+          <p:nvPr/>
+        </p:nvSpPr>
+        <p:spPr>
+          <a:xfrm>
+            <a:off x="2610354" y="3626266"/>
+            <a:ext cx="123825" cy="123825"/>
+          </a:xfrm>
+          <a:prstGeom prst="ellipse">
+            <a:avLst/>
+          </a:prstGeom>
+          <a:gradFill flip="none" rotWithShape="1">
+            <a:gsLst>
+              <a:gs pos="0">
+                <a:schemeClr val="accent6"/>
+              </a:gs>
+              <a:gs pos="77000">
+                <a:schemeClr val="accent6">
+                  <a:lumMod val="50000"/>
+                </a:schemeClr>
+              </a:gs>
+            </a:gsLst>
+            <a:path path="circle">
+              <a:fillToRect l="50000" t="50000" r="50000" b="50000"/>
+            </a:path>
+            <a:tileRect/>
+          </a:gradFill>
+          <a:ln>
+            <a:solidFill>
+              <a:schemeClr val="tx1"/>
+            </a:solidFill>
+          </a:ln>
+        </p:spPr>
+        <p:style>
+          <a:lnRef idx="2">
+            <a:schemeClr val="accent1">
+              <a:shade val="50000"/>
+            </a:schemeClr>
+          </a:lnRef>
+          <a:fillRef idx="1">
+            <a:schemeClr val="accent1"/>
+          </a:fillRef>
+          <a:effectRef idx="0">
+            <a:schemeClr val="accent1"/>
+          </a:effectRef>
+          <a:fontRef idx="minor">
+            <a:schemeClr val="lt1"/>
+          </a:fontRef>
+        </p:style>
+        <p:txBody>
+          <a:bodyPr rtlCol="0" anchor="ctr"/>
+          <a:lstStyle/>
+          <a:p>
+            <a:pPr algn="ctr"/>
+            <a:endParaRPr lang="en-US"/>
+          </a:p>
+        </p:txBody>
+      </p:sp>
+      <p:sp>
+        <p:nvSpPr>
+          <p:cNvPr id="26" name="Oval 25"/>
+          <p:cNvSpPr/>
+          <p:nvPr/>
+        </p:nvSpPr>
+        <p:spPr>
+          <a:xfrm>
+            <a:off x="7153777" y="3145255"/>
+            <a:ext cx="123825" cy="123825"/>
+          </a:xfrm>
+          <a:prstGeom prst="ellipse">
+            <a:avLst/>
+          </a:prstGeom>
+          <a:gradFill>
+            <a:gsLst>
+              <a:gs pos="0">
+                <a:schemeClr val="bg1"/>
+              </a:gs>
+              <a:gs pos="76000">
+                <a:schemeClr val="bg1">
+                  <a:lumMod val="65000"/>
+                </a:schemeClr>
+              </a:gs>
+            </a:gsLst>
+            <a:path path="circle">
+              <a:fillToRect l="50000" t="50000" r="50000" b="50000"/>
+            </a:path>
+          </a:gradFill>
+          <a:ln>
+            <a:solidFill>
+              <a:schemeClr val="tx1"/>
+            </a:solidFill>
+          </a:ln>
+        </p:spPr>
+        <p:style>
+          <a:lnRef idx="2">
+            <a:schemeClr val="accent1">
+              <a:shade val="50000"/>
+            </a:schemeClr>
+          </a:lnRef>
+          <a:fillRef idx="1">
+            <a:schemeClr val="accent1"/>
+          </a:fillRef>
+          <a:effectRef idx="0">
+            <a:schemeClr val="accent1"/>
+          </a:effectRef>
+          <a:fontRef idx="minor">
+            <a:schemeClr val="lt1"/>
+          </a:fontRef>
+        </p:style>
+        <p:txBody>
+          <a:bodyPr rtlCol="0" anchor="ctr"/>
+          <a:lstStyle/>
+          <a:p>
+            <a:pPr algn="ctr"/>
+            <a:endParaRPr lang="en-US"/>
+          </a:p>
+        </p:txBody>
+      </p:sp>
+      <p:sp>
+        <p:nvSpPr>
+          <p:cNvPr id="27" name="Oval 26"/>
+          <p:cNvSpPr/>
+          <p:nvPr/>
+        </p:nvSpPr>
+        <p:spPr>
+          <a:xfrm>
+            <a:off x="6744196" y="3126204"/>
+            <a:ext cx="123825" cy="123825"/>
+          </a:xfrm>
+          <a:prstGeom prst="ellipse">
+            <a:avLst/>
+          </a:prstGeom>
+          <a:gradFill>
+            <a:gsLst>
+              <a:gs pos="0">
+                <a:schemeClr val="bg1"/>
+              </a:gs>
+              <a:gs pos="76000">
+                <a:schemeClr val="bg1">
+                  <a:lumMod val="65000"/>
+                </a:schemeClr>
+              </a:gs>
+            </a:gsLst>
+            <a:path path="circle">
+              <a:fillToRect l="50000" t="50000" r="50000" b="50000"/>
+            </a:path>
+          </a:gradFill>
+          <a:ln>
+            <a:solidFill>
+              <a:schemeClr val="tx1"/>
+            </a:solidFill>
+          </a:ln>
+        </p:spPr>
+        <p:style>
+          <a:lnRef idx="2">
+            <a:schemeClr val="accent1">
+              <a:shade val="50000"/>
+            </a:schemeClr>
+          </a:lnRef>
+          <a:fillRef idx="1">
+            <a:schemeClr val="accent1"/>
+          </a:fillRef>
+          <a:effectRef idx="0">
+            <a:schemeClr val="accent1"/>
+          </a:effectRef>
+          <a:fontRef idx="minor">
+            <a:schemeClr val="lt1"/>
+          </a:fontRef>
+        </p:style>
+        <p:txBody>
+          <a:bodyPr rtlCol="0" anchor="ctr"/>
+          <a:lstStyle/>
+          <a:p>
+            <a:pPr algn="ctr"/>
+            <a:endParaRPr lang="en-US"/>
+          </a:p>
+        </p:txBody>
+      </p:sp>
+      <p:sp>
+        <p:nvSpPr>
+          <p:cNvPr id="28" name="Oval 27"/>
+          <p:cNvSpPr/>
+          <p:nvPr/>
+        </p:nvSpPr>
+        <p:spPr>
+          <a:xfrm>
+            <a:off x="7372852" y="3397667"/>
+            <a:ext cx="123825" cy="123825"/>
+          </a:xfrm>
+          <a:prstGeom prst="ellipse">
+            <a:avLst/>
+          </a:prstGeom>
+          <a:gradFill>
+            <a:gsLst>
+              <a:gs pos="0">
+                <a:schemeClr val="bg1"/>
+              </a:gs>
+              <a:gs pos="76000">
+                <a:schemeClr val="bg1">
+                  <a:lumMod val="65000"/>
+                </a:schemeClr>
+              </a:gs>
+            </a:gsLst>
+            <a:path path="circle">
+              <a:fillToRect l="50000" t="50000" r="50000" b="50000"/>
+            </a:path>
+          </a:gradFill>
+          <a:ln>
+            <a:solidFill>
+              <a:schemeClr val="tx1"/>
+            </a:solidFill>
+          </a:ln>
+        </p:spPr>
+        <p:style>
+          <a:lnRef idx="2">
+            <a:schemeClr val="accent1">
+              <a:shade val="50000"/>
+            </a:schemeClr>
+          </a:lnRef>
+          <a:fillRef idx="1">
+            <a:schemeClr val="accent1"/>
+          </a:fillRef>
+          <a:effectRef idx="0">
+            <a:schemeClr val="accent1"/>
+          </a:effectRef>
+          <a:fontRef idx="minor">
+            <a:schemeClr val="lt1"/>
+          </a:fontRef>
+        </p:style>
+        <p:txBody>
+          <a:bodyPr rtlCol="0" anchor="ctr"/>
+          <a:lstStyle/>
+          <a:p>
+            <a:pPr algn="ctr"/>
+            <a:endParaRPr lang="en-US"/>
+          </a:p>
+        </p:txBody>
+      </p:sp>
+      <p:sp>
+        <p:nvSpPr>
+          <p:cNvPr id="29" name="Oval 28"/>
+          <p:cNvSpPr/>
+          <p:nvPr/>
+        </p:nvSpPr>
+        <p:spPr>
+          <a:xfrm>
+            <a:off x="7372852" y="3021430"/>
+            <a:ext cx="123825" cy="123825"/>
+          </a:xfrm>
+          <a:prstGeom prst="ellipse">
+            <a:avLst/>
+          </a:prstGeom>
+          <a:gradFill>
+            <a:gsLst>
+              <a:gs pos="0">
+                <a:schemeClr val="bg1"/>
+              </a:gs>
+              <a:gs pos="76000">
+                <a:schemeClr val="bg1">
+                  <a:lumMod val="65000"/>
+                </a:schemeClr>
+              </a:gs>
+            </a:gsLst>
+            <a:path path="circle">
+              <a:fillToRect l="50000" t="50000" r="50000" b="50000"/>
+            </a:path>
+          </a:gradFill>
+          <a:ln>
+            <a:solidFill>
+              <a:schemeClr val="tx1"/>
+            </a:solidFill>
+          </a:ln>
+        </p:spPr>
+        <p:style>
+          <a:lnRef idx="2">
+            <a:schemeClr val="accent1">
+              <a:shade val="50000"/>
+            </a:schemeClr>
+          </a:lnRef>
+          <a:fillRef idx="1">
+            <a:schemeClr val="accent1"/>
+          </a:fillRef>
+          <a:effectRef idx="0">
+            <a:schemeClr val="accent1"/>
+          </a:effectRef>
+          <a:fontRef idx="minor">
+            <a:schemeClr val="lt1"/>
+          </a:fontRef>
+        </p:style>
+        <p:txBody>
+          <a:bodyPr rtlCol="0" anchor="ctr"/>
+          <a:lstStyle/>
+          <a:p>
+            <a:pPr algn="ctr"/>
+            <a:endParaRPr lang="en-US"/>
+          </a:p>
+        </p:txBody>
+      </p:sp>
+      <p:sp>
+        <p:nvSpPr>
+          <p:cNvPr id="30" name="Oval 29"/>
+          <p:cNvSpPr/>
+          <p:nvPr/>
+        </p:nvSpPr>
+        <p:spPr>
+          <a:xfrm>
+            <a:off x="6515602" y="2959517"/>
+            <a:ext cx="123825" cy="123825"/>
+          </a:xfrm>
+          <a:prstGeom prst="ellipse">
+            <a:avLst/>
+          </a:prstGeom>
+          <a:gradFill>
+            <a:gsLst>
+              <a:gs pos="0">
+                <a:schemeClr val="bg1"/>
+              </a:gs>
+              <a:gs pos="76000">
+                <a:schemeClr val="bg1">
+                  <a:lumMod val="65000"/>
+                </a:schemeClr>
+              </a:gs>
+            </a:gsLst>
+            <a:path path="circle">
+              <a:fillToRect l="50000" t="50000" r="50000" b="50000"/>
+            </a:path>
+          </a:gradFill>
+          <a:ln>
+            <a:solidFill>
+              <a:schemeClr val="tx1"/>
+            </a:solidFill>
+          </a:ln>
+        </p:spPr>
+        <p:style>
+          <a:lnRef idx="2">
+            <a:schemeClr val="accent1">
+              <a:shade val="50000"/>
+            </a:schemeClr>
+          </a:lnRef>
+          <a:fillRef idx="1">
+            <a:schemeClr val="accent1"/>
+          </a:fillRef>
+          <a:effectRef idx="0">
+            <a:schemeClr val="accent1"/>
+          </a:effectRef>
+          <a:fontRef idx="minor">
+            <a:schemeClr val="lt1"/>
+          </a:fontRef>
+        </p:style>
+        <p:txBody>
+          <a:bodyPr rtlCol="0" anchor="ctr"/>
+          <a:lstStyle/>
+          <a:p>
+            <a:pPr algn="ctr"/>
+            <a:endParaRPr lang="en-US"/>
+          </a:p>
+        </p:txBody>
+      </p:sp>
+      <p:sp>
+        <p:nvSpPr>
+          <p:cNvPr id="31" name="Oval 30"/>
+          <p:cNvSpPr/>
+          <p:nvPr/>
+        </p:nvSpPr>
+        <p:spPr>
+          <a:xfrm>
+            <a:off x="6515601" y="3502441"/>
+            <a:ext cx="123825" cy="123825"/>
+          </a:xfrm>
+          <a:prstGeom prst="ellipse">
+            <a:avLst/>
+          </a:prstGeom>
+          <a:gradFill>
+            <a:gsLst>
+              <a:gs pos="0">
+                <a:schemeClr val="bg1"/>
+              </a:gs>
+              <a:gs pos="76000">
+                <a:schemeClr val="bg1">
+                  <a:lumMod val="65000"/>
+                </a:schemeClr>
+              </a:gs>
+            </a:gsLst>
+            <a:path path="circle">
+              <a:fillToRect l="50000" t="50000" r="50000" b="50000"/>
+            </a:path>
+          </a:gradFill>
+          <a:ln>
+            <a:solidFill>
+              <a:schemeClr val="tx1"/>
+            </a:solidFill>
+          </a:ln>
+        </p:spPr>
+        <p:style>
+          <a:lnRef idx="2">
+            <a:schemeClr val="accent1">
+              <a:shade val="50000"/>
+            </a:schemeClr>
+          </a:lnRef>
+          <a:fillRef idx="1">
+            <a:schemeClr val="accent1"/>
+          </a:fillRef>
+          <a:effectRef idx="0">
+            <a:schemeClr val="accent1"/>
+          </a:effectRef>
+          <a:fontRef idx="minor">
+            <a:schemeClr val="lt1"/>
+          </a:fontRef>
+        </p:style>
+        <p:txBody>
+          <a:bodyPr rtlCol="0" anchor="ctr"/>
+          <a:lstStyle/>
+          <a:p>
+            <a:pPr algn="ctr"/>
+            <a:endParaRPr lang="en-US"/>
+          </a:p>
+        </p:txBody>
+      </p:sp>
+      <p:sp>
+        <p:nvSpPr>
+          <p:cNvPr id="32" name="Oval 31"/>
+          <p:cNvSpPr/>
+          <p:nvPr/>
+        </p:nvSpPr>
+        <p:spPr>
+          <a:xfrm>
+            <a:off x="7029951" y="2535655"/>
+            <a:ext cx="123825" cy="123825"/>
+          </a:xfrm>
+          <a:prstGeom prst="ellipse">
+            <a:avLst/>
+          </a:prstGeom>
+          <a:gradFill>
+            <a:gsLst>
+              <a:gs pos="0">
+                <a:schemeClr val="bg1"/>
+              </a:gs>
+              <a:gs pos="76000">
+                <a:schemeClr val="bg1">
+                  <a:lumMod val="65000"/>
+                </a:schemeClr>
+              </a:gs>
+            </a:gsLst>
+            <a:path path="circle">
+              <a:fillToRect l="50000" t="50000" r="50000" b="50000"/>
+            </a:path>
+          </a:gradFill>
+          <a:ln>
+            <a:solidFill>
+              <a:schemeClr val="tx1"/>
+            </a:solidFill>
+          </a:ln>
+        </p:spPr>
+        <p:style>
+          <a:lnRef idx="2">
+            <a:schemeClr val="accent1">
+              <a:shade val="50000"/>
+            </a:schemeClr>
+          </a:lnRef>
+          <a:fillRef idx="1">
+            <a:schemeClr val="accent1"/>
+          </a:fillRef>
+          <a:effectRef idx="0">
+            <a:schemeClr val="accent1"/>
+          </a:effectRef>
+          <a:fontRef idx="minor">
+            <a:schemeClr val="lt1"/>
+          </a:fontRef>
+        </p:style>
+        <p:txBody>
+          <a:bodyPr rtlCol="0" anchor="ctr"/>
+          <a:lstStyle/>
+          <a:p>
+            <a:pPr algn="ctr"/>
+            <a:endParaRPr lang="en-US"/>
+          </a:p>
+        </p:txBody>
+      </p:sp>
+      <p:sp>
+        <p:nvSpPr>
+          <p:cNvPr id="34" name="Oval 33"/>
+          <p:cNvSpPr/>
+          <p:nvPr/>
+        </p:nvSpPr>
+        <p:spPr>
+          <a:xfrm>
+            <a:off x="6196512" y="1961775"/>
+            <a:ext cx="123825" cy="123825"/>
+          </a:xfrm>
+          <a:prstGeom prst="ellipse">
+            <a:avLst/>
+          </a:prstGeom>
+          <a:gradFill>
+            <a:gsLst>
+              <a:gs pos="0">
+                <a:schemeClr val="bg1"/>
+              </a:gs>
+              <a:gs pos="76000">
+                <a:schemeClr val="bg1">
+                  <a:lumMod val="65000"/>
+                </a:schemeClr>
+              </a:gs>
+            </a:gsLst>
+            <a:path path="circle">
+              <a:fillToRect l="50000" t="50000" r="50000" b="50000"/>
+            </a:path>
+          </a:gradFill>
+          <a:ln>
+            <a:solidFill>
+              <a:schemeClr val="tx1"/>
+            </a:solidFill>
+          </a:ln>
+        </p:spPr>
+        <p:style>
+          <a:lnRef idx="2">
+            <a:schemeClr val="accent1">
+              <a:shade val="50000"/>
+            </a:schemeClr>
+          </a:lnRef>
+          <a:fillRef idx="1">
+            <a:schemeClr val="accent1"/>
+          </a:fillRef>
+          <a:effectRef idx="0">
+            <a:schemeClr val="accent1"/>
+          </a:effectRef>
+          <a:fontRef idx="minor">
+            <a:schemeClr val="lt1"/>
+          </a:fontRef>
+        </p:style>
+        <p:txBody>
+          <a:bodyPr rtlCol="0" anchor="ctr"/>
+          <a:lstStyle/>
+          <a:p>
+            <a:pPr algn="ctr"/>
+            <a:endParaRPr lang="en-US"/>
+          </a:p>
+        </p:txBody>
+      </p:sp>
+      <p:sp>
+        <p:nvSpPr>
+          <p:cNvPr id="35" name="Oval 34"/>
+          <p:cNvSpPr/>
+          <p:nvPr/>
+        </p:nvSpPr>
+        <p:spPr>
+          <a:xfrm>
+            <a:off x="6191752" y="2535655"/>
+            <a:ext cx="123825" cy="123825"/>
+          </a:xfrm>
+          <a:prstGeom prst="ellipse">
+            <a:avLst/>
+          </a:prstGeom>
+          <a:gradFill>
+            <a:gsLst>
+              <a:gs pos="0">
+                <a:schemeClr val="bg1"/>
+              </a:gs>
+              <a:gs pos="76000">
+                <a:schemeClr val="bg1">
+                  <a:lumMod val="65000"/>
+                </a:schemeClr>
+              </a:gs>
+            </a:gsLst>
+            <a:path path="circle">
+              <a:fillToRect l="50000" t="50000" r="50000" b="50000"/>
+            </a:path>
+          </a:gradFill>
+          <a:ln>
+            <a:solidFill>
+              <a:schemeClr val="tx1"/>
+            </a:solidFill>
+          </a:ln>
+        </p:spPr>
+        <p:style>
+          <a:lnRef idx="2">
+            <a:schemeClr val="accent1">
+              <a:shade val="50000"/>
+            </a:schemeClr>
+          </a:lnRef>
+          <a:fillRef idx="1">
+            <a:schemeClr val="accent1"/>
+          </a:fillRef>
+          <a:effectRef idx="0">
+            <a:schemeClr val="accent1"/>
+          </a:effectRef>
+          <a:fontRef idx="minor">
+            <a:schemeClr val="lt1"/>
+          </a:fontRef>
+        </p:style>
+        <p:txBody>
+          <a:bodyPr rtlCol="0" anchor="ctr"/>
+          <a:lstStyle/>
+          <a:p>
+            <a:pPr algn="ctr"/>
+            <a:endParaRPr lang="en-US"/>
+          </a:p>
+        </p:txBody>
+      </p:sp>
+      <p:sp>
+        <p:nvSpPr>
+          <p:cNvPr id="36" name="Oval 35"/>
+          <p:cNvSpPr/>
+          <p:nvPr/>
+        </p:nvSpPr>
+        <p:spPr>
+          <a:xfrm>
+            <a:off x="7277602" y="1949867"/>
+            <a:ext cx="123825" cy="123825"/>
+          </a:xfrm>
+          <a:prstGeom prst="ellipse">
+            <a:avLst/>
+          </a:prstGeom>
+          <a:gradFill>
+            <a:gsLst>
+              <a:gs pos="0">
+                <a:schemeClr val="bg1"/>
+              </a:gs>
+              <a:gs pos="76000">
+                <a:schemeClr val="bg1">
+                  <a:lumMod val="65000"/>
+                </a:schemeClr>
+              </a:gs>
+            </a:gsLst>
+            <a:path path="circle">
+              <a:fillToRect l="50000" t="50000" r="50000" b="50000"/>
+            </a:path>
+          </a:gradFill>
+          <a:ln>
+            <a:solidFill>
+              <a:schemeClr val="tx1"/>
+            </a:solidFill>
+          </a:ln>
+        </p:spPr>
+        <p:style>
+          <a:lnRef idx="2">
+            <a:schemeClr val="accent1">
+              <a:shade val="50000"/>
+            </a:schemeClr>
+          </a:lnRef>
+          <a:fillRef idx="1">
+            <a:schemeClr val="accent1"/>
+          </a:fillRef>
+          <a:effectRef idx="0">
+            <a:schemeClr val="accent1"/>
+          </a:effectRef>
+          <a:fontRef idx="minor">
+            <a:schemeClr val="lt1"/>
+          </a:fontRef>
+        </p:style>
+        <p:txBody>
+          <a:bodyPr rtlCol="0" anchor="ctr"/>
+          <a:lstStyle/>
+          <a:p>
+            <a:pPr algn="ctr"/>
+            <a:endParaRPr lang="en-US"/>
+          </a:p>
+        </p:txBody>
+      </p:sp>
+      <p:sp>
+        <p:nvSpPr>
+          <p:cNvPr id="37" name="Oval 36"/>
+          <p:cNvSpPr/>
+          <p:nvPr/>
+        </p:nvSpPr>
+        <p:spPr>
+          <a:xfrm>
+            <a:off x="6853734" y="2073097"/>
+            <a:ext cx="123825" cy="123825"/>
+          </a:xfrm>
+          <a:prstGeom prst="ellipse">
+            <a:avLst/>
+          </a:prstGeom>
+          <a:gradFill>
+            <a:gsLst>
+              <a:gs pos="0">
+                <a:schemeClr val="bg1"/>
+              </a:gs>
+              <a:gs pos="76000">
+                <a:schemeClr val="bg1">
+                  <a:lumMod val="65000"/>
+                </a:schemeClr>
+              </a:gs>
+            </a:gsLst>
+            <a:path path="circle">
+              <a:fillToRect l="50000" t="50000" r="50000" b="50000"/>
+            </a:path>
+          </a:gradFill>
+          <a:ln>
+            <a:solidFill>
+              <a:schemeClr val="tx1"/>
+            </a:solidFill>
+          </a:ln>
+        </p:spPr>
+        <p:style>
+          <a:lnRef idx="2">
+            <a:schemeClr val="accent1">
+              <a:shade val="50000"/>
+            </a:schemeClr>
+          </a:lnRef>
+          <a:fillRef idx="1">
+            <a:schemeClr val="accent1"/>
+          </a:fillRef>
+          <a:effectRef idx="0">
+            <a:schemeClr val="accent1"/>
+          </a:effectRef>
+          <a:fontRef idx="minor">
+            <a:schemeClr val="lt1"/>
+          </a:fontRef>
+        </p:style>
+        <p:txBody>
+          <a:bodyPr rtlCol="0" anchor="ctr"/>
+          <a:lstStyle/>
+          <a:p>
+            <a:pPr algn="ctr"/>
+            <a:endParaRPr lang="en-US"/>
+          </a:p>
+        </p:txBody>
+      </p:sp>
+      <p:sp>
+        <p:nvSpPr>
+          <p:cNvPr id="38" name="Oval 37"/>
+          <p:cNvSpPr/>
+          <p:nvPr/>
+        </p:nvSpPr>
+        <p:spPr>
+          <a:xfrm>
+            <a:off x="7496677" y="2535655"/>
+            <a:ext cx="123825" cy="123825"/>
+          </a:xfrm>
+          <a:prstGeom prst="ellipse">
+            <a:avLst/>
+          </a:prstGeom>
+          <a:gradFill>
+            <a:gsLst>
+              <a:gs pos="0">
+                <a:schemeClr val="bg1"/>
+              </a:gs>
+              <a:gs pos="76000">
+                <a:schemeClr val="bg1">
+                  <a:lumMod val="65000"/>
+                </a:schemeClr>
+              </a:gs>
+            </a:gsLst>
+            <a:path path="circle">
+              <a:fillToRect l="50000" t="50000" r="50000" b="50000"/>
+            </a:path>
+          </a:gradFill>
+          <a:ln>
+            <a:solidFill>
+              <a:schemeClr val="tx1"/>
+            </a:solidFill>
+          </a:ln>
+        </p:spPr>
+        <p:style>
+          <a:lnRef idx="2">
+            <a:schemeClr val="accent1">
+              <a:shade val="50000"/>
+            </a:schemeClr>
+          </a:lnRef>
+          <a:fillRef idx="1">
+            <a:schemeClr val="accent1"/>
+          </a:fillRef>
+          <a:effectRef idx="0">
+            <a:schemeClr val="accent1"/>
+          </a:effectRef>
+          <a:fontRef idx="minor">
+            <a:schemeClr val="lt1"/>
+          </a:fontRef>
+        </p:style>
+        <p:txBody>
+          <a:bodyPr rtlCol="0" anchor="ctr"/>
+          <a:lstStyle/>
+          <a:p>
+            <a:pPr algn="ctr"/>
+            <a:endParaRPr lang="en-US"/>
+          </a:p>
+        </p:txBody>
+      </p:sp>
+      <p:sp>
+        <p:nvSpPr>
+          <p:cNvPr id="39" name="Oval 38"/>
+          <p:cNvSpPr/>
+          <p:nvPr/>
+        </p:nvSpPr>
+        <p:spPr>
+          <a:xfrm>
+            <a:off x="5925051" y="3273842"/>
+            <a:ext cx="123825" cy="123825"/>
+          </a:xfrm>
+          <a:prstGeom prst="ellipse">
+            <a:avLst/>
+          </a:prstGeom>
+          <a:gradFill>
+            <a:gsLst>
+              <a:gs pos="0">
+                <a:schemeClr val="bg1"/>
+              </a:gs>
+              <a:gs pos="76000">
+                <a:schemeClr val="bg1">
+                  <a:lumMod val="65000"/>
+                </a:schemeClr>
+              </a:gs>
+            </a:gsLst>
+            <a:path path="circle">
+              <a:fillToRect l="50000" t="50000" r="50000" b="50000"/>
+            </a:path>
+          </a:gradFill>
+          <a:ln>
+            <a:solidFill>
+              <a:schemeClr val="tx1"/>
+            </a:solidFill>
+          </a:ln>
+        </p:spPr>
+        <p:style>
+          <a:lnRef idx="2">
+            <a:schemeClr val="accent1">
+              <a:shade val="50000"/>
+            </a:schemeClr>
+          </a:lnRef>
+          <a:fillRef idx="1">
+            <a:schemeClr val="accent1"/>
+          </a:fillRef>
+          <a:effectRef idx="0">
+            <a:schemeClr val="accent1"/>
+          </a:effectRef>
+          <a:fontRef idx="minor">
+            <a:schemeClr val="lt1"/>
+          </a:fontRef>
+        </p:style>
+        <p:txBody>
+          <a:bodyPr rtlCol="0" anchor="ctr"/>
+          <a:lstStyle/>
+          <a:p>
+            <a:pPr algn="ctr"/>
+            <a:endParaRPr lang="en-US"/>
+          </a:p>
+        </p:txBody>
+      </p:sp>
+      <p:sp>
+        <p:nvSpPr>
+          <p:cNvPr id="40" name="Oval 39"/>
+          <p:cNvSpPr/>
+          <p:nvPr/>
+        </p:nvSpPr>
+        <p:spPr>
+          <a:xfrm>
+            <a:off x="8453939" y="3069055"/>
+            <a:ext cx="123825" cy="123825"/>
+          </a:xfrm>
+          <a:prstGeom prst="ellipse">
+            <a:avLst/>
+          </a:prstGeom>
+          <a:gradFill flip="none" rotWithShape="1">
+            <a:gsLst>
+              <a:gs pos="0">
+                <a:srgbClr val="FF0000"/>
+              </a:gs>
+              <a:gs pos="52000">
+                <a:srgbClr val="C00000"/>
+              </a:gs>
+            </a:gsLst>
+            <a:path path="circle">
+              <a:fillToRect l="50000" t="50000" r="50000" b="50000"/>
+            </a:path>
+            <a:tileRect/>
+          </a:gradFill>
+          <a:ln>
+            <a:solidFill>
+              <a:schemeClr val="tx1"/>
+            </a:solidFill>
+          </a:ln>
+        </p:spPr>
+        <p:style>
+          <a:lnRef idx="2">
+            <a:schemeClr val="accent1">
+              <a:shade val="50000"/>
+            </a:schemeClr>
+          </a:lnRef>
+          <a:fillRef idx="1">
+            <a:schemeClr val="accent1"/>
+          </a:fillRef>
+          <a:effectRef idx="0">
+            <a:schemeClr val="accent1"/>
+          </a:effectRef>
+          <a:fontRef idx="minor">
+            <a:schemeClr val="lt1"/>
+          </a:fontRef>
+        </p:style>
+        <p:txBody>
+          <a:bodyPr rtlCol="0" anchor="ctr"/>
+          <a:lstStyle/>
+          <a:p>
+            <a:pPr algn="ctr"/>
+            <a:endParaRPr lang="en-US"/>
+          </a:p>
+        </p:txBody>
+      </p:sp>
+      <p:sp>
+        <p:nvSpPr>
+          <p:cNvPr id="41" name="Oval 40"/>
+          <p:cNvSpPr/>
+          <p:nvPr/>
+        </p:nvSpPr>
+        <p:spPr>
+          <a:xfrm>
+            <a:off x="8392026" y="2535655"/>
+            <a:ext cx="123825" cy="123825"/>
+          </a:xfrm>
+          <a:prstGeom prst="ellipse">
+            <a:avLst/>
+          </a:prstGeom>
+          <a:gradFill flip="none" rotWithShape="1">
+            <a:gsLst>
+              <a:gs pos="0">
+                <a:srgbClr val="FF0000"/>
+              </a:gs>
+              <a:gs pos="52000">
+                <a:srgbClr val="C00000"/>
+              </a:gs>
+            </a:gsLst>
+            <a:path path="circle">
+              <a:fillToRect l="50000" t="50000" r="50000" b="50000"/>
+            </a:path>
+            <a:tileRect/>
+          </a:gradFill>
+          <a:ln>
+            <a:solidFill>
+              <a:schemeClr val="tx1"/>
+            </a:solidFill>
+          </a:ln>
+        </p:spPr>
+        <p:style>
+          <a:lnRef idx="2">
+            <a:schemeClr val="accent1">
+              <a:shade val="50000"/>
+            </a:schemeClr>
+          </a:lnRef>
+          <a:fillRef idx="1">
+            <a:schemeClr val="accent1"/>
+          </a:fillRef>
+          <a:effectRef idx="0">
+            <a:schemeClr val="accent1"/>
+          </a:effectRef>
+          <a:fontRef idx="minor">
+            <a:schemeClr val="lt1"/>
+          </a:fontRef>
+        </p:style>
+        <p:txBody>
+          <a:bodyPr rtlCol="0" anchor="ctr"/>
+          <a:lstStyle/>
+          <a:p>
+            <a:pPr algn="ctr"/>
+            <a:endParaRPr lang="en-US"/>
+          </a:p>
+        </p:txBody>
+      </p:sp>
+      <p:sp>
+        <p:nvSpPr>
+          <p:cNvPr id="42" name="Oval 41"/>
+          <p:cNvSpPr/>
+          <p:nvPr/>
+        </p:nvSpPr>
+        <p:spPr>
+          <a:xfrm>
+            <a:off x="6563223" y="1352174"/>
+            <a:ext cx="123825" cy="123825"/>
+          </a:xfrm>
+          <a:prstGeom prst="ellipse">
+            <a:avLst/>
+          </a:prstGeom>
+          <a:gradFill flip="none" rotWithShape="1">
+            <a:gsLst>
+              <a:gs pos="0">
+                <a:srgbClr val="FF0000"/>
+              </a:gs>
+              <a:gs pos="52000">
+                <a:srgbClr val="C00000"/>
+              </a:gs>
+            </a:gsLst>
+            <a:path path="circle">
+              <a:fillToRect l="50000" t="50000" r="50000" b="50000"/>
+            </a:path>
+            <a:tileRect/>
+          </a:gradFill>
+          <a:ln>
+            <a:solidFill>
+              <a:schemeClr val="tx1"/>
+            </a:solidFill>
+          </a:ln>
+        </p:spPr>
+        <p:style>
+          <a:lnRef idx="2">
+            <a:schemeClr val="accent1">
+              <a:shade val="50000"/>
+            </a:schemeClr>
+          </a:lnRef>
+          <a:fillRef idx="1">
+            <a:schemeClr val="accent1"/>
+          </a:fillRef>
+          <a:effectRef idx="0">
+            <a:schemeClr val="accent1"/>
+          </a:effectRef>
+          <a:fontRef idx="minor">
+            <a:schemeClr val="lt1"/>
+          </a:fontRef>
+        </p:style>
+        <p:txBody>
+          <a:bodyPr rtlCol="0" anchor="ctr"/>
+          <a:lstStyle/>
+          <a:p>
+            <a:pPr algn="ctr"/>
+            <a:endParaRPr lang="en-US"/>
+          </a:p>
+        </p:txBody>
+      </p:sp>
+      <p:sp>
+        <p:nvSpPr>
+          <p:cNvPr id="43" name="Oval 42"/>
+          <p:cNvSpPr/>
+          <p:nvPr/>
+        </p:nvSpPr>
+        <p:spPr>
+          <a:xfrm>
+            <a:off x="6639426" y="4543048"/>
+            <a:ext cx="123825" cy="123825"/>
+          </a:xfrm>
+          <a:prstGeom prst="ellipse">
+            <a:avLst/>
+          </a:prstGeom>
+          <a:gradFill flip="none" rotWithShape="1">
+            <a:gsLst>
+              <a:gs pos="0">
+                <a:srgbClr val="FF0000"/>
+              </a:gs>
+              <a:gs pos="52000">
+                <a:srgbClr val="C00000"/>
+              </a:gs>
+            </a:gsLst>
+            <a:path path="circle">
+              <a:fillToRect l="50000" t="50000" r="50000" b="50000"/>
+            </a:path>
+            <a:tileRect/>
+          </a:gradFill>
+          <a:ln>
+            <a:solidFill>
+              <a:schemeClr val="tx1"/>
+            </a:solidFill>
+          </a:ln>
+        </p:spPr>
+        <p:style>
+          <a:lnRef idx="2">
+            <a:schemeClr val="accent1">
+              <a:shade val="50000"/>
+            </a:schemeClr>
+          </a:lnRef>
+          <a:fillRef idx="1">
+            <a:schemeClr val="accent1"/>
+          </a:fillRef>
+          <a:effectRef idx="0">
+            <a:schemeClr val="accent1"/>
+          </a:effectRef>
+          <a:fontRef idx="minor">
+            <a:schemeClr val="lt1"/>
+          </a:fontRef>
+        </p:style>
+        <p:txBody>
+          <a:bodyPr rtlCol="0" anchor="ctr"/>
+          <a:lstStyle/>
+          <a:p>
+            <a:pPr algn="ctr"/>
+            <a:endParaRPr lang="en-US"/>
+          </a:p>
+        </p:txBody>
+      </p:sp>
+      <p:sp>
+        <p:nvSpPr>
+          <p:cNvPr id="44" name="Oval 43"/>
+          <p:cNvSpPr/>
+          <p:nvPr/>
+        </p:nvSpPr>
+        <p:spPr>
+          <a:xfrm>
+            <a:off x="6660855" y="2822256"/>
+            <a:ext cx="123825" cy="123825"/>
+          </a:xfrm>
+          <a:prstGeom prst="ellipse">
+            <a:avLst/>
+          </a:prstGeom>
+          <a:gradFill flip="none" rotWithShape="1">
+            <a:gsLst>
+              <a:gs pos="0">
+                <a:schemeClr val="accent6"/>
+              </a:gs>
+              <a:gs pos="77000">
+                <a:schemeClr val="accent6">
+                  <a:lumMod val="50000"/>
+                </a:schemeClr>
+              </a:gs>
+            </a:gsLst>
+            <a:path path="circle">
+              <a:fillToRect l="50000" t="50000" r="50000" b="50000"/>
+            </a:path>
+            <a:tileRect/>
+          </a:gradFill>
+          <a:ln>
+            <a:solidFill>
+              <a:schemeClr val="tx1"/>
+            </a:solidFill>
+          </a:ln>
+        </p:spPr>
+        <p:style>
+          <a:lnRef idx="2">
+            <a:schemeClr val="accent1">
+              <a:shade val="50000"/>
+            </a:schemeClr>
+          </a:lnRef>
+          <a:fillRef idx="1">
+            <a:schemeClr val="accent1"/>
+          </a:fillRef>
+          <a:effectRef idx="0">
+            <a:schemeClr val="accent1"/>
+          </a:effectRef>
+          <a:fontRef idx="minor">
+            <a:schemeClr val="lt1"/>
+          </a:fontRef>
+        </p:style>
+        <p:txBody>
+          <a:bodyPr rtlCol="0" anchor="ctr"/>
+          <a:lstStyle/>
+          <a:p>
+            <a:pPr algn="ctr"/>
+            <a:endParaRPr lang="en-US"/>
+          </a:p>
+        </p:txBody>
+      </p:sp>
+      <p:sp>
+        <p:nvSpPr>
+          <p:cNvPr id="45" name="Oval 44"/>
+          <p:cNvSpPr/>
+          <p:nvPr/>
+        </p:nvSpPr>
+        <p:spPr>
+          <a:xfrm>
+            <a:off x="5801225" y="2738061"/>
+            <a:ext cx="123825" cy="123825"/>
+          </a:xfrm>
+          <a:prstGeom prst="ellipse">
+            <a:avLst/>
+          </a:prstGeom>
+          <a:gradFill flip="none" rotWithShape="1">
+            <a:gsLst>
+              <a:gs pos="0">
+                <a:srgbClr val="FF0000"/>
+              </a:gs>
+              <a:gs pos="56000">
+                <a:srgbClr val="C00000"/>
+              </a:gs>
+            </a:gsLst>
+            <a:path path="circle">
+              <a:fillToRect l="50000" t="50000" r="50000" b="50000"/>
+            </a:path>
+            <a:tileRect/>
+          </a:gradFill>
+          <a:ln>
+            <a:solidFill>
+              <a:schemeClr val="tx1"/>
+            </a:solidFill>
+          </a:ln>
+        </p:spPr>
+        <p:style>
+          <a:lnRef idx="2">
+            <a:schemeClr val="accent1">
+              <a:shade val="50000"/>
+            </a:schemeClr>
+          </a:lnRef>
+          <a:fillRef idx="1">
+            <a:schemeClr val="accent1"/>
+          </a:fillRef>
+          <a:effectRef idx="0">
+            <a:schemeClr val="accent1"/>
+          </a:effectRef>
+          <a:fontRef idx="minor">
+            <a:schemeClr val="lt1"/>
+          </a:fontRef>
+        </p:style>
+        <p:txBody>
+          <a:bodyPr rtlCol="0" anchor="ctr"/>
+          <a:lstStyle/>
+          <a:p>
+            <a:pPr algn="ctr"/>
+            <a:endParaRPr lang="en-US"/>
+          </a:p>
+        </p:txBody>
+      </p:sp>
+      <p:sp>
+        <p:nvSpPr>
+          <p:cNvPr id="46" name="Oval 45"/>
+          <p:cNvSpPr/>
+          <p:nvPr/>
+        </p:nvSpPr>
+        <p:spPr>
+          <a:xfrm>
+            <a:off x="6901362" y="3857249"/>
+            <a:ext cx="123825" cy="123825"/>
+          </a:xfrm>
+          <a:prstGeom prst="ellipse">
+            <a:avLst/>
+          </a:prstGeom>
+          <a:gradFill flip="none" rotWithShape="1">
+            <a:gsLst>
+              <a:gs pos="0">
+                <a:srgbClr val="FF0000"/>
+              </a:gs>
+              <a:gs pos="56000">
+                <a:srgbClr val="C00000"/>
+              </a:gs>
+            </a:gsLst>
+            <a:path path="circle">
+              <a:fillToRect l="50000" t="50000" r="50000" b="50000"/>
+            </a:path>
+            <a:tileRect/>
+          </a:gradFill>
+          <a:ln>
+            <a:solidFill>
+              <a:schemeClr val="tx1"/>
+            </a:solidFill>
+          </a:ln>
+        </p:spPr>
+        <p:style>
+          <a:lnRef idx="2">
+            <a:schemeClr val="accent1">
+              <a:shade val="50000"/>
+            </a:schemeClr>
+          </a:lnRef>
+          <a:fillRef idx="1">
+            <a:schemeClr val="accent1"/>
+          </a:fillRef>
+          <a:effectRef idx="0">
+            <a:schemeClr val="accent1"/>
+          </a:effectRef>
+          <a:fontRef idx="minor">
+            <a:schemeClr val="lt1"/>
+          </a:fontRef>
+        </p:style>
+        <p:txBody>
+          <a:bodyPr rtlCol="0" anchor="ctr"/>
+          <a:lstStyle/>
+          <a:p>
+            <a:pPr algn="ctr"/>
+            <a:endParaRPr lang="en-US"/>
+          </a:p>
+        </p:txBody>
+      </p:sp>
+      <p:sp>
+        <p:nvSpPr>
+          <p:cNvPr id="47" name="Oval 46"/>
+          <p:cNvSpPr/>
+          <p:nvPr/>
+        </p:nvSpPr>
+        <p:spPr>
+          <a:xfrm>
+            <a:off x="6191751" y="3626266"/>
+            <a:ext cx="123825" cy="123825"/>
+          </a:xfrm>
+          <a:prstGeom prst="ellipse">
+            <a:avLst/>
+          </a:prstGeom>
+          <a:gradFill flip="none" rotWithShape="1">
+            <a:gsLst>
+              <a:gs pos="0">
+                <a:srgbClr val="FF0000"/>
+              </a:gs>
+              <a:gs pos="56000">
+                <a:srgbClr val="C00000"/>
+              </a:gs>
+            </a:gsLst>
+            <a:path path="circle">
+              <a:fillToRect l="50000" t="50000" r="50000" b="50000"/>
+            </a:path>
+            <a:tileRect/>
+          </a:gradFill>
+          <a:ln>
+            <a:solidFill>
+              <a:schemeClr val="tx1"/>
+            </a:solidFill>
+          </a:ln>
+        </p:spPr>
+        <p:style>
+          <a:lnRef idx="2">
+            <a:schemeClr val="accent1">
+              <a:shade val="50000"/>
+            </a:schemeClr>
+          </a:lnRef>
+          <a:fillRef idx="1">
+            <a:schemeClr val="accent1"/>
+          </a:fillRef>
+          <a:effectRef idx="0">
+            <a:schemeClr val="accent1"/>
+          </a:effectRef>
+          <a:fontRef idx="minor">
+            <a:schemeClr val="lt1"/>
+          </a:fontRef>
+        </p:style>
+        <p:txBody>
+          <a:bodyPr rtlCol="0" anchor="ctr"/>
+          <a:lstStyle/>
+          <a:p>
+            <a:pPr algn="ctr"/>
+            <a:endParaRPr lang="en-US"/>
+          </a:p>
+        </p:txBody>
+      </p:sp>
+      <p:sp>
+        <p:nvSpPr>
+          <p:cNvPr id="50" name="Rounded Rectangle 49"/>
+          <p:cNvSpPr/>
+          <p:nvPr/>
+        </p:nvSpPr>
+        <p:spPr>
+          <a:xfrm>
+            <a:off x="1879937" y="1030921"/>
+            <a:ext cx="3384883" cy="4104842"/>
+          </a:xfrm>
+          <a:prstGeom prst="roundRect">
+            <a:avLst/>
+          </a:prstGeom>
+          <a:noFill/>
+          <a:ln>
+            <a:solidFill>
+              <a:schemeClr val="tx1"/>
+            </a:solidFill>
+          </a:ln>
+        </p:spPr>
+        <p:style>
+          <a:lnRef idx="2">
+            <a:schemeClr val="accent1">
+              <a:shade val="50000"/>
+            </a:schemeClr>
+          </a:lnRef>
+          <a:fillRef idx="1">
+            <a:schemeClr val="accent1"/>
+          </a:fillRef>
+          <a:effectRef idx="0">
+            <a:schemeClr val="accent1"/>
+          </a:effectRef>
+          <a:fontRef idx="minor">
+            <a:schemeClr val="lt1"/>
+          </a:fontRef>
+        </p:style>
+        <p:txBody>
+          <a:bodyPr rtlCol="0" anchor="ctr"/>
+          <a:lstStyle/>
+          <a:p>
+            <a:pPr algn="ctr"/>
+            <a:endParaRPr lang="en-US">
+              <a:solidFill>
+                <a:schemeClr val="bg1"/>
               </a:solidFill>
             </a:endParaRPr>
           </a:p>
@@ -5962,78 +7416,19 @@
       </p:sp>
       <p:sp>
         <p:nvSpPr>
-          <p:cNvPr id="65" name="TextBox 64"/>
+          <p:cNvPr id="51" name="TextBox 50"/>
           <p:cNvSpPr txBox="1"/>
           <p:nvPr/>
         </p:nvSpPr>
         <p:spPr>
-          <a:xfrm>
-            <a:off x="2290787" y="4350263"/>
-            <a:ext cx="1073435" cy="461665"/>
+          <a:xfrm flipH="1">
+            <a:off x="1879937" y="4729760"/>
+            <a:ext cx="3384882" cy="369332"/>
           </a:xfrm>
           <a:prstGeom prst="rect">
             <a:avLst/>
           </a:prstGeom>
           <a:noFill/>
-        </p:spPr>
-        <p:txBody>
-          <a:bodyPr wrap="none" rtlCol="0">
-            <a:spAutoFit/>
-          </a:bodyPr>
-          <a:lstStyle/>
-          <a:p>
-            <a:pPr algn="ctr"/>
-            <a:r>
-              <a:rPr lang="en-US" sz="1200" dirty="0" smtClean="0">
-                <a:solidFill>
-                  <a:schemeClr val="bg1">
-                    <a:lumMod val="50000"/>
-                  </a:schemeClr>
-                </a:solidFill>
-              </a:rPr>
-              <a:t>Non-Instant</a:t>
-            </a:r>
-          </a:p>
-          <a:p>
-            <a:pPr algn="ctr"/>
-            <a:r>
-              <a:rPr lang="en-US" sz="1200" dirty="0" smtClean="0">
-                <a:solidFill>
-                  <a:schemeClr val="bg1">
-                    <a:lumMod val="50000"/>
-                  </a:schemeClr>
-                </a:solidFill>
-              </a:rPr>
-              <a:t>Usability Error</a:t>
-            </a:r>
-            <a:endParaRPr lang="en-US" sz="1200" dirty="0">
-              <a:solidFill>
-                <a:schemeClr val="bg1">
-                  <a:lumMod val="50000"/>
-                </a:schemeClr>
-              </a:solidFill>
-            </a:endParaRPr>
-          </a:p>
-        </p:txBody>
-      </p:sp>
-      <p:sp>
-        <p:nvSpPr>
-          <p:cNvPr id="66" name="TextBox 65"/>
-          <p:cNvSpPr txBox="1"/>
-          <p:nvPr/>
-        </p:nvSpPr>
-        <p:spPr>
-          <a:xfrm>
-            <a:off x="2422175" y="2810377"/>
-            <a:ext cx="1320800" cy="276999"/>
-          </a:xfrm>
-          <a:prstGeom prst="rect">
-            <a:avLst/>
-          </a:prstGeom>
-          <a:noFill/>
-          <a:ln>
-            <a:noFill/>
-          </a:ln>
         </p:spPr>
         <p:txBody>
           <a:bodyPr wrap="square" rtlCol="0">
@@ -6041,26 +7436,50 @@
           </a:bodyPr>
           <a:lstStyle/>
           <a:p>
+            <a:pPr algn="ctr"/>
             <a:r>
-              <a:rPr lang="en-US" sz="1200" dirty="0" smtClean="0">
-                <a:solidFill>
-                  <a:srgbClr val="2F5597"/>
-                </a:solidFill>
-              </a:rPr>
-              <a:t>Individual Events</a:t>
+              <a:rPr lang="en-US" b="1" dirty="0" smtClean="0"/>
+              <a:t>Nu = 1.00</a:t>
             </a:r>
-            <a:endParaRPr lang="en-US" sz="1200" dirty="0">
-              <a:solidFill>
-                <a:srgbClr val="2F5597"/>
-              </a:solidFill>
-            </a:endParaRPr>
+            <a:endParaRPr lang="en-US" b="1" dirty="0"/>
+          </a:p>
+        </p:txBody>
+      </p:sp>
+      <p:sp>
+        <p:nvSpPr>
+          <p:cNvPr id="52" name="TextBox 51"/>
+          <p:cNvSpPr txBox="1"/>
+          <p:nvPr/>
+        </p:nvSpPr>
+        <p:spPr>
+          <a:xfrm flipH="1">
+            <a:off x="5332746" y="4707161"/>
+            <a:ext cx="3384882" cy="369332"/>
+          </a:xfrm>
+          <a:prstGeom prst="rect">
+            <a:avLst/>
+          </a:prstGeom>
+          <a:noFill/>
+        </p:spPr>
+        <p:txBody>
+          <a:bodyPr wrap="square" rtlCol="0">
+            <a:spAutoFit/>
+          </a:bodyPr>
+          <a:lstStyle/>
+          <a:p>
+            <a:pPr algn="ctr"/>
+            <a:r>
+              <a:rPr lang="en-US" b="1" dirty="0" smtClean="0"/>
+              <a:t>Nu = 0.01</a:t>
+            </a:r>
+            <a:endParaRPr lang="en-US" b="1" dirty="0"/>
           </a:p>
         </p:txBody>
       </p:sp>
     </p:spTree>
     <p:extLst>
       <p:ext uri="{BB962C8B-B14F-4D97-AF65-F5344CB8AC3E}">
-        <p14:creationId xmlns:p14="http://schemas.microsoft.com/office/powerpoint/2010/main" val="761254638"/>
+        <p14:creationId xmlns:p14="http://schemas.microsoft.com/office/powerpoint/2010/main" val="3301277873"/>
       </p:ext>
     </p:extLst>
   </p:cSld>
@@ -6087,6 +7506,1417 @@
           <a:chExt cx="0" cy="0"/>
         </a:xfrm>
       </p:grpSpPr>
+      <p:cxnSp>
+        <p:nvCxnSpPr>
+          <p:cNvPr id="7" name="Straight Arrow Connector 6"/>
+          <p:cNvCxnSpPr/>
+          <p:nvPr/>
+        </p:nvCxnSpPr>
+        <p:spPr>
+          <a:xfrm>
+            <a:off x="2290787" y="1993900"/>
+            <a:ext cx="2889271" cy="0"/>
+          </a:xfrm>
+          <a:prstGeom prst="straightConnector1">
+            <a:avLst/>
+          </a:prstGeom>
+          <a:ln>
+            <a:solidFill>
+              <a:schemeClr val="tx1"/>
+            </a:solidFill>
+            <a:tailEnd type="triangle"/>
+          </a:ln>
+        </p:spPr>
+        <p:style>
+          <a:lnRef idx="1">
+            <a:schemeClr val="accent1"/>
+          </a:lnRef>
+          <a:fillRef idx="0">
+            <a:schemeClr val="accent1"/>
+          </a:fillRef>
+          <a:effectRef idx="0">
+            <a:schemeClr val="accent1"/>
+          </a:effectRef>
+          <a:fontRef idx="minor">
+            <a:schemeClr val="tx1"/>
+          </a:fontRef>
+        </p:style>
+      </p:cxnSp>
+      <p:cxnSp>
+        <p:nvCxnSpPr>
+          <p:cNvPr id="9" name="Straight Connector 8"/>
+          <p:cNvCxnSpPr/>
+          <p:nvPr/>
+        </p:nvCxnSpPr>
+        <p:spPr>
+          <a:xfrm>
+            <a:off x="3702050" y="1466850"/>
+            <a:ext cx="0" cy="527050"/>
+          </a:xfrm>
+          <a:prstGeom prst="line">
+            <a:avLst/>
+          </a:prstGeom>
+          <a:ln w="28575">
+            <a:solidFill>
+              <a:srgbClr val="C00000"/>
+            </a:solidFill>
+          </a:ln>
+        </p:spPr>
+        <p:style>
+          <a:lnRef idx="1">
+            <a:schemeClr val="accent1"/>
+          </a:lnRef>
+          <a:fillRef idx="0">
+            <a:schemeClr val="accent1"/>
+          </a:fillRef>
+          <a:effectRef idx="0">
+            <a:schemeClr val="accent1"/>
+          </a:effectRef>
+          <a:fontRef idx="minor">
+            <a:schemeClr val="tx1"/>
+          </a:fontRef>
+        </p:style>
+      </p:cxnSp>
+      <p:sp>
+        <p:nvSpPr>
+          <p:cNvPr id="2" name="TextBox 1"/>
+          <p:cNvSpPr txBox="1"/>
+          <p:nvPr/>
+        </p:nvSpPr>
+        <p:spPr>
+          <a:xfrm>
+            <a:off x="3216731" y="1091946"/>
+            <a:ext cx="1013419" cy="369332"/>
+          </a:xfrm>
+          <a:prstGeom prst="rect">
+            <a:avLst/>
+          </a:prstGeom>
+          <a:noFill/>
+        </p:spPr>
+        <p:txBody>
+          <a:bodyPr wrap="none" rtlCol="0">
+            <a:spAutoFit/>
+          </a:bodyPr>
+          <a:lstStyle/>
+          <a:p>
+            <a:r>
+              <a:rPr lang="en-US" dirty="0" smtClean="0">
+                <a:solidFill>
+                  <a:srgbClr val="C00000"/>
+                </a:solidFill>
+              </a:rPr>
+              <a:t>Anomaly</a:t>
+            </a:r>
+            <a:endParaRPr lang="en-US" dirty="0">
+              <a:solidFill>
+                <a:srgbClr val="C00000"/>
+              </a:solidFill>
+            </a:endParaRPr>
+          </a:p>
+        </p:txBody>
+      </p:sp>
+      <p:sp>
+        <p:nvSpPr>
+          <p:cNvPr id="3" name="Rectangle 2"/>
+          <p:cNvSpPr/>
+          <p:nvPr/>
+        </p:nvSpPr>
+        <p:spPr>
+          <a:xfrm>
+            <a:off x="3150115" y="1730375"/>
+            <a:ext cx="1103870" cy="263525"/>
+          </a:xfrm>
+          <a:prstGeom prst="rect">
+            <a:avLst/>
+          </a:prstGeom>
+          <a:solidFill>
+            <a:schemeClr val="accent1">
+              <a:lumMod val="75000"/>
+              <a:alpha val="54000"/>
+            </a:schemeClr>
+          </a:solidFill>
+          <a:ln>
+            <a:noFill/>
+          </a:ln>
+        </p:spPr>
+        <p:style>
+          <a:lnRef idx="2">
+            <a:schemeClr val="accent1">
+              <a:shade val="50000"/>
+            </a:schemeClr>
+          </a:lnRef>
+          <a:fillRef idx="1">
+            <a:schemeClr val="accent1"/>
+          </a:fillRef>
+          <a:effectRef idx="0">
+            <a:schemeClr val="accent1"/>
+          </a:effectRef>
+          <a:fontRef idx="minor">
+            <a:schemeClr val="lt1"/>
+          </a:fontRef>
+        </p:style>
+        <p:txBody>
+          <a:bodyPr rtlCol="0" anchor="ctr"/>
+          <a:lstStyle/>
+          <a:p>
+            <a:pPr algn="ctr"/>
+            <a:endParaRPr lang="en-US"/>
+          </a:p>
+        </p:txBody>
+      </p:sp>
+      <p:sp>
+        <p:nvSpPr>
+          <p:cNvPr id="4" name="TextBox 3"/>
+          <p:cNvSpPr txBox="1"/>
+          <p:nvPr/>
+        </p:nvSpPr>
+        <p:spPr>
+          <a:xfrm>
+            <a:off x="2856289" y="1941493"/>
+            <a:ext cx="1692195" cy="369332"/>
+          </a:xfrm>
+          <a:prstGeom prst="rect">
+            <a:avLst/>
+          </a:prstGeom>
+          <a:noFill/>
+        </p:spPr>
+        <p:txBody>
+          <a:bodyPr wrap="none" rtlCol="0">
+            <a:spAutoFit/>
+          </a:bodyPr>
+          <a:lstStyle/>
+          <a:p>
+            <a:r>
+              <a:rPr lang="en-US" dirty="0" smtClean="0">
+                <a:solidFill>
+                  <a:schemeClr val="accent1">
+                    <a:lumMod val="50000"/>
+                  </a:schemeClr>
+                </a:solidFill>
+              </a:rPr>
+              <a:t>Point of Interest</a:t>
+            </a:r>
+            <a:endParaRPr lang="en-US" dirty="0">
+              <a:solidFill>
+                <a:schemeClr val="accent1">
+                  <a:lumMod val="50000"/>
+                </a:schemeClr>
+              </a:solidFill>
+            </a:endParaRPr>
+          </a:p>
+        </p:txBody>
+      </p:sp>
+      <p:sp>
+        <p:nvSpPr>
+          <p:cNvPr id="6" name="Left Brace 5"/>
+          <p:cNvSpPr/>
+          <p:nvPr/>
+        </p:nvSpPr>
+        <p:spPr>
+          <a:xfrm rot="5400000">
+            <a:off x="3325821" y="1376502"/>
+            <a:ext cx="184730" cy="536142"/>
+          </a:xfrm>
+          <a:prstGeom prst="leftBrace">
+            <a:avLst>
+              <a:gd name="adj1" fmla="val 20301"/>
+              <a:gd name="adj2" fmla="val 50000"/>
+            </a:avLst>
+          </a:prstGeom>
+          <a:ln>
+            <a:solidFill>
+              <a:schemeClr val="tx1"/>
+            </a:solidFill>
+          </a:ln>
+        </p:spPr>
+        <p:style>
+          <a:lnRef idx="1">
+            <a:schemeClr val="accent1"/>
+          </a:lnRef>
+          <a:fillRef idx="0">
+            <a:schemeClr val="accent1"/>
+          </a:fillRef>
+          <a:effectRef idx="0">
+            <a:schemeClr val="accent1"/>
+          </a:effectRef>
+          <a:fontRef idx="minor">
+            <a:schemeClr val="tx1"/>
+          </a:fontRef>
+        </p:style>
+        <p:txBody>
+          <a:bodyPr rtlCol="0" anchor="ctr"/>
+          <a:lstStyle/>
+          <a:p>
+            <a:pPr algn="ctr"/>
+            <a:endParaRPr lang="en-US"/>
+          </a:p>
+        </p:txBody>
+      </p:sp>
+      <p:sp>
+        <p:nvSpPr>
+          <p:cNvPr id="8" name="TextBox 7"/>
+          <p:cNvSpPr txBox="1"/>
+          <p:nvPr/>
+        </p:nvSpPr>
+        <p:spPr>
+          <a:xfrm>
+            <a:off x="3216731" y="1334591"/>
+            <a:ext cx="418704" cy="261610"/>
+          </a:xfrm>
+          <a:prstGeom prst="rect">
+            <a:avLst/>
+          </a:prstGeom>
+          <a:noFill/>
+        </p:spPr>
+        <p:txBody>
+          <a:bodyPr wrap="none" rtlCol="0">
+            <a:spAutoFit/>
+          </a:bodyPr>
+          <a:lstStyle/>
+          <a:p>
+            <a:r>
+              <a:rPr lang="en-US" sz="1100" dirty="0" smtClean="0"/>
+              <a:t>2.5s</a:t>
+            </a:r>
+            <a:endParaRPr lang="en-US" sz="1100" dirty="0"/>
+          </a:p>
+        </p:txBody>
+      </p:sp>
+      <p:sp>
+        <p:nvSpPr>
+          <p:cNvPr id="10" name="Left Brace 9"/>
+          <p:cNvSpPr/>
+          <p:nvPr/>
+        </p:nvSpPr>
+        <p:spPr>
+          <a:xfrm rot="5400000">
+            <a:off x="3893932" y="1378384"/>
+            <a:ext cx="175495" cy="528486"/>
+          </a:xfrm>
+          <a:prstGeom prst="leftBrace">
+            <a:avLst>
+              <a:gd name="adj1" fmla="val 20301"/>
+              <a:gd name="adj2" fmla="val 50000"/>
+            </a:avLst>
+          </a:prstGeom>
+          <a:ln>
+            <a:solidFill>
+              <a:schemeClr val="tx1"/>
+            </a:solidFill>
+          </a:ln>
+        </p:spPr>
+        <p:style>
+          <a:lnRef idx="1">
+            <a:schemeClr val="accent1"/>
+          </a:lnRef>
+          <a:fillRef idx="0">
+            <a:schemeClr val="accent1"/>
+          </a:fillRef>
+          <a:effectRef idx="0">
+            <a:schemeClr val="accent1"/>
+          </a:effectRef>
+          <a:fontRef idx="minor">
+            <a:schemeClr val="tx1"/>
+          </a:fontRef>
+        </p:style>
+        <p:txBody>
+          <a:bodyPr rtlCol="0" anchor="ctr"/>
+          <a:lstStyle/>
+          <a:p>
+            <a:pPr algn="ctr"/>
+            <a:endParaRPr lang="en-US"/>
+          </a:p>
+        </p:txBody>
+      </p:sp>
+      <p:sp>
+        <p:nvSpPr>
+          <p:cNvPr id="11" name="TextBox 10"/>
+          <p:cNvSpPr txBox="1"/>
+          <p:nvPr/>
+        </p:nvSpPr>
+        <p:spPr>
+          <a:xfrm>
+            <a:off x="3790697" y="1340663"/>
+            <a:ext cx="418704" cy="261610"/>
+          </a:xfrm>
+          <a:prstGeom prst="rect">
+            <a:avLst/>
+          </a:prstGeom>
+          <a:noFill/>
+        </p:spPr>
+        <p:txBody>
+          <a:bodyPr wrap="none" rtlCol="0">
+            <a:spAutoFit/>
+          </a:bodyPr>
+          <a:lstStyle/>
+          <a:p>
+            <a:r>
+              <a:rPr lang="en-US" sz="1100" dirty="0" smtClean="0"/>
+              <a:t>2.5s</a:t>
+            </a:r>
+            <a:endParaRPr lang="en-US" sz="1100" dirty="0"/>
+          </a:p>
+        </p:txBody>
+      </p:sp>
+      <p:sp>
+        <p:nvSpPr>
+          <p:cNvPr id="12" name="TextBox 11"/>
+          <p:cNvSpPr txBox="1"/>
+          <p:nvPr/>
+        </p:nvSpPr>
+        <p:spPr>
+          <a:xfrm>
+            <a:off x="5129090" y="1812703"/>
+            <a:ext cx="649537" cy="369332"/>
+          </a:xfrm>
+          <a:prstGeom prst="rect">
+            <a:avLst/>
+          </a:prstGeom>
+          <a:noFill/>
+        </p:spPr>
+        <p:txBody>
+          <a:bodyPr wrap="none" rtlCol="0">
+            <a:spAutoFit/>
+          </a:bodyPr>
+          <a:lstStyle/>
+          <a:p>
+            <a:r>
+              <a:rPr lang="en-US" dirty="0" smtClean="0"/>
+              <a:t>Time</a:t>
+            </a:r>
+            <a:endParaRPr lang="en-US" dirty="0"/>
+          </a:p>
+        </p:txBody>
+      </p:sp>
+      <p:cxnSp>
+        <p:nvCxnSpPr>
+          <p:cNvPr id="14" name="Straight Connector 13"/>
+          <p:cNvCxnSpPr/>
+          <p:nvPr/>
+        </p:nvCxnSpPr>
+        <p:spPr>
+          <a:xfrm>
+            <a:off x="9540288" y="701964"/>
+            <a:ext cx="0" cy="1291936"/>
+          </a:xfrm>
+          <a:prstGeom prst="line">
+            <a:avLst/>
+          </a:prstGeom>
+          <a:ln w="28575"/>
+        </p:spPr>
+        <p:style>
+          <a:lnRef idx="2">
+            <a:schemeClr val="accent3"/>
+          </a:lnRef>
+          <a:fillRef idx="0">
+            <a:schemeClr val="accent3"/>
+          </a:fillRef>
+          <a:effectRef idx="1">
+            <a:schemeClr val="accent3"/>
+          </a:effectRef>
+          <a:fontRef idx="minor">
+            <a:schemeClr val="tx1"/>
+          </a:fontRef>
+        </p:style>
+      </p:cxnSp>
+      <p:sp>
+        <p:nvSpPr>
+          <p:cNvPr id="16" name="TextBox 15"/>
+          <p:cNvSpPr txBox="1"/>
+          <p:nvPr/>
+        </p:nvSpPr>
+        <p:spPr>
+          <a:xfrm>
+            <a:off x="9187531" y="385040"/>
+            <a:ext cx="705514" cy="369332"/>
+          </a:xfrm>
+          <a:prstGeom prst="rect">
+            <a:avLst/>
+          </a:prstGeom>
+          <a:noFill/>
+        </p:spPr>
+        <p:txBody>
+          <a:bodyPr wrap="none" rtlCol="0">
+            <a:spAutoFit/>
+          </a:bodyPr>
+          <a:lstStyle/>
+          <a:p>
+            <a:r>
+              <a:rPr lang="en-US" dirty="0" smtClean="0">
+                <a:solidFill>
+                  <a:schemeClr val="bg1">
+                    <a:lumMod val="50000"/>
+                  </a:schemeClr>
+                </a:solidFill>
+              </a:rPr>
+              <a:t>Event</a:t>
+            </a:r>
+            <a:endParaRPr lang="en-US" dirty="0">
+              <a:solidFill>
+                <a:schemeClr val="bg1">
+                  <a:lumMod val="50000"/>
+                </a:schemeClr>
+              </a:solidFill>
+            </a:endParaRPr>
+          </a:p>
+        </p:txBody>
+      </p:sp>
+      <p:cxnSp>
+        <p:nvCxnSpPr>
+          <p:cNvPr id="18" name="Straight Connector 17"/>
+          <p:cNvCxnSpPr/>
+          <p:nvPr/>
+        </p:nvCxnSpPr>
+        <p:spPr>
+          <a:xfrm>
+            <a:off x="9128558" y="1464994"/>
+            <a:ext cx="0" cy="527050"/>
+          </a:xfrm>
+          <a:prstGeom prst="line">
+            <a:avLst/>
+          </a:prstGeom>
+          <a:ln w="28575">
+            <a:solidFill>
+              <a:srgbClr val="C00000"/>
+            </a:solidFill>
+          </a:ln>
+        </p:spPr>
+        <p:style>
+          <a:lnRef idx="1">
+            <a:schemeClr val="accent1"/>
+          </a:lnRef>
+          <a:fillRef idx="0">
+            <a:schemeClr val="accent1"/>
+          </a:fillRef>
+          <a:effectRef idx="0">
+            <a:schemeClr val="accent1"/>
+          </a:effectRef>
+          <a:fontRef idx="minor">
+            <a:schemeClr val="tx1"/>
+          </a:fontRef>
+        </p:style>
+      </p:cxnSp>
+      <p:sp>
+        <p:nvSpPr>
+          <p:cNvPr id="19" name="Rectangle 18"/>
+          <p:cNvSpPr/>
+          <p:nvPr/>
+        </p:nvSpPr>
+        <p:spPr>
+          <a:xfrm>
+            <a:off x="8576623" y="1728519"/>
+            <a:ext cx="1103870" cy="263525"/>
+          </a:xfrm>
+          <a:prstGeom prst="rect">
+            <a:avLst/>
+          </a:prstGeom>
+          <a:solidFill>
+            <a:schemeClr val="accent1">
+              <a:lumMod val="75000"/>
+              <a:alpha val="54000"/>
+            </a:schemeClr>
+          </a:solidFill>
+          <a:ln>
+            <a:noFill/>
+          </a:ln>
+        </p:spPr>
+        <p:style>
+          <a:lnRef idx="2">
+            <a:schemeClr val="accent1">
+              <a:shade val="50000"/>
+            </a:schemeClr>
+          </a:lnRef>
+          <a:fillRef idx="1">
+            <a:schemeClr val="accent1"/>
+          </a:fillRef>
+          <a:effectRef idx="0">
+            <a:schemeClr val="accent1"/>
+          </a:effectRef>
+          <a:fontRef idx="minor">
+            <a:schemeClr val="lt1"/>
+          </a:fontRef>
+        </p:style>
+        <p:txBody>
+          <a:bodyPr rtlCol="0" anchor="ctr"/>
+          <a:lstStyle/>
+          <a:p>
+            <a:pPr algn="ctr"/>
+            <a:endParaRPr lang="en-US"/>
+          </a:p>
+        </p:txBody>
+      </p:sp>
+      <p:cxnSp>
+        <p:nvCxnSpPr>
+          <p:cNvPr id="20" name="Straight Connector 19"/>
+          <p:cNvCxnSpPr/>
+          <p:nvPr/>
+        </p:nvCxnSpPr>
+        <p:spPr>
+          <a:xfrm>
+            <a:off x="10690793" y="1466850"/>
+            <a:ext cx="0" cy="527050"/>
+          </a:xfrm>
+          <a:prstGeom prst="line">
+            <a:avLst/>
+          </a:prstGeom>
+          <a:ln w="28575">
+            <a:solidFill>
+              <a:srgbClr val="C00000"/>
+            </a:solidFill>
+          </a:ln>
+        </p:spPr>
+        <p:style>
+          <a:lnRef idx="1">
+            <a:schemeClr val="accent1"/>
+          </a:lnRef>
+          <a:fillRef idx="0">
+            <a:schemeClr val="accent1"/>
+          </a:fillRef>
+          <a:effectRef idx="0">
+            <a:schemeClr val="accent1"/>
+          </a:effectRef>
+          <a:fontRef idx="minor">
+            <a:schemeClr val="tx1"/>
+          </a:fontRef>
+        </p:style>
+      </p:cxnSp>
+      <p:sp>
+        <p:nvSpPr>
+          <p:cNvPr id="21" name="Rectangle 20"/>
+          <p:cNvSpPr/>
+          <p:nvPr/>
+        </p:nvSpPr>
+        <p:spPr>
+          <a:xfrm>
+            <a:off x="10138858" y="1730375"/>
+            <a:ext cx="1103870" cy="263525"/>
+          </a:xfrm>
+          <a:prstGeom prst="rect">
+            <a:avLst/>
+          </a:prstGeom>
+          <a:solidFill>
+            <a:schemeClr val="accent1">
+              <a:lumMod val="75000"/>
+              <a:alpha val="54000"/>
+            </a:schemeClr>
+          </a:solidFill>
+          <a:ln>
+            <a:noFill/>
+          </a:ln>
+        </p:spPr>
+        <p:style>
+          <a:lnRef idx="2">
+            <a:schemeClr val="accent1">
+              <a:shade val="50000"/>
+            </a:schemeClr>
+          </a:lnRef>
+          <a:fillRef idx="1">
+            <a:schemeClr val="accent1"/>
+          </a:fillRef>
+          <a:effectRef idx="0">
+            <a:schemeClr val="accent1"/>
+          </a:effectRef>
+          <a:fontRef idx="minor">
+            <a:schemeClr val="lt1"/>
+          </a:fontRef>
+        </p:style>
+        <p:txBody>
+          <a:bodyPr rtlCol="0" anchor="ctr"/>
+          <a:lstStyle/>
+          <a:p>
+            <a:pPr algn="ctr"/>
+            <a:endParaRPr lang="en-US"/>
+          </a:p>
+        </p:txBody>
+      </p:sp>
+      <p:sp>
+        <p:nvSpPr>
+          <p:cNvPr id="22" name="TextBox 21"/>
+          <p:cNvSpPr txBox="1"/>
+          <p:nvPr/>
+        </p:nvSpPr>
+        <p:spPr>
+          <a:xfrm>
+            <a:off x="8867947" y="1941493"/>
+            <a:ext cx="458780" cy="369332"/>
+          </a:xfrm>
+          <a:prstGeom prst="rect">
+            <a:avLst/>
+          </a:prstGeom>
+          <a:noFill/>
+        </p:spPr>
+        <p:txBody>
+          <a:bodyPr wrap="none" rtlCol="0">
+            <a:spAutoFit/>
+          </a:bodyPr>
+          <a:lstStyle/>
+          <a:p>
+            <a:r>
+              <a:rPr lang="en-US" dirty="0" smtClean="0"/>
+              <a:t>Hit</a:t>
+            </a:r>
+            <a:endParaRPr lang="en-US" dirty="0"/>
+          </a:p>
+        </p:txBody>
+      </p:sp>
+      <p:sp>
+        <p:nvSpPr>
+          <p:cNvPr id="23" name="TextBox 22"/>
+          <p:cNvSpPr txBox="1"/>
+          <p:nvPr/>
+        </p:nvSpPr>
+        <p:spPr>
+          <a:xfrm>
+            <a:off x="10383657" y="1941493"/>
+            <a:ext cx="614271" cy="369332"/>
+          </a:xfrm>
+          <a:prstGeom prst="rect">
+            <a:avLst/>
+          </a:prstGeom>
+          <a:noFill/>
+        </p:spPr>
+        <p:txBody>
+          <a:bodyPr wrap="none" rtlCol="0">
+            <a:spAutoFit/>
+          </a:bodyPr>
+          <a:lstStyle/>
+          <a:p>
+            <a:r>
+              <a:rPr lang="en-US" dirty="0" smtClean="0"/>
+              <a:t>Miss</a:t>
+            </a:r>
+            <a:endParaRPr lang="en-US" dirty="0"/>
+          </a:p>
+        </p:txBody>
+      </p:sp>
+      <p:grpSp>
+        <p:nvGrpSpPr>
+          <p:cNvPr id="13" name="Group 12"/>
+          <p:cNvGrpSpPr/>
+          <p:nvPr/>
+        </p:nvGrpSpPr>
+        <p:grpSpPr>
+          <a:xfrm>
+            <a:off x="2261171" y="3267577"/>
+            <a:ext cx="5910205" cy="2001552"/>
+            <a:chOff x="1777285" y="2810377"/>
+            <a:chExt cx="5910205" cy="2001552"/>
+          </a:xfrm>
+        </p:grpSpPr>
+        <p:cxnSp>
+          <p:nvCxnSpPr>
+            <p:cNvPr id="31" name="Straight Arrow Connector 30"/>
+            <p:cNvCxnSpPr/>
+            <p:nvPr/>
+          </p:nvCxnSpPr>
+          <p:spPr>
+            <a:xfrm>
+              <a:off x="1777285" y="4352120"/>
+              <a:ext cx="5321347" cy="0"/>
+            </a:xfrm>
+            <a:prstGeom prst="straightConnector1">
+              <a:avLst/>
+            </a:prstGeom>
+            <a:ln>
+              <a:solidFill>
+                <a:schemeClr val="tx1"/>
+              </a:solidFill>
+              <a:tailEnd type="triangle"/>
+            </a:ln>
+          </p:spPr>
+          <p:style>
+            <a:lnRef idx="1">
+              <a:schemeClr val="accent1"/>
+            </a:lnRef>
+            <a:fillRef idx="0">
+              <a:schemeClr val="accent1"/>
+            </a:fillRef>
+            <a:effectRef idx="0">
+              <a:schemeClr val="accent1"/>
+            </a:effectRef>
+            <a:fontRef idx="minor">
+              <a:schemeClr val="tx1"/>
+            </a:fontRef>
+          </p:style>
+        </p:cxnSp>
+        <p:sp>
+          <p:nvSpPr>
+            <p:cNvPr id="40" name="TextBox 39"/>
+            <p:cNvSpPr txBox="1"/>
+            <p:nvPr/>
+          </p:nvSpPr>
+          <p:spPr>
+            <a:xfrm>
+              <a:off x="7037953" y="4149008"/>
+              <a:ext cx="649537" cy="369332"/>
+            </a:xfrm>
+            <a:prstGeom prst="rect">
+              <a:avLst/>
+            </a:prstGeom>
+            <a:noFill/>
+          </p:spPr>
+          <p:txBody>
+            <a:bodyPr wrap="none" rtlCol="0">
+              <a:spAutoFit/>
+            </a:bodyPr>
+            <a:lstStyle/>
+            <a:p>
+              <a:r>
+                <a:rPr lang="en-US" dirty="0" smtClean="0"/>
+                <a:t>Time</a:t>
+              </a:r>
+              <a:endParaRPr lang="en-US" dirty="0"/>
+            </a:p>
+          </p:txBody>
+        </p:sp>
+        <p:cxnSp>
+          <p:nvCxnSpPr>
+            <p:cNvPr id="41" name="Straight Connector 40"/>
+            <p:cNvCxnSpPr/>
+            <p:nvPr/>
+          </p:nvCxnSpPr>
+          <p:spPr>
+            <a:xfrm>
+              <a:off x="5205426" y="3060184"/>
+              <a:ext cx="0" cy="1291936"/>
+            </a:xfrm>
+            <a:prstGeom prst="line">
+              <a:avLst/>
+            </a:prstGeom>
+            <a:ln w="28575"/>
+          </p:spPr>
+          <p:style>
+            <a:lnRef idx="2">
+              <a:schemeClr val="accent3"/>
+            </a:lnRef>
+            <a:fillRef idx="0">
+              <a:schemeClr val="accent3"/>
+            </a:fillRef>
+            <a:effectRef idx="1">
+              <a:schemeClr val="accent3"/>
+            </a:effectRef>
+            <a:fontRef idx="minor">
+              <a:schemeClr val="tx1"/>
+            </a:fontRef>
+          </p:style>
+        </p:cxnSp>
+        <p:sp>
+          <p:nvSpPr>
+            <p:cNvPr id="44" name="Rectangle 43"/>
+            <p:cNvSpPr/>
+            <p:nvPr/>
+          </p:nvSpPr>
+          <p:spPr>
+            <a:xfrm>
+              <a:off x="4241761" y="4086739"/>
+              <a:ext cx="1103870" cy="263525"/>
+            </a:xfrm>
+            <a:prstGeom prst="rect">
+              <a:avLst/>
+            </a:prstGeom>
+            <a:solidFill>
+              <a:schemeClr val="accent1">
+                <a:lumMod val="75000"/>
+                <a:alpha val="54000"/>
+              </a:schemeClr>
+            </a:solidFill>
+            <a:ln>
+              <a:noFill/>
+            </a:ln>
+          </p:spPr>
+          <p:style>
+            <a:lnRef idx="2">
+              <a:schemeClr val="accent1">
+                <a:shade val="50000"/>
+              </a:schemeClr>
+            </a:lnRef>
+            <a:fillRef idx="1">
+              <a:schemeClr val="accent1"/>
+            </a:fillRef>
+            <a:effectRef idx="0">
+              <a:schemeClr val="accent1"/>
+            </a:effectRef>
+            <a:fontRef idx="minor">
+              <a:schemeClr val="lt1"/>
+            </a:fontRef>
+          </p:style>
+          <p:txBody>
+            <a:bodyPr rtlCol="0" anchor="ctr"/>
+            <a:lstStyle/>
+            <a:p>
+              <a:pPr algn="ctr"/>
+              <a:endParaRPr lang="en-US"/>
+            </a:p>
+          </p:txBody>
+        </p:sp>
+        <p:sp>
+          <p:nvSpPr>
+            <p:cNvPr id="46" name="Rectangle 45"/>
+            <p:cNvSpPr/>
+            <p:nvPr/>
+          </p:nvSpPr>
+          <p:spPr>
+            <a:xfrm>
+              <a:off x="5695710" y="4088595"/>
+              <a:ext cx="1103870" cy="263525"/>
+            </a:xfrm>
+            <a:prstGeom prst="rect">
+              <a:avLst/>
+            </a:prstGeom>
+            <a:solidFill>
+              <a:schemeClr val="accent1">
+                <a:lumMod val="75000"/>
+                <a:alpha val="54000"/>
+              </a:schemeClr>
+            </a:solidFill>
+            <a:ln>
+              <a:noFill/>
+            </a:ln>
+          </p:spPr>
+          <p:style>
+            <a:lnRef idx="2">
+              <a:schemeClr val="accent1">
+                <a:shade val="50000"/>
+              </a:schemeClr>
+            </a:lnRef>
+            <a:fillRef idx="1">
+              <a:schemeClr val="accent1"/>
+            </a:fillRef>
+            <a:effectRef idx="0">
+              <a:schemeClr val="accent1"/>
+            </a:effectRef>
+            <a:fontRef idx="minor">
+              <a:schemeClr val="lt1"/>
+            </a:fontRef>
+          </p:style>
+          <p:txBody>
+            <a:bodyPr rtlCol="0" anchor="ctr"/>
+            <a:lstStyle/>
+            <a:p>
+              <a:pPr algn="ctr"/>
+              <a:endParaRPr lang="en-US"/>
+            </a:p>
+          </p:txBody>
+        </p:sp>
+        <p:sp>
+          <p:nvSpPr>
+            <p:cNvPr id="47" name="TextBox 46"/>
+            <p:cNvSpPr txBox="1"/>
+            <p:nvPr/>
+          </p:nvSpPr>
+          <p:spPr>
+            <a:xfrm>
+              <a:off x="4549905" y="4033835"/>
+              <a:ext cx="458780" cy="369332"/>
+            </a:xfrm>
+            <a:prstGeom prst="rect">
+              <a:avLst/>
+            </a:prstGeom>
+            <a:noFill/>
+          </p:spPr>
+          <p:txBody>
+            <a:bodyPr wrap="none" rtlCol="0">
+              <a:spAutoFit/>
+            </a:bodyPr>
+            <a:lstStyle/>
+            <a:p>
+              <a:r>
+                <a:rPr lang="en-US" dirty="0" smtClean="0"/>
+                <a:t>Hit</a:t>
+              </a:r>
+              <a:endParaRPr lang="en-US" dirty="0"/>
+            </a:p>
+          </p:txBody>
+        </p:sp>
+        <p:sp>
+          <p:nvSpPr>
+            <p:cNvPr id="48" name="TextBox 47"/>
+            <p:cNvSpPr txBox="1"/>
+            <p:nvPr/>
+          </p:nvSpPr>
+          <p:spPr>
+            <a:xfrm>
+              <a:off x="5945321" y="4033835"/>
+              <a:ext cx="614271" cy="369332"/>
+            </a:xfrm>
+            <a:prstGeom prst="rect">
+              <a:avLst/>
+            </a:prstGeom>
+            <a:noFill/>
+          </p:spPr>
+          <p:txBody>
+            <a:bodyPr wrap="none" rtlCol="0">
+              <a:spAutoFit/>
+            </a:bodyPr>
+            <a:lstStyle/>
+            <a:p>
+              <a:r>
+                <a:rPr lang="en-US" dirty="0" smtClean="0"/>
+                <a:t>Miss</a:t>
+              </a:r>
+              <a:endParaRPr lang="en-US" dirty="0"/>
+            </a:p>
+          </p:txBody>
+        </p:sp>
+        <p:sp>
+          <p:nvSpPr>
+            <p:cNvPr id="49" name="Rectangle 48"/>
+            <p:cNvSpPr/>
+            <p:nvPr/>
+          </p:nvSpPr>
+          <p:spPr>
+            <a:xfrm>
+              <a:off x="2108415" y="3133711"/>
+              <a:ext cx="1895475" cy="1219200"/>
+            </a:xfrm>
+            <a:prstGeom prst="rect">
+              <a:avLst/>
+            </a:prstGeom>
+            <a:solidFill>
+              <a:schemeClr val="bg1">
+                <a:lumMod val="85000"/>
+              </a:schemeClr>
+            </a:solidFill>
+            <a:ln>
+              <a:noFill/>
+            </a:ln>
+          </p:spPr>
+          <p:style>
+            <a:lnRef idx="2">
+              <a:schemeClr val="accent1">
+                <a:shade val="50000"/>
+              </a:schemeClr>
+            </a:lnRef>
+            <a:fillRef idx="1">
+              <a:schemeClr val="accent1"/>
+            </a:fillRef>
+            <a:effectRef idx="0">
+              <a:schemeClr val="accent1"/>
+            </a:effectRef>
+            <a:fontRef idx="minor">
+              <a:schemeClr val="lt1"/>
+            </a:fontRef>
+          </p:style>
+          <p:txBody>
+            <a:bodyPr rtlCol="0" anchor="ctr"/>
+            <a:lstStyle/>
+            <a:p>
+              <a:pPr algn="ctr"/>
+              <a:endParaRPr lang="en-US"/>
+            </a:p>
+          </p:txBody>
+        </p:sp>
+        <p:cxnSp>
+          <p:nvCxnSpPr>
+            <p:cNvPr id="50" name="Straight Connector 49"/>
+            <p:cNvCxnSpPr/>
+            <p:nvPr/>
+          </p:nvCxnSpPr>
+          <p:spPr>
+            <a:xfrm>
+              <a:off x="2108415" y="3060184"/>
+              <a:ext cx="0" cy="1291936"/>
+            </a:xfrm>
+            <a:prstGeom prst="line">
+              <a:avLst/>
+            </a:prstGeom>
+            <a:ln w="28575">
+              <a:solidFill>
+                <a:schemeClr val="accent5">
+                  <a:lumMod val="75000"/>
+                </a:schemeClr>
+              </a:solidFill>
+            </a:ln>
+          </p:spPr>
+          <p:style>
+            <a:lnRef idx="2">
+              <a:schemeClr val="accent3"/>
+            </a:lnRef>
+            <a:fillRef idx="0">
+              <a:schemeClr val="accent3"/>
+            </a:fillRef>
+            <a:effectRef idx="1">
+              <a:schemeClr val="accent3"/>
+            </a:effectRef>
+            <a:fontRef idx="minor">
+              <a:schemeClr val="tx1"/>
+            </a:fontRef>
+          </p:style>
+        </p:cxnSp>
+        <p:cxnSp>
+          <p:nvCxnSpPr>
+            <p:cNvPr id="51" name="Straight Connector 50"/>
+            <p:cNvCxnSpPr/>
+            <p:nvPr/>
+          </p:nvCxnSpPr>
+          <p:spPr>
+            <a:xfrm>
+              <a:off x="2876765" y="3060184"/>
+              <a:ext cx="0" cy="1291936"/>
+            </a:xfrm>
+            <a:prstGeom prst="line">
+              <a:avLst/>
+            </a:prstGeom>
+            <a:ln w="28575">
+              <a:solidFill>
+                <a:schemeClr val="accent5">
+                  <a:lumMod val="75000"/>
+                </a:schemeClr>
+              </a:solidFill>
+            </a:ln>
+          </p:spPr>
+          <p:style>
+            <a:lnRef idx="2">
+              <a:schemeClr val="accent3"/>
+            </a:lnRef>
+            <a:fillRef idx="0">
+              <a:schemeClr val="accent3"/>
+            </a:fillRef>
+            <a:effectRef idx="1">
+              <a:schemeClr val="accent3"/>
+            </a:effectRef>
+            <a:fontRef idx="minor">
+              <a:schemeClr val="tx1"/>
+            </a:fontRef>
+          </p:style>
+        </p:cxnSp>
+        <p:cxnSp>
+          <p:nvCxnSpPr>
+            <p:cNvPr id="52" name="Straight Connector 51"/>
+            <p:cNvCxnSpPr/>
+            <p:nvPr/>
+          </p:nvCxnSpPr>
+          <p:spPr>
+            <a:xfrm>
+              <a:off x="3581615" y="3060184"/>
+              <a:ext cx="0" cy="1291936"/>
+            </a:xfrm>
+            <a:prstGeom prst="line">
+              <a:avLst/>
+            </a:prstGeom>
+            <a:ln w="28575">
+              <a:solidFill>
+                <a:schemeClr val="accent5">
+                  <a:lumMod val="75000"/>
+                </a:schemeClr>
+              </a:solidFill>
+            </a:ln>
+          </p:spPr>
+          <p:style>
+            <a:lnRef idx="2">
+              <a:schemeClr val="accent3"/>
+            </a:lnRef>
+            <a:fillRef idx="0">
+              <a:schemeClr val="accent3"/>
+            </a:fillRef>
+            <a:effectRef idx="1">
+              <a:schemeClr val="accent3"/>
+            </a:effectRef>
+            <a:fontRef idx="minor">
+              <a:schemeClr val="tx1"/>
+            </a:fontRef>
+          </p:style>
+        </p:cxnSp>
+        <p:cxnSp>
+          <p:nvCxnSpPr>
+            <p:cNvPr id="53" name="Straight Connector 52"/>
+            <p:cNvCxnSpPr/>
+            <p:nvPr/>
+          </p:nvCxnSpPr>
+          <p:spPr>
+            <a:xfrm>
+              <a:off x="4003890" y="3060975"/>
+              <a:ext cx="0" cy="1291936"/>
+            </a:xfrm>
+            <a:prstGeom prst="line">
+              <a:avLst/>
+            </a:prstGeom>
+            <a:ln w="28575">
+              <a:solidFill>
+                <a:schemeClr val="accent5">
+                  <a:lumMod val="75000"/>
+                </a:schemeClr>
+              </a:solidFill>
+            </a:ln>
+          </p:spPr>
+          <p:style>
+            <a:lnRef idx="2">
+              <a:schemeClr val="accent3"/>
+            </a:lnRef>
+            <a:fillRef idx="0">
+              <a:schemeClr val="accent3"/>
+            </a:fillRef>
+            <a:effectRef idx="1">
+              <a:schemeClr val="accent3"/>
+            </a:effectRef>
+            <a:fontRef idx="minor">
+              <a:schemeClr val="tx1"/>
+            </a:fontRef>
+          </p:style>
+        </p:cxnSp>
+        <p:sp>
+          <p:nvSpPr>
+            <p:cNvPr id="62" name="Rectangle 61"/>
+            <p:cNvSpPr/>
+            <p:nvPr/>
+          </p:nvSpPr>
+          <p:spPr>
+            <a:xfrm>
+              <a:off x="2995788" y="4086739"/>
+              <a:ext cx="1103870" cy="263525"/>
+            </a:xfrm>
+            <a:prstGeom prst="rect">
+              <a:avLst/>
+            </a:prstGeom>
+            <a:solidFill>
+              <a:schemeClr val="accent1">
+                <a:lumMod val="75000"/>
+                <a:alpha val="54000"/>
+              </a:schemeClr>
+            </a:solidFill>
+            <a:ln>
+              <a:noFill/>
+            </a:ln>
+          </p:spPr>
+          <p:style>
+            <a:lnRef idx="2">
+              <a:schemeClr val="accent1">
+                <a:shade val="50000"/>
+              </a:schemeClr>
+            </a:lnRef>
+            <a:fillRef idx="1">
+              <a:schemeClr val="accent1"/>
+            </a:fillRef>
+            <a:effectRef idx="0">
+              <a:schemeClr val="accent1"/>
+            </a:effectRef>
+            <a:fontRef idx="minor">
+              <a:schemeClr val="lt1"/>
+            </a:fontRef>
+          </p:style>
+          <p:txBody>
+            <a:bodyPr rtlCol="0" anchor="ctr"/>
+            <a:lstStyle/>
+            <a:p>
+              <a:pPr algn="ctr"/>
+              <a:endParaRPr lang="en-US"/>
+            </a:p>
+          </p:txBody>
+        </p:sp>
+        <p:sp>
+          <p:nvSpPr>
+            <p:cNvPr id="63" name="TextBox 62"/>
+            <p:cNvSpPr txBox="1"/>
+            <p:nvPr/>
+          </p:nvSpPr>
+          <p:spPr>
+            <a:xfrm>
+              <a:off x="3143606" y="4033835"/>
+              <a:ext cx="458780" cy="369332"/>
+            </a:xfrm>
+            <a:prstGeom prst="rect">
+              <a:avLst/>
+            </a:prstGeom>
+            <a:noFill/>
+          </p:spPr>
+          <p:txBody>
+            <a:bodyPr wrap="none" rtlCol="0">
+              <a:spAutoFit/>
+            </a:bodyPr>
+            <a:lstStyle/>
+            <a:p>
+              <a:r>
+                <a:rPr lang="en-US" dirty="0" smtClean="0"/>
+                <a:t>Hit</a:t>
+              </a:r>
+              <a:endParaRPr lang="en-US" dirty="0"/>
+            </a:p>
+          </p:txBody>
+        </p:sp>
+        <p:sp>
+          <p:nvSpPr>
+            <p:cNvPr id="64" name="TextBox 63"/>
+            <p:cNvSpPr txBox="1"/>
+            <p:nvPr/>
+          </p:nvSpPr>
+          <p:spPr>
+            <a:xfrm>
+              <a:off x="4665265" y="4350264"/>
+              <a:ext cx="1073435" cy="461665"/>
+            </a:xfrm>
+            <a:prstGeom prst="rect">
+              <a:avLst/>
+            </a:prstGeom>
+            <a:noFill/>
+          </p:spPr>
+          <p:txBody>
+            <a:bodyPr wrap="none" rtlCol="0">
+              <a:spAutoFit/>
+            </a:bodyPr>
+            <a:lstStyle/>
+            <a:p>
+              <a:pPr algn="ctr"/>
+              <a:r>
+                <a:rPr lang="en-US" sz="1200" dirty="0" smtClean="0">
+                  <a:solidFill>
+                    <a:schemeClr val="bg1">
+                      <a:lumMod val="50000"/>
+                    </a:schemeClr>
+                  </a:solidFill>
+                </a:rPr>
+                <a:t>Instant</a:t>
+              </a:r>
+            </a:p>
+            <a:p>
+              <a:pPr algn="ctr"/>
+              <a:r>
+                <a:rPr lang="en-US" sz="1200" dirty="0" smtClean="0">
+                  <a:solidFill>
+                    <a:schemeClr val="bg1">
+                      <a:lumMod val="50000"/>
+                    </a:schemeClr>
+                  </a:solidFill>
+                </a:rPr>
+                <a:t>Usability Error</a:t>
+              </a:r>
+              <a:endParaRPr lang="en-US" sz="1200" dirty="0">
+                <a:solidFill>
+                  <a:schemeClr val="bg1">
+                    <a:lumMod val="50000"/>
+                  </a:schemeClr>
+                </a:solidFill>
+              </a:endParaRPr>
+            </a:p>
+          </p:txBody>
+        </p:sp>
+        <p:sp>
+          <p:nvSpPr>
+            <p:cNvPr id="65" name="TextBox 64"/>
+            <p:cNvSpPr txBox="1"/>
+            <p:nvPr/>
+          </p:nvSpPr>
+          <p:spPr>
+            <a:xfrm>
+              <a:off x="2290787" y="4350263"/>
+              <a:ext cx="1073435" cy="461665"/>
+            </a:xfrm>
+            <a:prstGeom prst="rect">
+              <a:avLst/>
+            </a:prstGeom>
+            <a:noFill/>
+          </p:spPr>
+          <p:txBody>
+            <a:bodyPr wrap="none" rtlCol="0">
+              <a:spAutoFit/>
+            </a:bodyPr>
+            <a:lstStyle/>
+            <a:p>
+              <a:pPr algn="ctr"/>
+              <a:r>
+                <a:rPr lang="en-US" sz="1200" dirty="0" smtClean="0">
+                  <a:solidFill>
+                    <a:schemeClr val="bg1">
+                      <a:lumMod val="50000"/>
+                    </a:schemeClr>
+                  </a:solidFill>
+                </a:rPr>
+                <a:t>Non-Instant</a:t>
+              </a:r>
+            </a:p>
+            <a:p>
+              <a:pPr algn="ctr"/>
+              <a:r>
+                <a:rPr lang="en-US" sz="1200" dirty="0" smtClean="0">
+                  <a:solidFill>
+                    <a:schemeClr val="bg1">
+                      <a:lumMod val="50000"/>
+                    </a:schemeClr>
+                  </a:solidFill>
+                </a:rPr>
+                <a:t>Usability Error</a:t>
+              </a:r>
+              <a:endParaRPr lang="en-US" sz="1200" dirty="0">
+                <a:solidFill>
+                  <a:schemeClr val="bg1">
+                    <a:lumMod val="50000"/>
+                  </a:schemeClr>
+                </a:solidFill>
+              </a:endParaRPr>
+            </a:p>
+          </p:txBody>
+        </p:sp>
+        <p:sp>
+          <p:nvSpPr>
+            <p:cNvPr id="66" name="TextBox 65"/>
+            <p:cNvSpPr txBox="1"/>
+            <p:nvPr/>
+          </p:nvSpPr>
+          <p:spPr>
+            <a:xfrm>
+              <a:off x="2422175" y="2810377"/>
+              <a:ext cx="1320800" cy="276999"/>
+            </a:xfrm>
+            <a:prstGeom prst="rect">
+              <a:avLst/>
+            </a:prstGeom>
+            <a:noFill/>
+            <a:ln>
+              <a:noFill/>
+            </a:ln>
+          </p:spPr>
+          <p:txBody>
+            <a:bodyPr wrap="square" rtlCol="0">
+              <a:spAutoFit/>
+            </a:bodyPr>
+            <a:lstStyle/>
+            <a:p>
+              <a:r>
+                <a:rPr lang="en-US" sz="1200" dirty="0" smtClean="0">
+                  <a:solidFill>
+                    <a:srgbClr val="2F5597"/>
+                  </a:solidFill>
+                </a:rPr>
+                <a:t>Individual Events</a:t>
+              </a:r>
+              <a:endParaRPr lang="en-US" sz="1200" dirty="0">
+                <a:solidFill>
+                  <a:srgbClr val="2F5597"/>
+                </a:solidFill>
+              </a:endParaRPr>
+            </a:p>
+          </p:txBody>
+        </p:sp>
+      </p:grpSp>
+    </p:spTree>
+    <p:extLst>
+      <p:ext uri="{BB962C8B-B14F-4D97-AF65-F5344CB8AC3E}">
+        <p14:creationId xmlns:p14="http://schemas.microsoft.com/office/powerpoint/2010/main" val="761254638"/>
+      </p:ext>
+    </p:extLst>
+  </p:cSld>
+  <p:clrMapOvr>
+    <a:masterClrMapping/>
+  </p:clrMapOvr>
+</p:sld>
+</file>
+
+<file path=ppt/slides/slide4.xml><?xml version="1.0" encoding="utf-8"?>
+<p:sld xmlns:a="http://schemas.openxmlformats.org/drawingml/2006/main" xmlns:r="http://schemas.openxmlformats.org/officeDocument/2006/relationships" xmlns:p="http://schemas.openxmlformats.org/presentationml/2006/main">
+  <p:cSld>
+    <p:spTree>
+      <p:nvGrpSpPr>
+        <p:cNvPr id="1" name=""/>
+        <p:cNvGrpSpPr/>
+        <p:nvPr/>
+      </p:nvGrpSpPr>
+      <p:grpSpPr>
+        <a:xfrm>
+          <a:off x="0" y="0"/>
+          <a:ext cx="0" cy="0"/>
+          <a:chOff x="0" y="0"/>
+          <a:chExt cx="0" cy="0"/>
+        </a:xfrm>
+      </p:grpSpPr>
       <p:sp>
         <p:nvSpPr>
           <p:cNvPr id="5" name="Rectangle 4"/>
@@ -6546,7 +9376,7 @@
 </p:sld>
 </file>
 
-<file path=ppt/slides/slide4.xml><?xml version="1.0" encoding="utf-8"?>
+<file path=ppt/slides/slide5.xml><?xml version="1.0" encoding="utf-8"?>
 <p:sld xmlns:a="http://schemas.openxmlformats.org/drawingml/2006/main" xmlns:r="http://schemas.openxmlformats.org/officeDocument/2006/relationships" xmlns:p="http://schemas.openxmlformats.org/presentationml/2006/main">
   <p:cSld>
     <p:spTree>
@@ -7721,6 +10551,1874 @@
     <p:extLst>
       <p:ext uri="{BB962C8B-B14F-4D97-AF65-F5344CB8AC3E}">
         <p14:creationId xmlns:p14="http://schemas.microsoft.com/office/powerpoint/2010/main" val="2230814733"/>
+      </p:ext>
+    </p:extLst>
+  </p:cSld>
+  <p:clrMapOvr>
+    <a:masterClrMapping/>
+  </p:clrMapOvr>
+</p:sld>
+</file>
+
+<file path=ppt/slides/slide6.xml><?xml version="1.0" encoding="utf-8"?>
+<p:sld xmlns:a="http://schemas.openxmlformats.org/drawingml/2006/main" xmlns:r="http://schemas.openxmlformats.org/officeDocument/2006/relationships" xmlns:p="http://schemas.openxmlformats.org/presentationml/2006/main">
+  <p:cSld>
+    <p:spTree>
+      <p:nvGrpSpPr>
+        <p:cNvPr id="1" name=""/>
+        <p:cNvGrpSpPr/>
+        <p:nvPr/>
+      </p:nvGrpSpPr>
+      <p:grpSpPr>
+        <a:xfrm>
+          <a:off x="0" y="0"/>
+          <a:ext cx="0" cy="0"/>
+          <a:chOff x="0" y="0"/>
+          <a:chExt cx="0" cy="0"/>
+        </a:xfrm>
+      </p:grpSpPr>
+      <p:cxnSp>
+        <p:nvCxnSpPr>
+          <p:cNvPr id="5" name="Straight Arrow Connector 4"/>
+          <p:cNvCxnSpPr/>
+          <p:nvPr/>
+        </p:nvCxnSpPr>
+        <p:spPr>
+          <a:xfrm flipV="1">
+            <a:off x="2418347" y="1395663"/>
+            <a:ext cx="0" cy="2117558"/>
+          </a:xfrm>
+          <a:prstGeom prst="straightConnector1">
+            <a:avLst/>
+          </a:prstGeom>
+          <a:ln w="28575">
+            <a:solidFill>
+              <a:schemeClr val="tx1"/>
+            </a:solidFill>
+            <a:tailEnd type="triangle"/>
+          </a:ln>
+        </p:spPr>
+        <p:style>
+          <a:lnRef idx="1">
+            <a:schemeClr val="accent1"/>
+          </a:lnRef>
+          <a:fillRef idx="0">
+            <a:schemeClr val="accent1"/>
+          </a:fillRef>
+          <a:effectRef idx="0">
+            <a:schemeClr val="accent1"/>
+          </a:effectRef>
+          <a:fontRef idx="minor">
+            <a:schemeClr val="tx1"/>
+          </a:fontRef>
+        </p:style>
+      </p:cxnSp>
+      <p:cxnSp>
+        <p:nvCxnSpPr>
+          <p:cNvPr id="6" name="Straight Arrow Connector 5"/>
+          <p:cNvCxnSpPr/>
+          <p:nvPr/>
+        </p:nvCxnSpPr>
+        <p:spPr>
+          <a:xfrm>
+            <a:off x="2286000" y="3320716"/>
+            <a:ext cx="4572000" cy="0"/>
+          </a:xfrm>
+          <a:prstGeom prst="straightConnector1">
+            <a:avLst/>
+          </a:prstGeom>
+          <a:ln w="28575">
+            <a:solidFill>
+              <a:schemeClr val="tx1"/>
+            </a:solidFill>
+            <a:tailEnd type="triangle"/>
+          </a:ln>
+        </p:spPr>
+        <p:style>
+          <a:lnRef idx="1">
+            <a:schemeClr val="accent1"/>
+          </a:lnRef>
+          <a:fillRef idx="0">
+            <a:schemeClr val="accent1"/>
+          </a:fillRef>
+          <a:effectRef idx="0">
+            <a:schemeClr val="accent1"/>
+          </a:effectRef>
+          <a:fontRef idx="minor">
+            <a:schemeClr val="tx1"/>
+          </a:fontRef>
+        </p:style>
+      </p:cxnSp>
+      <p:cxnSp>
+        <p:nvCxnSpPr>
+          <p:cNvPr id="10" name="Straight Connector 9"/>
+          <p:cNvCxnSpPr/>
+          <p:nvPr/>
+        </p:nvCxnSpPr>
+        <p:spPr>
+          <a:xfrm>
+            <a:off x="3636325" y="1491916"/>
+            <a:ext cx="0" cy="1828800"/>
+          </a:xfrm>
+          <a:prstGeom prst="line">
+            <a:avLst/>
+          </a:prstGeom>
+          <a:ln>
+            <a:solidFill>
+              <a:schemeClr val="tx1"/>
+            </a:solidFill>
+          </a:ln>
+        </p:spPr>
+        <p:style>
+          <a:lnRef idx="1">
+            <a:schemeClr val="accent1"/>
+          </a:lnRef>
+          <a:fillRef idx="0">
+            <a:schemeClr val="accent1"/>
+          </a:fillRef>
+          <a:effectRef idx="0">
+            <a:schemeClr val="accent1"/>
+          </a:effectRef>
+          <a:fontRef idx="minor">
+            <a:schemeClr val="tx1"/>
+          </a:fontRef>
+        </p:style>
+      </p:cxnSp>
+      <p:cxnSp>
+        <p:nvCxnSpPr>
+          <p:cNvPr id="14" name="Straight Connector 13"/>
+          <p:cNvCxnSpPr/>
+          <p:nvPr/>
+        </p:nvCxnSpPr>
+        <p:spPr>
+          <a:xfrm>
+            <a:off x="4306083" y="1491916"/>
+            <a:ext cx="0" cy="1828800"/>
+          </a:xfrm>
+          <a:prstGeom prst="line">
+            <a:avLst/>
+          </a:prstGeom>
+          <a:ln>
+            <a:solidFill>
+              <a:schemeClr val="tx1"/>
+            </a:solidFill>
+          </a:ln>
+        </p:spPr>
+        <p:style>
+          <a:lnRef idx="1">
+            <a:schemeClr val="accent1"/>
+          </a:lnRef>
+          <a:fillRef idx="0">
+            <a:schemeClr val="accent1"/>
+          </a:fillRef>
+          <a:effectRef idx="0">
+            <a:schemeClr val="accent1"/>
+          </a:effectRef>
+          <a:fontRef idx="minor">
+            <a:schemeClr val="tx1"/>
+          </a:fontRef>
+        </p:style>
+      </p:cxnSp>
+      <p:sp>
+        <p:nvSpPr>
+          <p:cNvPr id="18" name="Freeform 17"/>
+          <p:cNvSpPr/>
+          <p:nvPr/>
+        </p:nvSpPr>
+        <p:spPr>
+          <a:xfrm>
+            <a:off x="2418347" y="1940258"/>
+            <a:ext cx="4235411" cy="835863"/>
+          </a:xfrm>
+          <a:custGeom>
+            <a:avLst/>
+            <a:gdLst>
+              <a:gd name="connsiteX0" fmla="*/ 0 w 4235411"/>
+              <a:gd name="connsiteY0" fmla="*/ 0 h 835863"/>
+              <a:gd name="connsiteX1" fmla="*/ 61708 w 4235411"/>
+              <a:gd name="connsiteY1" fmla="*/ 11220 h 835863"/>
+              <a:gd name="connsiteX2" fmla="*/ 95367 w 4235411"/>
+              <a:gd name="connsiteY2" fmla="*/ 33659 h 835863"/>
+              <a:gd name="connsiteX3" fmla="*/ 112196 w 4235411"/>
+              <a:gd name="connsiteY3" fmla="*/ 44879 h 835863"/>
+              <a:gd name="connsiteX4" fmla="*/ 129026 w 4235411"/>
+              <a:gd name="connsiteY4" fmla="*/ 56099 h 835863"/>
+              <a:gd name="connsiteX5" fmla="*/ 134635 w 4235411"/>
+              <a:gd name="connsiteY5" fmla="*/ 72928 h 835863"/>
+              <a:gd name="connsiteX6" fmla="*/ 157075 w 4235411"/>
+              <a:gd name="connsiteY6" fmla="*/ 106587 h 835863"/>
+              <a:gd name="connsiteX7" fmla="*/ 168294 w 4235411"/>
+              <a:gd name="connsiteY7" fmla="*/ 123416 h 835863"/>
+              <a:gd name="connsiteX8" fmla="*/ 179514 w 4235411"/>
+              <a:gd name="connsiteY8" fmla="*/ 145856 h 835863"/>
+              <a:gd name="connsiteX9" fmla="*/ 190734 w 4235411"/>
+              <a:gd name="connsiteY9" fmla="*/ 185124 h 835863"/>
+              <a:gd name="connsiteX10" fmla="*/ 201953 w 4235411"/>
+              <a:gd name="connsiteY10" fmla="*/ 201954 h 835863"/>
+              <a:gd name="connsiteX11" fmla="*/ 218783 w 4235411"/>
+              <a:gd name="connsiteY11" fmla="*/ 235613 h 835863"/>
+              <a:gd name="connsiteX12" fmla="*/ 235612 w 4235411"/>
+              <a:gd name="connsiteY12" fmla="*/ 246832 h 835863"/>
+              <a:gd name="connsiteX13" fmla="*/ 258051 w 4235411"/>
+              <a:gd name="connsiteY13" fmla="*/ 274881 h 835863"/>
+              <a:gd name="connsiteX14" fmla="*/ 280491 w 4235411"/>
+              <a:gd name="connsiteY14" fmla="*/ 308540 h 835863"/>
+              <a:gd name="connsiteX15" fmla="*/ 319759 w 4235411"/>
+              <a:gd name="connsiteY15" fmla="*/ 325370 h 835863"/>
+              <a:gd name="connsiteX16" fmla="*/ 342199 w 4235411"/>
+              <a:gd name="connsiteY16" fmla="*/ 336589 h 835863"/>
+              <a:gd name="connsiteX17" fmla="*/ 381467 w 4235411"/>
+              <a:gd name="connsiteY17" fmla="*/ 347809 h 835863"/>
+              <a:gd name="connsiteX18" fmla="*/ 443175 w 4235411"/>
+              <a:gd name="connsiteY18" fmla="*/ 353419 h 835863"/>
+              <a:gd name="connsiteX19" fmla="*/ 488054 w 4235411"/>
+              <a:gd name="connsiteY19" fmla="*/ 359029 h 835863"/>
+              <a:gd name="connsiteX20" fmla="*/ 510493 w 4235411"/>
+              <a:gd name="connsiteY20" fmla="*/ 370248 h 835863"/>
+              <a:gd name="connsiteX21" fmla="*/ 555372 w 4235411"/>
+              <a:gd name="connsiteY21" fmla="*/ 403907 h 835863"/>
+              <a:gd name="connsiteX22" fmla="*/ 572201 w 4235411"/>
+              <a:gd name="connsiteY22" fmla="*/ 443176 h 835863"/>
+              <a:gd name="connsiteX23" fmla="*/ 577811 w 4235411"/>
+              <a:gd name="connsiteY23" fmla="*/ 460005 h 835863"/>
+              <a:gd name="connsiteX24" fmla="*/ 594640 w 4235411"/>
+              <a:gd name="connsiteY24" fmla="*/ 471225 h 835863"/>
+              <a:gd name="connsiteX25" fmla="*/ 628299 w 4235411"/>
+              <a:gd name="connsiteY25" fmla="*/ 499274 h 835863"/>
+              <a:gd name="connsiteX26" fmla="*/ 645129 w 4235411"/>
+              <a:gd name="connsiteY26" fmla="*/ 516104 h 835863"/>
+              <a:gd name="connsiteX27" fmla="*/ 690007 w 4235411"/>
+              <a:gd name="connsiteY27" fmla="*/ 544153 h 835863"/>
+              <a:gd name="connsiteX28" fmla="*/ 706837 w 4235411"/>
+              <a:gd name="connsiteY28" fmla="*/ 560982 h 835863"/>
+              <a:gd name="connsiteX29" fmla="*/ 729276 w 4235411"/>
+              <a:gd name="connsiteY29" fmla="*/ 566592 h 835863"/>
+              <a:gd name="connsiteX30" fmla="*/ 762935 w 4235411"/>
+              <a:gd name="connsiteY30" fmla="*/ 583421 h 835863"/>
+              <a:gd name="connsiteX31" fmla="*/ 813423 w 4235411"/>
+              <a:gd name="connsiteY31" fmla="*/ 589031 h 835863"/>
+              <a:gd name="connsiteX32" fmla="*/ 903180 w 4235411"/>
+              <a:gd name="connsiteY32" fmla="*/ 583421 h 835863"/>
+              <a:gd name="connsiteX33" fmla="*/ 942449 w 4235411"/>
+              <a:gd name="connsiteY33" fmla="*/ 572202 h 835863"/>
+              <a:gd name="connsiteX34" fmla="*/ 959278 w 4235411"/>
+              <a:gd name="connsiteY34" fmla="*/ 555372 h 835863"/>
+              <a:gd name="connsiteX35" fmla="*/ 970498 w 4235411"/>
+              <a:gd name="connsiteY35" fmla="*/ 521713 h 835863"/>
+              <a:gd name="connsiteX36" fmla="*/ 1009767 w 4235411"/>
+              <a:gd name="connsiteY36" fmla="*/ 488054 h 835863"/>
+              <a:gd name="connsiteX37" fmla="*/ 1043426 w 4235411"/>
+              <a:gd name="connsiteY37" fmla="*/ 460005 h 835863"/>
+              <a:gd name="connsiteX38" fmla="*/ 1049035 w 4235411"/>
+              <a:gd name="connsiteY38" fmla="*/ 443176 h 835863"/>
+              <a:gd name="connsiteX39" fmla="*/ 1065865 w 4235411"/>
+              <a:gd name="connsiteY39" fmla="*/ 426347 h 835863"/>
+              <a:gd name="connsiteX40" fmla="*/ 1082694 w 4235411"/>
+              <a:gd name="connsiteY40" fmla="*/ 403907 h 835863"/>
+              <a:gd name="connsiteX41" fmla="*/ 1088304 w 4235411"/>
+              <a:gd name="connsiteY41" fmla="*/ 387078 h 835863"/>
+              <a:gd name="connsiteX42" fmla="*/ 1105134 w 4235411"/>
+              <a:gd name="connsiteY42" fmla="*/ 381468 h 835863"/>
+              <a:gd name="connsiteX43" fmla="*/ 1189281 w 4235411"/>
+              <a:gd name="connsiteY43" fmla="*/ 387078 h 835863"/>
+              <a:gd name="connsiteX44" fmla="*/ 1211720 w 4235411"/>
+              <a:gd name="connsiteY44" fmla="*/ 420737 h 835863"/>
+              <a:gd name="connsiteX45" fmla="*/ 1262208 w 4235411"/>
+              <a:gd name="connsiteY45" fmla="*/ 448786 h 835863"/>
+              <a:gd name="connsiteX46" fmla="*/ 1279038 w 4235411"/>
+              <a:gd name="connsiteY46" fmla="*/ 465615 h 835863"/>
+              <a:gd name="connsiteX47" fmla="*/ 1290258 w 4235411"/>
+              <a:gd name="connsiteY47" fmla="*/ 488054 h 835863"/>
+              <a:gd name="connsiteX48" fmla="*/ 1323916 w 4235411"/>
+              <a:gd name="connsiteY48" fmla="*/ 521713 h 835863"/>
+              <a:gd name="connsiteX49" fmla="*/ 1346356 w 4235411"/>
+              <a:gd name="connsiteY49" fmla="*/ 527323 h 835863"/>
+              <a:gd name="connsiteX50" fmla="*/ 1380015 w 4235411"/>
+              <a:gd name="connsiteY50" fmla="*/ 538543 h 835863"/>
+              <a:gd name="connsiteX51" fmla="*/ 1396844 w 4235411"/>
+              <a:gd name="connsiteY51" fmla="*/ 544153 h 835863"/>
+              <a:gd name="connsiteX52" fmla="*/ 1480991 w 4235411"/>
+              <a:gd name="connsiteY52" fmla="*/ 538543 h 835863"/>
+              <a:gd name="connsiteX53" fmla="*/ 1492211 w 4235411"/>
+              <a:gd name="connsiteY53" fmla="*/ 521713 h 835863"/>
+              <a:gd name="connsiteX54" fmla="*/ 1509040 w 4235411"/>
+              <a:gd name="connsiteY54" fmla="*/ 504884 h 835863"/>
+              <a:gd name="connsiteX55" fmla="*/ 1514650 w 4235411"/>
+              <a:gd name="connsiteY55" fmla="*/ 482445 h 835863"/>
+              <a:gd name="connsiteX56" fmla="*/ 1565139 w 4235411"/>
+              <a:gd name="connsiteY56" fmla="*/ 454396 h 835863"/>
+              <a:gd name="connsiteX57" fmla="*/ 1581968 w 4235411"/>
+              <a:gd name="connsiteY57" fmla="*/ 443176 h 835863"/>
+              <a:gd name="connsiteX58" fmla="*/ 1660505 w 4235411"/>
+              <a:gd name="connsiteY58" fmla="*/ 431956 h 835863"/>
+              <a:gd name="connsiteX59" fmla="*/ 1694164 w 4235411"/>
+              <a:gd name="connsiteY59" fmla="*/ 426347 h 835863"/>
+              <a:gd name="connsiteX60" fmla="*/ 1716604 w 4235411"/>
+              <a:gd name="connsiteY60" fmla="*/ 420737 h 835863"/>
+              <a:gd name="connsiteX61" fmla="*/ 1789531 w 4235411"/>
+              <a:gd name="connsiteY61" fmla="*/ 415127 h 835863"/>
+              <a:gd name="connsiteX62" fmla="*/ 1806361 w 4235411"/>
+              <a:gd name="connsiteY62" fmla="*/ 409517 h 835863"/>
+              <a:gd name="connsiteX63" fmla="*/ 1823190 w 4235411"/>
+              <a:gd name="connsiteY63" fmla="*/ 370248 h 835863"/>
+              <a:gd name="connsiteX64" fmla="*/ 1834410 w 4235411"/>
+              <a:gd name="connsiteY64" fmla="*/ 353419 h 835863"/>
+              <a:gd name="connsiteX65" fmla="*/ 1868069 w 4235411"/>
+              <a:gd name="connsiteY65" fmla="*/ 319760 h 835863"/>
+              <a:gd name="connsiteX66" fmla="*/ 1879288 w 4235411"/>
+              <a:gd name="connsiteY66" fmla="*/ 302931 h 835863"/>
+              <a:gd name="connsiteX67" fmla="*/ 1896118 w 4235411"/>
+              <a:gd name="connsiteY67" fmla="*/ 291711 h 835863"/>
+              <a:gd name="connsiteX68" fmla="*/ 1918557 w 4235411"/>
+              <a:gd name="connsiteY68" fmla="*/ 235613 h 835863"/>
+              <a:gd name="connsiteX69" fmla="*/ 1929777 w 4235411"/>
+              <a:gd name="connsiteY69" fmla="*/ 218783 h 835863"/>
+              <a:gd name="connsiteX70" fmla="*/ 1935386 w 4235411"/>
+              <a:gd name="connsiteY70" fmla="*/ 201954 h 835863"/>
+              <a:gd name="connsiteX71" fmla="*/ 1969045 w 4235411"/>
+              <a:gd name="connsiteY71" fmla="*/ 179515 h 835863"/>
+              <a:gd name="connsiteX72" fmla="*/ 2058802 w 4235411"/>
+              <a:gd name="connsiteY72" fmla="*/ 185124 h 835863"/>
+              <a:gd name="connsiteX73" fmla="*/ 2081242 w 4235411"/>
+              <a:gd name="connsiteY73" fmla="*/ 196344 h 835863"/>
+              <a:gd name="connsiteX74" fmla="*/ 2126120 w 4235411"/>
+              <a:gd name="connsiteY74" fmla="*/ 230003 h 835863"/>
+              <a:gd name="connsiteX75" fmla="*/ 2165389 w 4235411"/>
+              <a:gd name="connsiteY75" fmla="*/ 258052 h 835863"/>
+              <a:gd name="connsiteX76" fmla="*/ 2187828 w 4235411"/>
+              <a:gd name="connsiteY76" fmla="*/ 280491 h 835863"/>
+              <a:gd name="connsiteX77" fmla="*/ 2204658 w 4235411"/>
+              <a:gd name="connsiteY77" fmla="*/ 314150 h 835863"/>
+              <a:gd name="connsiteX78" fmla="*/ 2210267 w 4235411"/>
+              <a:gd name="connsiteY78" fmla="*/ 330980 h 835863"/>
+              <a:gd name="connsiteX79" fmla="*/ 2221487 w 4235411"/>
+              <a:gd name="connsiteY79" fmla="*/ 353419 h 835863"/>
+              <a:gd name="connsiteX80" fmla="*/ 2227097 w 4235411"/>
+              <a:gd name="connsiteY80" fmla="*/ 375858 h 835863"/>
+              <a:gd name="connsiteX81" fmla="*/ 2232707 w 4235411"/>
+              <a:gd name="connsiteY81" fmla="*/ 403907 h 835863"/>
+              <a:gd name="connsiteX82" fmla="*/ 2249536 w 4235411"/>
+              <a:gd name="connsiteY82" fmla="*/ 420737 h 835863"/>
+              <a:gd name="connsiteX83" fmla="*/ 2266366 w 4235411"/>
+              <a:gd name="connsiteY83" fmla="*/ 443176 h 835863"/>
+              <a:gd name="connsiteX84" fmla="*/ 2288805 w 4235411"/>
+              <a:gd name="connsiteY84" fmla="*/ 476835 h 835863"/>
+              <a:gd name="connsiteX85" fmla="*/ 2311244 w 4235411"/>
+              <a:gd name="connsiteY85" fmla="*/ 499274 h 835863"/>
+              <a:gd name="connsiteX86" fmla="*/ 2339293 w 4235411"/>
+              <a:gd name="connsiteY86" fmla="*/ 516104 h 835863"/>
+              <a:gd name="connsiteX87" fmla="*/ 2401001 w 4235411"/>
+              <a:gd name="connsiteY87" fmla="*/ 572202 h 835863"/>
+              <a:gd name="connsiteX88" fmla="*/ 2462709 w 4235411"/>
+              <a:gd name="connsiteY88" fmla="*/ 628300 h 835863"/>
+              <a:gd name="connsiteX89" fmla="*/ 2507588 w 4235411"/>
+              <a:gd name="connsiteY89" fmla="*/ 639520 h 835863"/>
+              <a:gd name="connsiteX90" fmla="*/ 2530027 w 4235411"/>
+              <a:gd name="connsiteY90" fmla="*/ 645129 h 835863"/>
+              <a:gd name="connsiteX91" fmla="*/ 2586125 w 4235411"/>
+              <a:gd name="connsiteY91" fmla="*/ 639520 h 835863"/>
+              <a:gd name="connsiteX92" fmla="*/ 2625394 w 4235411"/>
+              <a:gd name="connsiteY92" fmla="*/ 605861 h 835863"/>
+              <a:gd name="connsiteX93" fmla="*/ 2631004 w 4235411"/>
+              <a:gd name="connsiteY93" fmla="*/ 589031 h 835863"/>
+              <a:gd name="connsiteX94" fmla="*/ 2642223 w 4235411"/>
+              <a:gd name="connsiteY94" fmla="*/ 572202 h 835863"/>
+              <a:gd name="connsiteX95" fmla="*/ 2670272 w 4235411"/>
+              <a:gd name="connsiteY95" fmla="*/ 527323 h 835863"/>
+              <a:gd name="connsiteX96" fmla="*/ 2681492 w 4235411"/>
+              <a:gd name="connsiteY96" fmla="*/ 510494 h 835863"/>
+              <a:gd name="connsiteX97" fmla="*/ 2726370 w 4235411"/>
+              <a:gd name="connsiteY97" fmla="*/ 493664 h 835863"/>
+              <a:gd name="connsiteX98" fmla="*/ 2748810 w 4235411"/>
+              <a:gd name="connsiteY98" fmla="*/ 482445 h 835863"/>
+              <a:gd name="connsiteX99" fmla="*/ 2782469 w 4235411"/>
+              <a:gd name="connsiteY99" fmla="*/ 471225 h 835863"/>
+              <a:gd name="connsiteX100" fmla="*/ 2799298 w 4235411"/>
+              <a:gd name="connsiteY100" fmla="*/ 465615 h 835863"/>
+              <a:gd name="connsiteX101" fmla="*/ 2877835 w 4235411"/>
+              <a:gd name="connsiteY101" fmla="*/ 471225 h 835863"/>
+              <a:gd name="connsiteX102" fmla="*/ 3001251 w 4235411"/>
+              <a:gd name="connsiteY102" fmla="*/ 549762 h 835863"/>
+              <a:gd name="connsiteX103" fmla="*/ 3018081 w 4235411"/>
+              <a:gd name="connsiteY103" fmla="*/ 572202 h 835863"/>
+              <a:gd name="connsiteX104" fmla="*/ 3040520 w 4235411"/>
+              <a:gd name="connsiteY104" fmla="*/ 594641 h 835863"/>
+              <a:gd name="connsiteX105" fmla="*/ 3051740 w 4235411"/>
+              <a:gd name="connsiteY105" fmla="*/ 617080 h 835863"/>
+              <a:gd name="connsiteX106" fmla="*/ 3102228 w 4235411"/>
+              <a:gd name="connsiteY106" fmla="*/ 673178 h 835863"/>
+              <a:gd name="connsiteX107" fmla="*/ 3169546 w 4235411"/>
+              <a:gd name="connsiteY107" fmla="*/ 706837 h 835863"/>
+              <a:gd name="connsiteX108" fmla="*/ 3191985 w 4235411"/>
+              <a:gd name="connsiteY108" fmla="*/ 718057 h 835863"/>
+              <a:gd name="connsiteX109" fmla="*/ 3208815 w 4235411"/>
+              <a:gd name="connsiteY109" fmla="*/ 729277 h 835863"/>
+              <a:gd name="connsiteX110" fmla="*/ 3236864 w 4235411"/>
+              <a:gd name="connsiteY110" fmla="*/ 762935 h 835863"/>
+              <a:gd name="connsiteX111" fmla="*/ 3253693 w 4235411"/>
+              <a:gd name="connsiteY111" fmla="*/ 785375 h 835863"/>
+              <a:gd name="connsiteX112" fmla="*/ 3292962 w 4235411"/>
+              <a:gd name="connsiteY112" fmla="*/ 819034 h 835863"/>
+              <a:gd name="connsiteX113" fmla="*/ 3326621 w 4235411"/>
+              <a:gd name="connsiteY113" fmla="*/ 830253 h 835863"/>
+              <a:gd name="connsiteX114" fmla="*/ 3343450 w 4235411"/>
+              <a:gd name="connsiteY114" fmla="*/ 835863 h 835863"/>
+              <a:gd name="connsiteX115" fmla="*/ 3405158 w 4235411"/>
+              <a:gd name="connsiteY115" fmla="*/ 830253 h 835863"/>
+              <a:gd name="connsiteX116" fmla="*/ 3416378 w 4235411"/>
+              <a:gd name="connsiteY116" fmla="*/ 813424 h 835863"/>
+              <a:gd name="connsiteX117" fmla="*/ 3444427 w 4235411"/>
+              <a:gd name="connsiteY117" fmla="*/ 774155 h 835863"/>
+              <a:gd name="connsiteX118" fmla="*/ 3478086 w 4235411"/>
+              <a:gd name="connsiteY118" fmla="*/ 701227 h 835863"/>
+              <a:gd name="connsiteX119" fmla="*/ 3483696 w 4235411"/>
+              <a:gd name="connsiteY119" fmla="*/ 684398 h 835863"/>
+              <a:gd name="connsiteX120" fmla="*/ 3494915 w 4235411"/>
+              <a:gd name="connsiteY120" fmla="*/ 661959 h 835863"/>
+              <a:gd name="connsiteX121" fmla="*/ 3500525 w 4235411"/>
+              <a:gd name="connsiteY121" fmla="*/ 639520 h 835863"/>
+              <a:gd name="connsiteX122" fmla="*/ 3511745 w 4235411"/>
+              <a:gd name="connsiteY122" fmla="*/ 555372 h 835863"/>
+              <a:gd name="connsiteX123" fmla="*/ 3522964 w 4235411"/>
+              <a:gd name="connsiteY123" fmla="*/ 504884 h 835863"/>
+              <a:gd name="connsiteX124" fmla="*/ 3534184 w 4235411"/>
+              <a:gd name="connsiteY124" fmla="*/ 465615 h 835863"/>
+              <a:gd name="connsiteX125" fmla="*/ 3539794 w 4235411"/>
+              <a:gd name="connsiteY125" fmla="*/ 431956 h 835863"/>
+              <a:gd name="connsiteX126" fmla="*/ 3551013 w 4235411"/>
+              <a:gd name="connsiteY126" fmla="*/ 398297 h 835863"/>
+              <a:gd name="connsiteX127" fmla="*/ 3556623 w 4235411"/>
+              <a:gd name="connsiteY127" fmla="*/ 336589 h 835863"/>
+              <a:gd name="connsiteX128" fmla="*/ 3567843 w 4235411"/>
+              <a:gd name="connsiteY128" fmla="*/ 302931 h 835863"/>
+              <a:gd name="connsiteX129" fmla="*/ 3590282 w 4235411"/>
+              <a:gd name="connsiteY129" fmla="*/ 252442 h 835863"/>
+              <a:gd name="connsiteX130" fmla="*/ 3601502 w 4235411"/>
+              <a:gd name="connsiteY130" fmla="*/ 235613 h 835863"/>
+              <a:gd name="connsiteX131" fmla="*/ 3629551 w 4235411"/>
+              <a:gd name="connsiteY131" fmla="*/ 196344 h 835863"/>
+              <a:gd name="connsiteX132" fmla="*/ 3635161 w 4235411"/>
+              <a:gd name="connsiteY132" fmla="*/ 179515 h 835863"/>
+              <a:gd name="connsiteX133" fmla="*/ 3668819 w 4235411"/>
+              <a:gd name="connsiteY133" fmla="*/ 157075 h 835863"/>
+              <a:gd name="connsiteX134" fmla="*/ 3702478 w 4235411"/>
+              <a:gd name="connsiteY134" fmla="*/ 162685 h 835863"/>
+              <a:gd name="connsiteX135" fmla="*/ 3713698 w 4235411"/>
+              <a:gd name="connsiteY135" fmla="*/ 179515 h 835863"/>
+              <a:gd name="connsiteX136" fmla="*/ 3741747 w 4235411"/>
+              <a:gd name="connsiteY136" fmla="*/ 224393 h 835863"/>
+              <a:gd name="connsiteX137" fmla="*/ 3769796 w 4235411"/>
+              <a:gd name="connsiteY137" fmla="*/ 286101 h 835863"/>
+              <a:gd name="connsiteX138" fmla="*/ 3781016 w 4235411"/>
+              <a:gd name="connsiteY138" fmla="*/ 308540 h 835863"/>
+              <a:gd name="connsiteX139" fmla="*/ 3803455 w 4235411"/>
+              <a:gd name="connsiteY139" fmla="*/ 325370 h 835863"/>
+              <a:gd name="connsiteX140" fmla="*/ 3814675 w 4235411"/>
+              <a:gd name="connsiteY140" fmla="*/ 342199 h 835863"/>
+              <a:gd name="connsiteX141" fmla="*/ 3837114 w 4235411"/>
+              <a:gd name="connsiteY141" fmla="*/ 359029 h 835863"/>
+              <a:gd name="connsiteX142" fmla="*/ 3853943 w 4235411"/>
+              <a:gd name="connsiteY142" fmla="*/ 375858 h 835863"/>
+              <a:gd name="connsiteX143" fmla="*/ 3876383 w 4235411"/>
+              <a:gd name="connsiteY143" fmla="*/ 437566 h 835863"/>
+              <a:gd name="connsiteX144" fmla="*/ 3893212 w 4235411"/>
+              <a:gd name="connsiteY144" fmla="*/ 471225 h 835863"/>
+              <a:gd name="connsiteX145" fmla="*/ 3904432 w 4235411"/>
+              <a:gd name="connsiteY145" fmla="*/ 493664 h 835863"/>
+              <a:gd name="connsiteX146" fmla="*/ 4123215 w 4235411"/>
+              <a:gd name="connsiteY146" fmla="*/ 499274 h 835863"/>
+              <a:gd name="connsiteX147" fmla="*/ 4207362 w 4235411"/>
+              <a:gd name="connsiteY147" fmla="*/ 493664 h 835863"/>
+              <a:gd name="connsiteX148" fmla="*/ 4218581 w 4235411"/>
+              <a:gd name="connsiteY148" fmla="*/ 476835 h 835863"/>
+              <a:gd name="connsiteX149" fmla="*/ 4235411 w 4235411"/>
+              <a:gd name="connsiteY149" fmla="*/ 471225 h 835863"/>
+            </a:gdLst>
+            <a:ahLst/>
+            <a:cxnLst>
+              <a:cxn ang="0">
+                <a:pos x="connsiteX0" y="connsiteY0"/>
+              </a:cxn>
+              <a:cxn ang="0">
+                <a:pos x="connsiteX1" y="connsiteY1"/>
+              </a:cxn>
+              <a:cxn ang="0">
+                <a:pos x="connsiteX2" y="connsiteY2"/>
+              </a:cxn>
+              <a:cxn ang="0">
+                <a:pos x="connsiteX3" y="connsiteY3"/>
+              </a:cxn>
+              <a:cxn ang="0">
+                <a:pos x="connsiteX4" y="connsiteY4"/>
+              </a:cxn>
+              <a:cxn ang="0">
+                <a:pos x="connsiteX5" y="connsiteY5"/>
+              </a:cxn>
+              <a:cxn ang="0">
+                <a:pos x="connsiteX6" y="connsiteY6"/>
+              </a:cxn>
+              <a:cxn ang="0">
+                <a:pos x="connsiteX7" y="connsiteY7"/>
+              </a:cxn>
+              <a:cxn ang="0">
+                <a:pos x="connsiteX8" y="connsiteY8"/>
+              </a:cxn>
+              <a:cxn ang="0">
+                <a:pos x="connsiteX9" y="connsiteY9"/>
+              </a:cxn>
+              <a:cxn ang="0">
+                <a:pos x="connsiteX10" y="connsiteY10"/>
+              </a:cxn>
+              <a:cxn ang="0">
+                <a:pos x="connsiteX11" y="connsiteY11"/>
+              </a:cxn>
+              <a:cxn ang="0">
+                <a:pos x="connsiteX12" y="connsiteY12"/>
+              </a:cxn>
+              <a:cxn ang="0">
+                <a:pos x="connsiteX13" y="connsiteY13"/>
+              </a:cxn>
+              <a:cxn ang="0">
+                <a:pos x="connsiteX14" y="connsiteY14"/>
+              </a:cxn>
+              <a:cxn ang="0">
+                <a:pos x="connsiteX15" y="connsiteY15"/>
+              </a:cxn>
+              <a:cxn ang="0">
+                <a:pos x="connsiteX16" y="connsiteY16"/>
+              </a:cxn>
+              <a:cxn ang="0">
+                <a:pos x="connsiteX17" y="connsiteY17"/>
+              </a:cxn>
+              <a:cxn ang="0">
+                <a:pos x="connsiteX18" y="connsiteY18"/>
+              </a:cxn>
+              <a:cxn ang="0">
+                <a:pos x="connsiteX19" y="connsiteY19"/>
+              </a:cxn>
+              <a:cxn ang="0">
+                <a:pos x="connsiteX20" y="connsiteY20"/>
+              </a:cxn>
+              <a:cxn ang="0">
+                <a:pos x="connsiteX21" y="connsiteY21"/>
+              </a:cxn>
+              <a:cxn ang="0">
+                <a:pos x="connsiteX22" y="connsiteY22"/>
+              </a:cxn>
+              <a:cxn ang="0">
+                <a:pos x="connsiteX23" y="connsiteY23"/>
+              </a:cxn>
+              <a:cxn ang="0">
+                <a:pos x="connsiteX24" y="connsiteY24"/>
+              </a:cxn>
+              <a:cxn ang="0">
+                <a:pos x="connsiteX25" y="connsiteY25"/>
+              </a:cxn>
+              <a:cxn ang="0">
+                <a:pos x="connsiteX26" y="connsiteY26"/>
+              </a:cxn>
+              <a:cxn ang="0">
+                <a:pos x="connsiteX27" y="connsiteY27"/>
+              </a:cxn>
+              <a:cxn ang="0">
+                <a:pos x="connsiteX28" y="connsiteY28"/>
+              </a:cxn>
+              <a:cxn ang="0">
+                <a:pos x="connsiteX29" y="connsiteY29"/>
+              </a:cxn>
+              <a:cxn ang="0">
+                <a:pos x="connsiteX30" y="connsiteY30"/>
+              </a:cxn>
+              <a:cxn ang="0">
+                <a:pos x="connsiteX31" y="connsiteY31"/>
+              </a:cxn>
+              <a:cxn ang="0">
+                <a:pos x="connsiteX32" y="connsiteY32"/>
+              </a:cxn>
+              <a:cxn ang="0">
+                <a:pos x="connsiteX33" y="connsiteY33"/>
+              </a:cxn>
+              <a:cxn ang="0">
+                <a:pos x="connsiteX34" y="connsiteY34"/>
+              </a:cxn>
+              <a:cxn ang="0">
+                <a:pos x="connsiteX35" y="connsiteY35"/>
+              </a:cxn>
+              <a:cxn ang="0">
+                <a:pos x="connsiteX36" y="connsiteY36"/>
+              </a:cxn>
+              <a:cxn ang="0">
+                <a:pos x="connsiteX37" y="connsiteY37"/>
+              </a:cxn>
+              <a:cxn ang="0">
+                <a:pos x="connsiteX38" y="connsiteY38"/>
+              </a:cxn>
+              <a:cxn ang="0">
+                <a:pos x="connsiteX39" y="connsiteY39"/>
+              </a:cxn>
+              <a:cxn ang="0">
+                <a:pos x="connsiteX40" y="connsiteY40"/>
+              </a:cxn>
+              <a:cxn ang="0">
+                <a:pos x="connsiteX41" y="connsiteY41"/>
+              </a:cxn>
+              <a:cxn ang="0">
+                <a:pos x="connsiteX42" y="connsiteY42"/>
+              </a:cxn>
+              <a:cxn ang="0">
+                <a:pos x="connsiteX43" y="connsiteY43"/>
+              </a:cxn>
+              <a:cxn ang="0">
+                <a:pos x="connsiteX44" y="connsiteY44"/>
+              </a:cxn>
+              <a:cxn ang="0">
+                <a:pos x="connsiteX45" y="connsiteY45"/>
+              </a:cxn>
+              <a:cxn ang="0">
+                <a:pos x="connsiteX46" y="connsiteY46"/>
+              </a:cxn>
+              <a:cxn ang="0">
+                <a:pos x="connsiteX47" y="connsiteY47"/>
+              </a:cxn>
+              <a:cxn ang="0">
+                <a:pos x="connsiteX48" y="connsiteY48"/>
+              </a:cxn>
+              <a:cxn ang="0">
+                <a:pos x="connsiteX49" y="connsiteY49"/>
+              </a:cxn>
+              <a:cxn ang="0">
+                <a:pos x="connsiteX50" y="connsiteY50"/>
+              </a:cxn>
+              <a:cxn ang="0">
+                <a:pos x="connsiteX51" y="connsiteY51"/>
+              </a:cxn>
+              <a:cxn ang="0">
+                <a:pos x="connsiteX52" y="connsiteY52"/>
+              </a:cxn>
+              <a:cxn ang="0">
+                <a:pos x="connsiteX53" y="connsiteY53"/>
+              </a:cxn>
+              <a:cxn ang="0">
+                <a:pos x="connsiteX54" y="connsiteY54"/>
+              </a:cxn>
+              <a:cxn ang="0">
+                <a:pos x="connsiteX55" y="connsiteY55"/>
+              </a:cxn>
+              <a:cxn ang="0">
+                <a:pos x="connsiteX56" y="connsiteY56"/>
+              </a:cxn>
+              <a:cxn ang="0">
+                <a:pos x="connsiteX57" y="connsiteY57"/>
+              </a:cxn>
+              <a:cxn ang="0">
+                <a:pos x="connsiteX58" y="connsiteY58"/>
+              </a:cxn>
+              <a:cxn ang="0">
+                <a:pos x="connsiteX59" y="connsiteY59"/>
+              </a:cxn>
+              <a:cxn ang="0">
+                <a:pos x="connsiteX60" y="connsiteY60"/>
+              </a:cxn>
+              <a:cxn ang="0">
+                <a:pos x="connsiteX61" y="connsiteY61"/>
+              </a:cxn>
+              <a:cxn ang="0">
+                <a:pos x="connsiteX62" y="connsiteY62"/>
+              </a:cxn>
+              <a:cxn ang="0">
+                <a:pos x="connsiteX63" y="connsiteY63"/>
+              </a:cxn>
+              <a:cxn ang="0">
+                <a:pos x="connsiteX64" y="connsiteY64"/>
+              </a:cxn>
+              <a:cxn ang="0">
+                <a:pos x="connsiteX65" y="connsiteY65"/>
+              </a:cxn>
+              <a:cxn ang="0">
+                <a:pos x="connsiteX66" y="connsiteY66"/>
+              </a:cxn>
+              <a:cxn ang="0">
+                <a:pos x="connsiteX67" y="connsiteY67"/>
+              </a:cxn>
+              <a:cxn ang="0">
+                <a:pos x="connsiteX68" y="connsiteY68"/>
+              </a:cxn>
+              <a:cxn ang="0">
+                <a:pos x="connsiteX69" y="connsiteY69"/>
+              </a:cxn>
+              <a:cxn ang="0">
+                <a:pos x="connsiteX70" y="connsiteY70"/>
+              </a:cxn>
+              <a:cxn ang="0">
+                <a:pos x="connsiteX71" y="connsiteY71"/>
+              </a:cxn>
+              <a:cxn ang="0">
+                <a:pos x="connsiteX72" y="connsiteY72"/>
+              </a:cxn>
+              <a:cxn ang="0">
+                <a:pos x="connsiteX73" y="connsiteY73"/>
+              </a:cxn>
+              <a:cxn ang="0">
+                <a:pos x="connsiteX74" y="connsiteY74"/>
+              </a:cxn>
+              <a:cxn ang="0">
+                <a:pos x="connsiteX75" y="connsiteY75"/>
+              </a:cxn>
+              <a:cxn ang="0">
+                <a:pos x="connsiteX76" y="connsiteY76"/>
+              </a:cxn>
+              <a:cxn ang="0">
+                <a:pos x="connsiteX77" y="connsiteY77"/>
+              </a:cxn>
+              <a:cxn ang="0">
+                <a:pos x="connsiteX78" y="connsiteY78"/>
+              </a:cxn>
+              <a:cxn ang="0">
+                <a:pos x="connsiteX79" y="connsiteY79"/>
+              </a:cxn>
+              <a:cxn ang="0">
+                <a:pos x="connsiteX80" y="connsiteY80"/>
+              </a:cxn>
+              <a:cxn ang="0">
+                <a:pos x="connsiteX81" y="connsiteY81"/>
+              </a:cxn>
+              <a:cxn ang="0">
+                <a:pos x="connsiteX82" y="connsiteY82"/>
+              </a:cxn>
+              <a:cxn ang="0">
+                <a:pos x="connsiteX83" y="connsiteY83"/>
+              </a:cxn>
+              <a:cxn ang="0">
+                <a:pos x="connsiteX84" y="connsiteY84"/>
+              </a:cxn>
+              <a:cxn ang="0">
+                <a:pos x="connsiteX85" y="connsiteY85"/>
+              </a:cxn>
+              <a:cxn ang="0">
+                <a:pos x="connsiteX86" y="connsiteY86"/>
+              </a:cxn>
+              <a:cxn ang="0">
+                <a:pos x="connsiteX87" y="connsiteY87"/>
+              </a:cxn>
+              <a:cxn ang="0">
+                <a:pos x="connsiteX88" y="connsiteY88"/>
+              </a:cxn>
+              <a:cxn ang="0">
+                <a:pos x="connsiteX89" y="connsiteY89"/>
+              </a:cxn>
+              <a:cxn ang="0">
+                <a:pos x="connsiteX90" y="connsiteY90"/>
+              </a:cxn>
+              <a:cxn ang="0">
+                <a:pos x="connsiteX91" y="connsiteY91"/>
+              </a:cxn>
+              <a:cxn ang="0">
+                <a:pos x="connsiteX92" y="connsiteY92"/>
+              </a:cxn>
+              <a:cxn ang="0">
+                <a:pos x="connsiteX93" y="connsiteY93"/>
+              </a:cxn>
+              <a:cxn ang="0">
+                <a:pos x="connsiteX94" y="connsiteY94"/>
+              </a:cxn>
+              <a:cxn ang="0">
+                <a:pos x="connsiteX95" y="connsiteY95"/>
+              </a:cxn>
+              <a:cxn ang="0">
+                <a:pos x="connsiteX96" y="connsiteY96"/>
+              </a:cxn>
+              <a:cxn ang="0">
+                <a:pos x="connsiteX97" y="connsiteY97"/>
+              </a:cxn>
+              <a:cxn ang="0">
+                <a:pos x="connsiteX98" y="connsiteY98"/>
+              </a:cxn>
+              <a:cxn ang="0">
+                <a:pos x="connsiteX99" y="connsiteY99"/>
+              </a:cxn>
+              <a:cxn ang="0">
+                <a:pos x="connsiteX100" y="connsiteY100"/>
+              </a:cxn>
+              <a:cxn ang="0">
+                <a:pos x="connsiteX101" y="connsiteY101"/>
+              </a:cxn>
+              <a:cxn ang="0">
+                <a:pos x="connsiteX102" y="connsiteY102"/>
+              </a:cxn>
+              <a:cxn ang="0">
+                <a:pos x="connsiteX103" y="connsiteY103"/>
+              </a:cxn>
+              <a:cxn ang="0">
+                <a:pos x="connsiteX104" y="connsiteY104"/>
+              </a:cxn>
+              <a:cxn ang="0">
+                <a:pos x="connsiteX105" y="connsiteY105"/>
+              </a:cxn>
+              <a:cxn ang="0">
+                <a:pos x="connsiteX106" y="connsiteY106"/>
+              </a:cxn>
+              <a:cxn ang="0">
+                <a:pos x="connsiteX107" y="connsiteY107"/>
+              </a:cxn>
+              <a:cxn ang="0">
+                <a:pos x="connsiteX108" y="connsiteY108"/>
+              </a:cxn>
+              <a:cxn ang="0">
+                <a:pos x="connsiteX109" y="connsiteY109"/>
+              </a:cxn>
+              <a:cxn ang="0">
+                <a:pos x="connsiteX110" y="connsiteY110"/>
+              </a:cxn>
+              <a:cxn ang="0">
+                <a:pos x="connsiteX111" y="connsiteY111"/>
+              </a:cxn>
+              <a:cxn ang="0">
+                <a:pos x="connsiteX112" y="connsiteY112"/>
+              </a:cxn>
+              <a:cxn ang="0">
+                <a:pos x="connsiteX113" y="connsiteY113"/>
+              </a:cxn>
+              <a:cxn ang="0">
+                <a:pos x="connsiteX114" y="connsiteY114"/>
+              </a:cxn>
+              <a:cxn ang="0">
+                <a:pos x="connsiteX115" y="connsiteY115"/>
+              </a:cxn>
+              <a:cxn ang="0">
+                <a:pos x="connsiteX116" y="connsiteY116"/>
+              </a:cxn>
+              <a:cxn ang="0">
+                <a:pos x="connsiteX117" y="connsiteY117"/>
+              </a:cxn>
+              <a:cxn ang="0">
+                <a:pos x="connsiteX118" y="connsiteY118"/>
+              </a:cxn>
+              <a:cxn ang="0">
+                <a:pos x="connsiteX119" y="connsiteY119"/>
+              </a:cxn>
+              <a:cxn ang="0">
+                <a:pos x="connsiteX120" y="connsiteY120"/>
+              </a:cxn>
+              <a:cxn ang="0">
+                <a:pos x="connsiteX121" y="connsiteY121"/>
+              </a:cxn>
+              <a:cxn ang="0">
+                <a:pos x="connsiteX122" y="connsiteY122"/>
+              </a:cxn>
+              <a:cxn ang="0">
+                <a:pos x="connsiteX123" y="connsiteY123"/>
+              </a:cxn>
+              <a:cxn ang="0">
+                <a:pos x="connsiteX124" y="connsiteY124"/>
+              </a:cxn>
+              <a:cxn ang="0">
+                <a:pos x="connsiteX125" y="connsiteY125"/>
+              </a:cxn>
+              <a:cxn ang="0">
+                <a:pos x="connsiteX126" y="connsiteY126"/>
+              </a:cxn>
+              <a:cxn ang="0">
+                <a:pos x="connsiteX127" y="connsiteY127"/>
+              </a:cxn>
+              <a:cxn ang="0">
+                <a:pos x="connsiteX128" y="connsiteY128"/>
+              </a:cxn>
+              <a:cxn ang="0">
+                <a:pos x="connsiteX129" y="connsiteY129"/>
+              </a:cxn>
+              <a:cxn ang="0">
+                <a:pos x="connsiteX130" y="connsiteY130"/>
+              </a:cxn>
+              <a:cxn ang="0">
+                <a:pos x="connsiteX131" y="connsiteY131"/>
+              </a:cxn>
+              <a:cxn ang="0">
+                <a:pos x="connsiteX132" y="connsiteY132"/>
+              </a:cxn>
+              <a:cxn ang="0">
+                <a:pos x="connsiteX133" y="connsiteY133"/>
+              </a:cxn>
+              <a:cxn ang="0">
+                <a:pos x="connsiteX134" y="connsiteY134"/>
+              </a:cxn>
+              <a:cxn ang="0">
+                <a:pos x="connsiteX135" y="connsiteY135"/>
+              </a:cxn>
+              <a:cxn ang="0">
+                <a:pos x="connsiteX136" y="connsiteY136"/>
+              </a:cxn>
+              <a:cxn ang="0">
+                <a:pos x="connsiteX137" y="connsiteY137"/>
+              </a:cxn>
+              <a:cxn ang="0">
+                <a:pos x="connsiteX138" y="connsiteY138"/>
+              </a:cxn>
+              <a:cxn ang="0">
+                <a:pos x="connsiteX139" y="connsiteY139"/>
+              </a:cxn>
+              <a:cxn ang="0">
+                <a:pos x="connsiteX140" y="connsiteY140"/>
+              </a:cxn>
+              <a:cxn ang="0">
+                <a:pos x="connsiteX141" y="connsiteY141"/>
+              </a:cxn>
+              <a:cxn ang="0">
+                <a:pos x="connsiteX142" y="connsiteY142"/>
+              </a:cxn>
+              <a:cxn ang="0">
+                <a:pos x="connsiteX143" y="connsiteY143"/>
+              </a:cxn>
+              <a:cxn ang="0">
+                <a:pos x="connsiteX144" y="connsiteY144"/>
+              </a:cxn>
+              <a:cxn ang="0">
+                <a:pos x="connsiteX145" y="connsiteY145"/>
+              </a:cxn>
+              <a:cxn ang="0">
+                <a:pos x="connsiteX146" y="connsiteY146"/>
+              </a:cxn>
+              <a:cxn ang="0">
+                <a:pos x="connsiteX147" y="connsiteY147"/>
+              </a:cxn>
+              <a:cxn ang="0">
+                <a:pos x="connsiteX148" y="connsiteY148"/>
+              </a:cxn>
+              <a:cxn ang="0">
+                <a:pos x="connsiteX149" y="connsiteY149"/>
+              </a:cxn>
+            </a:cxnLst>
+            <a:rect l="l" t="t" r="r" b="b"/>
+            <a:pathLst>
+              <a:path w="4235411" h="835863">
+                <a:moveTo>
+                  <a:pt x="0" y="0"/>
+                </a:moveTo>
+                <a:cubicBezTo>
+                  <a:pt x="9782" y="1223"/>
+                  <a:pt x="46644" y="2851"/>
+                  <a:pt x="61708" y="11220"/>
+                </a:cubicBezTo>
+                <a:cubicBezTo>
+                  <a:pt x="73495" y="17768"/>
+                  <a:pt x="84147" y="26179"/>
+                  <a:pt x="95367" y="33659"/>
+                </a:cubicBezTo>
+                <a:lnTo>
+                  <a:pt x="112196" y="44879"/>
+                </a:lnTo>
+                <a:lnTo>
+                  <a:pt x="129026" y="56099"/>
+                </a:lnTo>
+                <a:cubicBezTo>
+                  <a:pt x="130896" y="61709"/>
+                  <a:pt x="131763" y="67759"/>
+                  <a:pt x="134635" y="72928"/>
+                </a:cubicBezTo>
+                <a:cubicBezTo>
+                  <a:pt x="141184" y="84716"/>
+                  <a:pt x="149595" y="95367"/>
+                  <a:pt x="157075" y="106587"/>
+                </a:cubicBezTo>
+                <a:cubicBezTo>
+                  <a:pt x="160815" y="112197"/>
+                  <a:pt x="165279" y="117386"/>
+                  <a:pt x="168294" y="123416"/>
+                </a:cubicBezTo>
+                <a:cubicBezTo>
+                  <a:pt x="172034" y="130896"/>
+                  <a:pt x="176578" y="138026"/>
+                  <a:pt x="179514" y="145856"/>
+                </a:cubicBezTo>
+                <a:cubicBezTo>
+                  <a:pt x="184908" y="160240"/>
+                  <a:pt x="183951" y="171558"/>
+                  <a:pt x="190734" y="185124"/>
+                </a:cubicBezTo>
+                <a:cubicBezTo>
+                  <a:pt x="193749" y="191154"/>
+                  <a:pt x="198938" y="195924"/>
+                  <a:pt x="201953" y="201954"/>
+                </a:cubicBezTo>
+                <a:cubicBezTo>
+                  <a:pt x="211077" y="220203"/>
+                  <a:pt x="202707" y="219537"/>
+                  <a:pt x="218783" y="235613"/>
+                </a:cubicBezTo>
+                <a:cubicBezTo>
+                  <a:pt x="223550" y="240380"/>
+                  <a:pt x="230002" y="243092"/>
+                  <a:pt x="235612" y="246832"/>
+                </a:cubicBezTo>
+                <a:cubicBezTo>
+                  <a:pt x="249713" y="289136"/>
+                  <a:pt x="229051" y="238631"/>
+                  <a:pt x="258051" y="274881"/>
+                </a:cubicBezTo>
+                <a:cubicBezTo>
+                  <a:pt x="294005" y="319824"/>
+                  <a:pt x="222136" y="259911"/>
+                  <a:pt x="280491" y="308540"/>
+                </a:cubicBezTo>
+                <a:cubicBezTo>
+                  <a:pt x="302195" y="326627"/>
+                  <a:pt x="292540" y="315163"/>
+                  <a:pt x="319759" y="325370"/>
+                </a:cubicBezTo>
+                <a:cubicBezTo>
+                  <a:pt x="327589" y="328306"/>
+                  <a:pt x="334512" y="333295"/>
+                  <a:pt x="342199" y="336589"/>
+                </a:cubicBezTo>
+                <a:cubicBezTo>
+                  <a:pt x="350016" y="339939"/>
+                  <a:pt x="374578" y="346890"/>
+                  <a:pt x="381467" y="347809"/>
+                </a:cubicBezTo>
+                <a:cubicBezTo>
+                  <a:pt x="401940" y="350539"/>
+                  <a:pt x="422634" y="351257"/>
+                  <a:pt x="443175" y="353419"/>
+                </a:cubicBezTo>
+                <a:cubicBezTo>
+                  <a:pt x="458168" y="354997"/>
+                  <a:pt x="473094" y="357159"/>
+                  <a:pt x="488054" y="359029"/>
+                </a:cubicBezTo>
+                <a:cubicBezTo>
+                  <a:pt x="495534" y="362769"/>
+                  <a:pt x="503535" y="365609"/>
+                  <a:pt x="510493" y="370248"/>
+                </a:cubicBezTo>
+                <a:cubicBezTo>
+                  <a:pt x="526052" y="380621"/>
+                  <a:pt x="555372" y="403907"/>
+                  <a:pt x="555372" y="403907"/>
+                </a:cubicBezTo>
+                <a:cubicBezTo>
+                  <a:pt x="568522" y="443363"/>
+                  <a:pt x="551411" y="394670"/>
+                  <a:pt x="572201" y="443176"/>
+                </a:cubicBezTo>
+                <a:cubicBezTo>
+                  <a:pt x="574530" y="448611"/>
+                  <a:pt x="574117" y="455388"/>
+                  <a:pt x="577811" y="460005"/>
+                </a:cubicBezTo>
+                <a:cubicBezTo>
+                  <a:pt x="582023" y="465270"/>
+                  <a:pt x="589873" y="466458"/>
+                  <a:pt x="594640" y="471225"/>
+                </a:cubicBezTo>
+                <a:cubicBezTo>
+                  <a:pt x="625205" y="501790"/>
+                  <a:pt x="596157" y="488559"/>
+                  <a:pt x="628299" y="499274"/>
+                </a:cubicBezTo>
+                <a:cubicBezTo>
+                  <a:pt x="633909" y="504884"/>
+                  <a:pt x="638713" y="511438"/>
+                  <a:pt x="645129" y="516104"/>
+                </a:cubicBezTo>
+                <a:cubicBezTo>
+                  <a:pt x="659396" y="526480"/>
+                  <a:pt x="677533" y="531679"/>
+                  <a:pt x="690007" y="544153"/>
+                </a:cubicBezTo>
+                <a:cubicBezTo>
+                  <a:pt x="695617" y="549763"/>
+                  <a:pt x="699949" y="557046"/>
+                  <a:pt x="706837" y="560982"/>
+                </a:cubicBezTo>
+                <a:cubicBezTo>
+                  <a:pt x="713531" y="564807"/>
+                  <a:pt x="722118" y="563729"/>
+                  <a:pt x="729276" y="566592"/>
+                </a:cubicBezTo>
+                <a:cubicBezTo>
+                  <a:pt x="740923" y="571251"/>
+                  <a:pt x="750815" y="580189"/>
+                  <a:pt x="762935" y="583421"/>
+                </a:cubicBezTo>
+                <a:cubicBezTo>
+                  <a:pt x="779296" y="587784"/>
+                  <a:pt x="796594" y="587161"/>
+                  <a:pt x="813423" y="589031"/>
+                </a:cubicBezTo>
+                <a:cubicBezTo>
+                  <a:pt x="843342" y="587161"/>
+                  <a:pt x="873351" y="586404"/>
+                  <a:pt x="903180" y="583421"/>
+                </a:cubicBezTo>
+                <a:cubicBezTo>
+                  <a:pt x="913247" y="582414"/>
+                  <a:pt x="932195" y="575620"/>
+                  <a:pt x="942449" y="572202"/>
+                </a:cubicBezTo>
+                <a:cubicBezTo>
+                  <a:pt x="948059" y="566592"/>
+                  <a:pt x="955425" y="562307"/>
+                  <a:pt x="959278" y="555372"/>
+                </a:cubicBezTo>
+                <a:cubicBezTo>
+                  <a:pt x="965021" y="545034"/>
+                  <a:pt x="962135" y="530076"/>
+                  <a:pt x="970498" y="521713"/>
+                </a:cubicBezTo>
+                <a:cubicBezTo>
+                  <a:pt x="1012256" y="479955"/>
+                  <a:pt x="959392" y="531233"/>
+                  <a:pt x="1009767" y="488054"/>
+                </a:cubicBezTo>
+                <a:cubicBezTo>
+                  <a:pt x="1047562" y="455659"/>
+                  <a:pt x="1006229" y="484803"/>
+                  <a:pt x="1043426" y="460005"/>
+                </a:cubicBezTo>
+                <a:cubicBezTo>
+                  <a:pt x="1045296" y="454395"/>
+                  <a:pt x="1045755" y="448096"/>
+                  <a:pt x="1049035" y="443176"/>
+                </a:cubicBezTo>
+                <a:cubicBezTo>
+                  <a:pt x="1053436" y="436575"/>
+                  <a:pt x="1060702" y="432371"/>
+                  <a:pt x="1065865" y="426347"/>
+                </a:cubicBezTo>
+                <a:cubicBezTo>
+                  <a:pt x="1071950" y="419248"/>
+                  <a:pt x="1077084" y="411387"/>
+                  <a:pt x="1082694" y="403907"/>
+                </a:cubicBezTo>
+                <a:cubicBezTo>
+                  <a:pt x="1084564" y="398297"/>
+                  <a:pt x="1084123" y="391259"/>
+                  <a:pt x="1088304" y="387078"/>
+                </a:cubicBezTo>
+                <a:cubicBezTo>
+                  <a:pt x="1092486" y="382897"/>
+                  <a:pt x="1099221" y="381468"/>
+                  <a:pt x="1105134" y="381468"/>
+                </a:cubicBezTo>
+                <a:cubicBezTo>
+                  <a:pt x="1133245" y="381468"/>
+                  <a:pt x="1161232" y="385208"/>
+                  <a:pt x="1189281" y="387078"/>
+                </a:cubicBezTo>
+                <a:cubicBezTo>
+                  <a:pt x="1196761" y="398298"/>
+                  <a:pt x="1200500" y="413257"/>
+                  <a:pt x="1211720" y="420737"/>
+                </a:cubicBezTo>
+                <a:cubicBezTo>
+                  <a:pt x="1250299" y="446456"/>
+                  <a:pt x="1232587" y="438912"/>
+                  <a:pt x="1262208" y="448786"/>
+                </a:cubicBezTo>
+                <a:cubicBezTo>
+                  <a:pt x="1267818" y="454396"/>
+                  <a:pt x="1274427" y="459159"/>
+                  <a:pt x="1279038" y="465615"/>
+                </a:cubicBezTo>
+                <a:cubicBezTo>
+                  <a:pt x="1283899" y="472420"/>
+                  <a:pt x="1286109" y="480793"/>
+                  <a:pt x="1290258" y="488054"/>
+                </a:cubicBezTo>
+                <a:cubicBezTo>
+                  <a:pt x="1299369" y="503999"/>
+                  <a:pt x="1306197" y="512854"/>
+                  <a:pt x="1323916" y="521713"/>
+                </a:cubicBezTo>
+                <a:cubicBezTo>
+                  <a:pt x="1330812" y="525161"/>
+                  <a:pt x="1338971" y="525107"/>
+                  <a:pt x="1346356" y="527323"/>
+                </a:cubicBezTo>
+                <a:cubicBezTo>
+                  <a:pt x="1357684" y="530721"/>
+                  <a:pt x="1368795" y="534803"/>
+                  <a:pt x="1380015" y="538543"/>
+                </a:cubicBezTo>
+                <a:lnTo>
+                  <a:pt x="1396844" y="544153"/>
+                </a:lnTo>
+                <a:cubicBezTo>
+                  <a:pt x="1424893" y="542283"/>
+                  <a:pt x="1453627" y="544982"/>
+                  <a:pt x="1480991" y="538543"/>
+                </a:cubicBezTo>
+                <a:cubicBezTo>
+                  <a:pt x="1487554" y="536999"/>
+                  <a:pt x="1487895" y="526893"/>
+                  <a:pt x="1492211" y="521713"/>
+                </a:cubicBezTo>
+                <a:cubicBezTo>
+                  <a:pt x="1497290" y="515618"/>
+                  <a:pt x="1503430" y="510494"/>
+                  <a:pt x="1509040" y="504884"/>
+                </a:cubicBezTo>
+                <a:cubicBezTo>
+                  <a:pt x="1510910" y="497404"/>
+                  <a:pt x="1509573" y="488247"/>
+                  <a:pt x="1514650" y="482445"/>
+                </a:cubicBezTo>
+                <a:cubicBezTo>
+                  <a:pt x="1530538" y="464287"/>
+                  <a:pt x="1545467" y="460952"/>
+                  <a:pt x="1565139" y="454396"/>
+                </a:cubicBezTo>
+                <a:cubicBezTo>
+                  <a:pt x="1570749" y="450656"/>
+                  <a:pt x="1575572" y="445308"/>
+                  <a:pt x="1581968" y="443176"/>
+                </a:cubicBezTo>
+                <a:cubicBezTo>
+                  <a:pt x="1592006" y="439830"/>
+                  <a:pt x="1655357" y="432691"/>
+                  <a:pt x="1660505" y="431956"/>
+                </a:cubicBezTo>
+                <a:cubicBezTo>
+                  <a:pt x="1671765" y="430347"/>
+                  <a:pt x="1683010" y="428578"/>
+                  <a:pt x="1694164" y="426347"/>
+                </a:cubicBezTo>
+                <a:cubicBezTo>
+                  <a:pt x="1701725" y="424835"/>
+                  <a:pt x="1708947" y="421638"/>
+                  <a:pt x="1716604" y="420737"/>
+                </a:cubicBezTo>
+                <a:cubicBezTo>
+                  <a:pt x="1740818" y="417888"/>
+                  <a:pt x="1765222" y="416997"/>
+                  <a:pt x="1789531" y="415127"/>
+                </a:cubicBezTo>
+                <a:cubicBezTo>
+                  <a:pt x="1795141" y="413257"/>
+                  <a:pt x="1801743" y="413211"/>
+                  <a:pt x="1806361" y="409517"/>
+                </a:cubicBezTo>
+                <a:cubicBezTo>
+                  <a:pt x="1821668" y="397271"/>
+                  <a:pt x="1816160" y="386651"/>
+                  <a:pt x="1823190" y="370248"/>
+                </a:cubicBezTo>
+                <a:cubicBezTo>
+                  <a:pt x="1825846" y="364051"/>
+                  <a:pt x="1830491" y="358905"/>
+                  <a:pt x="1834410" y="353419"/>
+                </a:cubicBezTo>
+                <a:cubicBezTo>
+                  <a:pt x="1853388" y="326850"/>
+                  <a:pt x="1844827" y="335254"/>
+                  <a:pt x="1868069" y="319760"/>
+                </a:cubicBezTo>
+                <a:cubicBezTo>
+                  <a:pt x="1871809" y="314150"/>
+                  <a:pt x="1874521" y="307698"/>
+                  <a:pt x="1879288" y="302931"/>
+                </a:cubicBezTo>
+                <a:cubicBezTo>
+                  <a:pt x="1884056" y="298163"/>
+                  <a:pt x="1891802" y="296891"/>
+                  <a:pt x="1896118" y="291711"/>
+                </a:cubicBezTo>
+                <a:cubicBezTo>
+                  <a:pt x="1917615" y="265915"/>
+                  <a:pt x="1897637" y="266993"/>
+                  <a:pt x="1918557" y="235613"/>
+                </a:cubicBezTo>
+                <a:lnTo>
+                  <a:pt x="1929777" y="218783"/>
+                </a:lnTo>
+                <a:cubicBezTo>
+                  <a:pt x="1931647" y="213173"/>
+                  <a:pt x="1931205" y="206135"/>
+                  <a:pt x="1935386" y="201954"/>
+                </a:cubicBezTo>
+                <a:cubicBezTo>
+                  <a:pt x="1944921" y="192419"/>
+                  <a:pt x="1969045" y="179515"/>
+                  <a:pt x="1969045" y="179515"/>
+                </a:cubicBezTo>
+                <a:cubicBezTo>
+                  <a:pt x="1998964" y="181385"/>
+                  <a:pt x="2029156" y="180677"/>
+                  <a:pt x="2058802" y="185124"/>
+                </a:cubicBezTo>
+                <a:cubicBezTo>
+                  <a:pt x="2067072" y="186365"/>
+                  <a:pt x="2074284" y="191705"/>
+                  <a:pt x="2081242" y="196344"/>
+                </a:cubicBezTo>
+                <a:cubicBezTo>
+                  <a:pt x="2096801" y="206717"/>
+                  <a:pt x="2110561" y="219631"/>
+                  <a:pt x="2126120" y="230003"/>
+                </a:cubicBezTo>
+                <a:cubicBezTo>
+                  <a:pt x="2138685" y="238380"/>
+                  <a:pt x="2154257" y="248312"/>
+                  <a:pt x="2165389" y="258052"/>
+                </a:cubicBezTo>
+                <a:cubicBezTo>
+                  <a:pt x="2173350" y="265018"/>
+                  <a:pt x="2180348" y="273011"/>
+                  <a:pt x="2187828" y="280491"/>
+                </a:cubicBezTo>
+                <a:cubicBezTo>
+                  <a:pt x="2201931" y="322801"/>
+                  <a:pt x="2182905" y="270643"/>
+                  <a:pt x="2204658" y="314150"/>
+                </a:cubicBezTo>
+                <a:cubicBezTo>
+                  <a:pt x="2207302" y="319439"/>
+                  <a:pt x="2207938" y="325545"/>
+                  <a:pt x="2210267" y="330980"/>
+                </a:cubicBezTo>
+                <a:cubicBezTo>
+                  <a:pt x="2213561" y="338666"/>
+                  <a:pt x="2218551" y="345589"/>
+                  <a:pt x="2221487" y="353419"/>
+                </a:cubicBezTo>
+                <a:cubicBezTo>
+                  <a:pt x="2224194" y="360638"/>
+                  <a:pt x="2225424" y="368332"/>
+                  <a:pt x="2227097" y="375858"/>
+                </a:cubicBezTo>
+                <a:cubicBezTo>
+                  <a:pt x="2229165" y="385166"/>
+                  <a:pt x="2228443" y="395379"/>
+                  <a:pt x="2232707" y="403907"/>
+                </a:cubicBezTo>
+                <a:cubicBezTo>
+                  <a:pt x="2236255" y="411003"/>
+                  <a:pt x="2244373" y="414713"/>
+                  <a:pt x="2249536" y="420737"/>
+                </a:cubicBezTo>
+                <a:cubicBezTo>
+                  <a:pt x="2255621" y="427836"/>
+                  <a:pt x="2261004" y="435516"/>
+                  <a:pt x="2266366" y="443176"/>
+                </a:cubicBezTo>
+                <a:cubicBezTo>
+                  <a:pt x="2274099" y="454223"/>
+                  <a:pt x="2279270" y="467300"/>
+                  <a:pt x="2288805" y="476835"/>
+                </a:cubicBezTo>
+                <a:cubicBezTo>
+                  <a:pt x="2296285" y="484315"/>
+                  <a:pt x="2302894" y="492780"/>
+                  <a:pt x="2311244" y="499274"/>
+                </a:cubicBezTo>
+                <a:cubicBezTo>
+                  <a:pt x="2319851" y="505968"/>
+                  <a:pt x="2330047" y="510325"/>
+                  <a:pt x="2339293" y="516104"/>
+                </a:cubicBezTo>
+                <a:cubicBezTo>
+                  <a:pt x="2364259" y="531708"/>
+                  <a:pt x="2381062" y="545618"/>
+                  <a:pt x="2401001" y="572202"/>
+                </a:cubicBezTo>
+                <a:cubicBezTo>
+                  <a:pt x="2416967" y="593489"/>
+                  <a:pt x="2434518" y="621252"/>
+                  <a:pt x="2462709" y="628300"/>
+                </a:cubicBezTo>
+                <a:lnTo>
+                  <a:pt x="2507588" y="639520"/>
+                </a:lnTo>
+                <a:lnTo>
+                  <a:pt x="2530027" y="645129"/>
+                </a:lnTo>
+                <a:cubicBezTo>
+                  <a:pt x="2548726" y="643259"/>
+                  <a:pt x="2568055" y="644683"/>
+                  <a:pt x="2586125" y="639520"/>
+                </a:cubicBezTo>
+                <a:cubicBezTo>
+                  <a:pt x="2596197" y="636642"/>
+                  <a:pt x="2617832" y="613423"/>
+                  <a:pt x="2625394" y="605861"/>
+                </a:cubicBezTo>
+                <a:cubicBezTo>
+                  <a:pt x="2627264" y="600251"/>
+                  <a:pt x="2628359" y="594320"/>
+                  <a:pt x="2631004" y="589031"/>
+                </a:cubicBezTo>
+                <a:cubicBezTo>
+                  <a:pt x="2634019" y="583001"/>
+                  <a:pt x="2638603" y="577890"/>
+                  <a:pt x="2642223" y="572202"/>
+                </a:cubicBezTo>
+                <a:cubicBezTo>
+                  <a:pt x="2651694" y="557319"/>
+                  <a:pt x="2660801" y="542206"/>
+                  <a:pt x="2670272" y="527323"/>
+                </a:cubicBezTo>
+                <a:cubicBezTo>
+                  <a:pt x="2673892" y="521635"/>
+                  <a:pt x="2675462" y="513509"/>
+                  <a:pt x="2681492" y="510494"/>
+                </a:cubicBezTo>
+                <a:cubicBezTo>
+                  <a:pt x="2743949" y="479264"/>
+                  <a:pt x="2665281" y="516571"/>
+                  <a:pt x="2726370" y="493664"/>
+                </a:cubicBezTo>
+                <a:cubicBezTo>
+                  <a:pt x="2734200" y="490728"/>
+                  <a:pt x="2741045" y="485551"/>
+                  <a:pt x="2748810" y="482445"/>
+                </a:cubicBezTo>
+                <a:cubicBezTo>
+                  <a:pt x="2759791" y="478053"/>
+                  <a:pt x="2771249" y="474965"/>
+                  <a:pt x="2782469" y="471225"/>
+                </a:cubicBezTo>
+                <a:lnTo>
+                  <a:pt x="2799298" y="465615"/>
+                </a:lnTo>
+                <a:cubicBezTo>
+                  <a:pt x="2825477" y="467485"/>
+                  <a:pt x="2852242" y="465408"/>
+                  <a:pt x="2877835" y="471225"/>
+                </a:cubicBezTo>
+                <a:cubicBezTo>
+                  <a:pt x="2906517" y="477744"/>
+                  <a:pt x="2995610" y="542240"/>
+                  <a:pt x="3001251" y="549762"/>
+                </a:cubicBezTo>
+                <a:cubicBezTo>
+                  <a:pt x="3006861" y="557242"/>
+                  <a:pt x="3011924" y="565165"/>
+                  <a:pt x="3018081" y="572202"/>
+                </a:cubicBezTo>
+                <a:cubicBezTo>
+                  <a:pt x="3025047" y="580163"/>
+                  <a:pt x="3034173" y="586179"/>
+                  <a:pt x="3040520" y="594641"/>
+                </a:cubicBezTo>
+                <a:cubicBezTo>
+                  <a:pt x="3045538" y="601331"/>
+                  <a:pt x="3047591" y="609819"/>
+                  <a:pt x="3051740" y="617080"/>
+                </a:cubicBezTo>
+                <a:cubicBezTo>
+                  <a:pt x="3062516" y="635938"/>
+                  <a:pt x="3087598" y="665863"/>
+                  <a:pt x="3102228" y="673178"/>
+                </a:cubicBezTo>
+                <a:lnTo>
+                  <a:pt x="3169546" y="706837"/>
+                </a:lnTo>
+                <a:cubicBezTo>
+                  <a:pt x="3177026" y="710577"/>
+                  <a:pt x="3185027" y="713418"/>
+                  <a:pt x="3191985" y="718057"/>
+                </a:cubicBezTo>
+                <a:lnTo>
+                  <a:pt x="3208815" y="729277"/>
+                </a:lnTo>
+                <a:cubicBezTo>
+                  <a:pt x="3233614" y="766476"/>
+                  <a:pt x="3204465" y="725136"/>
+                  <a:pt x="3236864" y="762935"/>
+                </a:cubicBezTo>
+                <a:cubicBezTo>
+                  <a:pt x="3242949" y="770034"/>
+                  <a:pt x="3247608" y="778276"/>
+                  <a:pt x="3253693" y="785375"/>
+                </a:cubicBezTo>
+                <a:cubicBezTo>
+                  <a:pt x="3262111" y="795196"/>
+                  <a:pt x="3281881" y="813494"/>
+                  <a:pt x="3292962" y="819034"/>
+                </a:cubicBezTo>
+                <a:cubicBezTo>
+                  <a:pt x="3303540" y="824323"/>
+                  <a:pt x="3315401" y="826513"/>
+                  <a:pt x="3326621" y="830253"/>
+                </a:cubicBezTo>
+                <a:lnTo>
+                  <a:pt x="3343450" y="835863"/>
+                </a:lnTo>
+                <a:cubicBezTo>
+                  <a:pt x="3364019" y="833993"/>
+                  <a:pt x="3385417" y="836327"/>
+                  <a:pt x="3405158" y="830253"/>
+                </a:cubicBezTo>
+                <a:cubicBezTo>
+                  <a:pt x="3411602" y="828270"/>
+                  <a:pt x="3412459" y="818910"/>
+                  <a:pt x="3416378" y="813424"/>
+                </a:cubicBezTo>
+                <a:cubicBezTo>
+                  <a:pt x="3451157" y="764734"/>
+                  <a:pt x="3417994" y="813805"/>
+                  <a:pt x="3444427" y="774155"/>
+                </a:cubicBezTo>
+                <a:cubicBezTo>
+                  <a:pt x="3464213" y="714797"/>
+                  <a:pt x="3450612" y="737859"/>
+                  <a:pt x="3478086" y="701227"/>
+                </a:cubicBezTo>
+                <a:cubicBezTo>
+                  <a:pt x="3479956" y="695617"/>
+                  <a:pt x="3481367" y="689833"/>
+                  <a:pt x="3483696" y="684398"/>
+                </a:cubicBezTo>
+                <a:cubicBezTo>
+                  <a:pt x="3486990" y="676712"/>
+                  <a:pt x="3491979" y="669789"/>
+                  <a:pt x="3494915" y="661959"/>
+                </a:cubicBezTo>
+                <a:cubicBezTo>
+                  <a:pt x="3497622" y="654740"/>
+                  <a:pt x="3499013" y="647080"/>
+                  <a:pt x="3500525" y="639520"/>
+                </a:cubicBezTo>
+                <a:cubicBezTo>
+                  <a:pt x="3514358" y="570358"/>
+                  <a:pt x="3496782" y="645153"/>
+                  <a:pt x="3511745" y="555372"/>
+                </a:cubicBezTo>
+                <a:cubicBezTo>
+                  <a:pt x="3514579" y="538367"/>
+                  <a:pt x="3518783" y="521609"/>
+                  <a:pt x="3522964" y="504884"/>
+                </a:cubicBezTo>
+                <a:cubicBezTo>
+                  <a:pt x="3526266" y="491677"/>
+                  <a:pt x="3531123" y="478880"/>
+                  <a:pt x="3534184" y="465615"/>
+                </a:cubicBezTo>
+                <a:cubicBezTo>
+                  <a:pt x="3536742" y="454532"/>
+                  <a:pt x="3537035" y="442991"/>
+                  <a:pt x="3539794" y="431956"/>
+                </a:cubicBezTo>
+                <a:cubicBezTo>
+                  <a:pt x="3542662" y="420483"/>
+                  <a:pt x="3551013" y="398297"/>
+                  <a:pt x="3551013" y="398297"/>
+                </a:cubicBezTo>
+                <a:cubicBezTo>
+                  <a:pt x="3552883" y="377728"/>
+                  <a:pt x="3553033" y="356929"/>
+                  <a:pt x="3556623" y="336589"/>
+                </a:cubicBezTo>
+                <a:cubicBezTo>
+                  <a:pt x="3558678" y="324943"/>
+                  <a:pt x="3563801" y="314045"/>
+                  <a:pt x="3567843" y="302931"/>
+                </a:cubicBezTo>
+                <a:cubicBezTo>
+                  <a:pt x="3573857" y="286393"/>
+                  <a:pt x="3581460" y="267880"/>
+                  <a:pt x="3590282" y="252442"/>
+                </a:cubicBezTo>
+                <a:cubicBezTo>
+                  <a:pt x="3593627" y="246588"/>
+                  <a:pt x="3597762" y="241223"/>
+                  <a:pt x="3601502" y="235613"/>
+                </a:cubicBezTo>
+                <a:cubicBezTo>
+                  <a:pt x="3613171" y="188939"/>
+                  <a:pt x="3596347" y="236189"/>
+                  <a:pt x="3629551" y="196344"/>
+                </a:cubicBezTo>
+                <a:cubicBezTo>
+                  <a:pt x="3633336" y="191801"/>
+                  <a:pt x="3630980" y="183696"/>
+                  <a:pt x="3635161" y="179515"/>
+                </a:cubicBezTo>
+                <a:cubicBezTo>
+                  <a:pt x="3644696" y="169980"/>
+                  <a:pt x="3668819" y="157075"/>
+                  <a:pt x="3668819" y="157075"/>
+                </a:cubicBezTo>
+                <a:cubicBezTo>
+                  <a:pt x="3680039" y="158945"/>
+                  <a:pt x="3692304" y="157598"/>
+                  <a:pt x="3702478" y="162685"/>
+                </a:cubicBezTo>
+                <a:cubicBezTo>
+                  <a:pt x="3708509" y="165700"/>
+                  <a:pt x="3710125" y="173797"/>
+                  <a:pt x="3713698" y="179515"/>
+                </a:cubicBezTo>
+                <a:cubicBezTo>
+                  <a:pt x="3747516" y="233625"/>
+                  <a:pt x="3716118" y="185952"/>
+                  <a:pt x="3741747" y="224393"/>
+                </a:cubicBezTo>
+                <a:cubicBezTo>
+                  <a:pt x="3759176" y="276678"/>
+                  <a:pt x="3744337" y="240275"/>
+                  <a:pt x="3769796" y="286101"/>
+                </a:cubicBezTo>
+                <a:cubicBezTo>
+                  <a:pt x="3773857" y="293411"/>
+                  <a:pt x="3775574" y="302191"/>
+                  <a:pt x="3781016" y="308540"/>
+                </a:cubicBezTo>
+                <a:cubicBezTo>
+                  <a:pt x="3787101" y="315639"/>
+                  <a:pt x="3796844" y="318759"/>
+                  <a:pt x="3803455" y="325370"/>
+                </a:cubicBezTo>
+                <a:cubicBezTo>
+                  <a:pt x="3808222" y="330137"/>
+                  <a:pt x="3809908" y="337432"/>
+                  <a:pt x="3814675" y="342199"/>
+                </a:cubicBezTo>
+                <a:cubicBezTo>
+                  <a:pt x="3821286" y="348810"/>
+                  <a:pt x="3830015" y="352944"/>
+                  <a:pt x="3837114" y="359029"/>
+                </a:cubicBezTo>
+                <a:cubicBezTo>
+                  <a:pt x="3843137" y="364192"/>
+                  <a:pt x="3848333" y="370248"/>
+                  <a:pt x="3853943" y="375858"/>
+                </a:cubicBezTo>
+                <a:cubicBezTo>
+                  <a:pt x="3859181" y="391571"/>
+                  <a:pt x="3868576" y="421951"/>
+                  <a:pt x="3876383" y="437566"/>
+                </a:cubicBezTo>
+                <a:cubicBezTo>
+                  <a:pt x="3930299" y="545401"/>
+                  <a:pt x="3850899" y="372500"/>
+                  <a:pt x="3893212" y="471225"/>
+                </a:cubicBezTo>
+                <a:cubicBezTo>
+                  <a:pt x="3896506" y="478911"/>
+                  <a:pt x="3896131" y="492652"/>
+                  <a:pt x="3904432" y="493664"/>
+                </a:cubicBezTo>
+                <a:cubicBezTo>
+                  <a:pt x="3976847" y="502495"/>
+                  <a:pt x="4050287" y="497404"/>
+                  <a:pt x="4123215" y="499274"/>
+                </a:cubicBezTo>
+                <a:cubicBezTo>
+                  <a:pt x="4151264" y="497404"/>
+                  <a:pt x="4179998" y="500103"/>
+                  <a:pt x="4207362" y="493664"/>
+                </a:cubicBezTo>
+                <a:cubicBezTo>
+                  <a:pt x="4213925" y="492120"/>
+                  <a:pt x="4213316" y="481047"/>
+                  <a:pt x="4218581" y="476835"/>
+                </a:cubicBezTo>
+                <a:cubicBezTo>
+                  <a:pt x="4223199" y="473141"/>
+                  <a:pt x="4235411" y="471225"/>
+                  <a:pt x="4235411" y="471225"/>
+                </a:cubicBezTo>
+              </a:path>
+            </a:pathLst>
+          </a:custGeom>
+          <a:noFill/>
+        </p:spPr>
+        <p:style>
+          <a:lnRef idx="2">
+            <a:schemeClr val="accent1">
+              <a:shade val="50000"/>
+            </a:schemeClr>
+          </a:lnRef>
+          <a:fillRef idx="1">
+            <a:schemeClr val="accent1"/>
+          </a:fillRef>
+          <a:effectRef idx="0">
+            <a:schemeClr val="accent1"/>
+          </a:effectRef>
+          <a:fontRef idx="minor">
+            <a:schemeClr val="lt1"/>
+          </a:fontRef>
+        </p:style>
+        <p:txBody>
+          <a:bodyPr rtlCol="0" anchor="ctr"/>
+          <a:lstStyle/>
+          <a:p>
+            <a:pPr algn="ctr"/>
+            <a:endParaRPr lang="en-US"/>
+          </a:p>
+        </p:txBody>
+      </p:sp>
+      <p:sp>
+        <p:nvSpPr>
+          <p:cNvPr id="19" name="TextBox 18"/>
+          <p:cNvSpPr txBox="1"/>
+          <p:nvPr/>
+        </p:nvSpPr>
+        <p:spPr>
+          <a:xfrm>
+            <a:off x="2541781" y="3282388"/>
+            <a:ext cx="880113" cy="461665"/>
+          </a:xfrm>
+          <a:prstGeom prst="rect">
+            <a:avLst/>
+          </a:prstGeom>
+          <a:noFill/>
+        </p:spPr>
+        <p:txBody>
+          <a:bodyPr wrap="none" rtlCol="0">
+            <a:spAutoFit/>
+          </a:bodyPr>
+          <a:lstStyle/>
+          <a:p>
+            <a:pPr algn="ctr"/>
+            <a:r>
+              <a:rPr lang="en-US" sz="1200" dirty="0" smtClean="0"/>
+              <a:t>180s </a:t>
+            </a:r>
+          </a:p>
+          <a:p>
+            <a:pPr algn="ctr"/>
+            <a:r>
+              <a:rPr lang="en-US" sz="1200" dirty="0" smtClean="0"/>
+              <a:t>Rest Period</a:t>
+            </a:r>
+            <a:endParaRPr lang="en-US" sz="1200" dirty="0"/>
+          </a:p>
+        </p:txBody>
+      </p:sp>
+      <p:sp>
+        <p:nvSpPr>
+          <p:cNvPr id="20" name="TextBox 19"/>
+          <p:cNvSpPr txBox="1"/>
+          <p:nvPr/>
+        </p:nvSpPr>
+        <p:spPr>
+          <a:xfrm>
+            <a:off x="3521549" y="3282388"/>
+            <a:ext cx="965008" cy="461665"/>
+          </a:xfrm>
+          <a:prstGeom prst="rect">
+            <a:avLst/>
+          </a:prstGeom>
+          <a:noFill/>
+        </p:spPr>
+        <p:txBody>
+          <a:bodyPr wrap="none" rtlCol="0">
+            <a:spAutoFit/>
+          </a:bodyPr>
+          <a:lstStyle/>
+          <a:p>
+            <a:pPr algn="ctr"/>
+            <a:r>
+              <a:rPr lang="en-US" sz="1200" dirty="0" smtClean="0"/>
+              <a:t>2 tasks for </a:t>
+            </a:r>
+          </a:p>
+          <a:p>
+            <a:pPr algn="ctr"/>
+            <a:r>
+              <a:rPr lang="en-US" sz="1200" dirty="0" smtClean="0"/>
+              <a:t>training data</a:t>
+            </a:r>
+            <a:endParaRPr lang="en-US" sz="1200" dirty="0"/>
+          </a:p>
+        </p:txBody>
+      </p:sp>
+      <p:sp>
+        <p:nvSpPr>
+          <p:cNvPr id="21" name="TextBox 20"/>
+          <p:cNvSpPr txBox="1"/>
+          <p:nvPr/>
+        </p:nvSpPr>
+        <p:spPr>
+          <a:xfrm>
+            <a:off x="4986276" y="3322859"/>
+            <a:ext cx="1069140" cy="276999"/>
+          </a:xfrm>
+          <a:prstGeom prst="rect">
+            <a:avLst/>
+          </a:prstGeom>
+          <a:noFill/>
+        </p:spPr>
+        <p:txBody>
+          <a:bodyPr wrap="none" rtlCol="0">
+            <a:spAutoFit/>
+          </a:bodyPr>
+          <a:lstStyle/>
+          <a:p>
+            <a:pPr algn="ctr"/>
+            <a:r>
+              <a:rPr lang="en-US" sz="1200" dirty="0" smtClean="0"/>
+              <a:t>…Unseen data</a:t>
+            </a:r>
+            <a:endParaRPr lang="en-US" sz="1200" dirty="0"/>
+          </a:p>
+        </p:txBody>
+      </p:sp>
+      <p:sp>
+        <p:nvSpPr>
+          <p:cNvPr id="22" name="TextBox 21"/>
+          <p:cNvSpPr txBox="1"/>
+          <p:nvPr/>
+        </p:nvSpPr>
+        <p:spPr>
+          <a:xfrm>
+            <a:off x="6783300" y="3189911"/>
+            <a:ext cx="465192" cy="261610"/>
+          </a:xfrm>
+          <a:prstGeom prst="rect">
+            <a:avLst/>
+          </a:prstGeom>
+          <a:noFill/>
+        </p:spPr>
+        <p:txBody>
+          <a:bodyPr wrap="none" rtlCol="0">
+            <a:spAutoFit/>
+          </a:bodyPr>
+          <a:lstStyle/>
+          <a:p>
+            <a:r>
+              <a:rPr lang="en-US" sz="1100" dirty="0" smtClean="0"/>
+              <a:t>Time</a:t>
+            </a:r>
+            <a:endParaRPr lang="en-US" sz="1100" dirty="0"/>
+          </a:p>
+        </p:txBody>
+      </p:sp>
+      <p:sp>
+        <p:nvSpPr>
+          <p:cNvPr id="26" name="TextBox 25"/>
+          <p:cNvSpPr txBox="1"/>
+          <p:nvPr/>
+        </p:nvSpPr>
+        <p:spPr>
+          <a:xfrm>
+            <a:off x="2027855" y="1194668"/>
+            <a:ext cx="780983" cy="261610"/>
+          </a:xfrm>
+          <a:prstGeom prst="rect">
+            <a:avLst/>
+          </a:prstGeom>
+          <a:noFill/>
+        </p:spPr>
+        <p:txBody>
+          <a:bodyPr wrap="none" rtlCol="0">
+            <a:spAutoFit/>
+          </a:bodyPr>
+          <a:lstStyle/>
+          <a:p>
+            <a:r>
+              <a:rPr lang="en-US" sz="1100" dirty="0" smtClean="0"/>
+              <a:t>Data value</a:t>
+            </a:r>
+            <a:endParaRPr lang="en-US" sz="1100" dirty="0"/>
+          </a:p>
+        </p:txBody>
+      </p:sp>
+    </p:spTree>
+    <p:extLst>
+      <p:ext uri="{BB962C8B-B14F-4D97-AF65-F5344CB8AC3E}">
+        <p14:creationId xmlns:p14="http://schemas.microsoft.com/office/powerpoint/2010/main" val="2688840584"/>
       </p:ext>
     </p:extLst>
   </p:cSld>
